--- a/Presentation/CSCD-Cohort6-Group6-KCST.pptx
+++ b/Presentation/CSCD-Cohort6-Group6-KCST.pptx
@@ -5,7 +5,7 @@
     <p:sldMasterId id="2147483648" r:id="rId1"/>
   </p:sldMasterIdLst>
   <p:notesMasterIdLst>
-    <p:notesMasterId r:id="rId24"/>
+    <p:notesMasterId r:id="rId23"/>
   </p:notesMasterIdLst>
   <p:sldIdLst>
     <p:sldId id="256" r:id="rId2"/>
@@ -14,22 +14,21 @@
     <p:sldId id="282" r:id="rId5"/>
     <p:sldId id="281" r:id="rId6"/>
     <p:sldId id="280" r:id="rId7"/>
-    <p:sldId id="287" r:id="rId8"/>
-    <p:sldId id="288" r:id="rId9"/>
-    <p:sldId id="289" r:id="rId10"/>
-    <p:sldId id="284" r:id="rId11"/>
-    <p:sldId id="285" r:id="rId12"/>
-    <p:sldId id="283" r:id="rId13"/>
-    <p:sldId id="268" r:id="rId14"/>
-    <p:sldId id="259" r:id="rId15"/>
-    <p:sldId id="265" r:id="rId16"/>
-    <p:sldId id="264" r:id="rId17"/>
-    <p:sldId id="271" r:id="rId18"/>
-    <p:sldId id="272" r:id="rId19"/>
-    <p:sldId id="273" r:id="rId20"/>
-    <p:sldId id="275" r:id="rId21"/>
-    <p:sldId id="276" r:id="rId22"/>
-    <p:sldId id="274" r:id="rId23"/>
+    <p:sldId id="288" r:id="rId8"/>
+    <p:sldId id="289" r:id="rId9"/>
+    <p:sldId id="284" r:id="rId10"/>
+    <p:sldId id="285" r:id="rId11"/>
+    <p:sldId id="283" r:id="rId12"/>
+    <p:sldId id="268" r:id="rId13"/>
+    <p:sldId id="259" r:id="rId14"/>
+    <p:sldId id="265" r:id="rId15"/>
+    <p:sldId id="264" r:id="rId16"/>
+    <p:sldId id="271" r:id="rId17"/>
+    <p:sldId id="272" r:id="rId18"/>
+    <p:sldId id="273" r:id="rId19"/>
+    <p:sldId id="275" r:id="rId20"/>
+    <p:sldId id="276" r:id="rId21"/>
+    <p:sldId id="274" r:id="rId22"/>
   </p:sldIdLst>
   <p:sldSz cx="12192000" cy="6858000"/>
   <p:notesSz cx="6858000" cy="9144000"/>
@@ -6839,7 +6838,7 @@
           <a:p>
             <a:fld id="{C3EDC127-AB2F-4BCD-8FAE-54612659A330}" type="datetimeFigureOut">
               <a:rPr lang="en-US" smtClean="0"/>
-              <a:t>3/28/2023</a:t>
+              <a:t>3/29/2023</a:t>
             </a:fld>
             <a:endParaRPr lang="en-US"/>
           </a:p>
@@ -7337,7 +7336,7 @@
           <a:p>
             <a:fld id="{0572980E-4353-4473-AFEC-204C3EED2D10}" type="datetimeFigureOut">
               <a:rPr lang="en-US" smtClean="0"/>
-              <a:t>3/28/2023</a:t>
+              <a:t>3/29/2023</a:t>
             </a:fld>
             <a:endParaRPr lang="en-US"/>
           </a:p>
@@ -7535,7 +7534,7 @@
           <a:p>
             <a:fld id="{0572980E-4353-4473-AFEC-204C3EED2D10}" type="datetimeFigureOut">
               <a:rPr lang="en-US" smtClean="0"/>
-              <a:t>3/28/2023</a:t>
+              <a:t>3/29/2023</a:t>
             </a:fld>
             <a:endParaRPr lang="en-US"/>
           </a:p>
@@ -7743,7 +7742,7 @@
           <a:p>
             <a:fld id="{0572980E-4353-4473-AFEC-204C3EED2D10}" type="datetimeFigureOut">
               <a:rPr lang="en-US" smtClean="0"/>
-              <a:t>3/28/2023</a:t>
+              <a:t>3/29/2023</a:t>
             </a:fld>
             <a:endParaRPr lang="en-US"/>
           </a:p>
@@ -7941,7 +7940,7 @@
           <a:p>
             <a:fld id="{0572980E-4353-4473-AFEC-204C3EED2D10}" type="datetimeFigureOut">
               <a:rPr lang="en-US" smtClean="0"/>
-              <a:t>3/28/2023</a:t>
+              <a:t>3/29/2023</a:t>
             </a:fld>
             <a:endParaRPr lang="en-US"/>
           </a:p>
@@ -8216,7 +8215,7 @@
           <a:p>
             <a:fld id="{0572980E-4353-4473-AFEC-204C3EED2D10}" type="datetimeFigureOut">
               <a:rPr lang="en-US" smtClean="0"/>
-              <a:t>3/28/2023</a:t>
+              <a:t>3/29/2023</a:t>
             </a:fld>
             <a:endParaRPr lang="en-US"/>
           </a:p>
@@ -8481,7 +8480,7 @@
           <a:p>
             <a:fld id="{0572980E-4353-4473-AFEC-204C3EED2D10}" type="datetimeFigureOut">
               <a:rPr lang="en-US" smtClean="0"/>
-              <a:t>3/28/2023</a:t>
+              <a:t>3/29/2023</a:t>
             </a:fld>
             <a:endParaRPr lang="en-US"/>
           </a:p>
@@ -8893,7 +8892,7 @@
           <a:p>
             <a:fld id="{0572980E-4353-4473-AFEC-204C3EED2D10}" type="datetimeFigureOut">
               <a:rPr lang="en-US" smtClean="0"/>
-              <a:t>3/28/2023</a:t>
+              <a:t>3/29/2023</a:t>
             </a:fld>
             <a:endParaRPr lang="en-US"/>
           </a:p>
@@ -9034,7 +9033,7 @@
           <a:p>
             <a:fld id="{0572980E-4353-4473-AFEC-204C3EED2D10}" type="datetimeFigureOut">
               <a:rPr lang="en-US" smtClean="0"/>
-              <a:t>3/28/2023</a:t>
+              <a:t>3/29/2023</a:t>
             </a:fld>
             <a:endParaRPr lang="en-US"/>
           </a:p>
@@ -9147,7 +9146,7 @@
           <a:p>
             <a:fld id="{0572980E-4353-4473-AFEC-204C3EED2D10}" type="datetimeFigureOut">
               <a:rPr lang="en-US" smtClean="0"/>
-              <a:t>3/28/2023</a:t>
+              <a:t>3/29/2023</a:t>
             </a:fld>
             <a:endParaRPr lang="en-US"/>
           </a:p>
@@ -9458,7 +9457,7 @@
           <a:p>
             <a:fld id="{0572980E-4353-4473-AFEC-204C3EED2D10}" type="datetimeFigureOut">
               <a:rPr lang="en-US" smtClean="0"/>
-              <a:t>3/28/2023</a:t>
+              <a:t>3/29/2023</a:t>
             </a:fld>
             <a:endParaRPr lang="en-US"/>
           </a:p>
@@ -9746,7 +9745,7 @@
           <a:p>
             <a:fld id="{0572980E-4353-4473-AFEC-204C3EED2D10}" type="datetimeFigureOut">
               <a:rPr lang="en-US" smtClean="0"/>
-              <a:t>3/28/2023</a:t>
+              <a:t>3/29/2023</a:t>
             </a:fld>
             <a:endParaRPr lang="en-US"/>
           </a:p>
@@ -9987,7 +9986,7 @@
           <a:p>
             <a:fld id="{0572980E-4353-4473-AFEC-204C3EED2D10}" type="datetimeFigureOut">
               <a:rPr lang="en-US" smtClean="0"/>
-              <a:t>3/28/2023</a:t>
+              <a:t>3/29/2023</a:t>
             </a:fld>
             <a:endParaRPr lang="en-US"/>
           </a:p>
@@ -10936,285 +10935,6 @@
           <a:p>
             <a:r>
               <a:rPr lang="en-US" b="1" dirty="0"/>
-              <a:t> Front Engine Demo </a:t>
-            </a:r>
-          </a:p>
-        </p:txBody>
-      </p:sp>
-      <p:sp>
-        <p:nvSpPr>
-          <p:cNvPr id="3" name="Rectangle 2">
-            <a:extLst>
-              <a:ext uri="{FF2B5EF4-FFF2-40B4-BE49-F238E27FC236}">
-                <a16:creationId xmlns:a16="http://schemas.microsoft.com/office/drawing/2014/main" id="{44E72F99-2102-4087-BA03-2854BF737A18}"/>
-              </a:ext>
-            </a:extLst>
-          </p:cNvPr>
-          <p:cNvSpPr/>
-          <p:nvPr/>
-        </p:nvSpPr>
-        <p:spPr>
-          <a:xfrm>
-            <a:off x="81280" y="-20320"/>
-            <a:ext cx="132080" cy="1361437"/>
-          </a:xfrm>
-          <a:prstGeom prst="rect">
-            <a:avLst/>
-          </a:prstGeom>
-          <a:solidFill>
-            <a:srgbClr val="0070C0"/>
-          </a:solidFill>
-          <a:ln>
-            <a:noFill/>
-          </a:ln>
-        </p:spPr>
-        <p:style>
-          <a:lnRef idx="2">
-            <a:schemeClr val="accent1">
-              <a:shade val="50000"/>
-            </a:schemeClr>
-          </a:lnRef>
-          <a:fillRef idx="1">
-            <a:schemeClr val="accent1"/>
-          </a:fillRef>
-          <a:effectRef idx="0">
-            <a:schemeClr val="accent1"/>
-          </a:effectRef>
-          <a:fontRef idx="minor">
-            <a:schemeClr val="lt1"/>
-          </a:fontRef>
-        </p:style>
-        <p:txBody>
-          <a:bodyPr rtlCol="0" anchor="ctr"/>
-          <a:lstStyle/>
-          <a:p>
-            <a:pPr algn="ctr"/>
-            <a:endParaRPr lang="en-US"/>
-          </a:p>
-        </p:txBody>
-      </p:sp>
-      <p:sp>
-        <p:nvSpPr>
-          <p:cNvPr id="4" name="Rectangle 3">
-            <a:extLst>
-              <a:ext uri="{FF2B5EF4-FFF2-40B4-BE49-F238E27FC236}">
-                <a16:creationId xmlns:a16="http://schemas.microsoft.com/office/drawing/2014/main" id="{BDE1D32A-BC0E-4740-99EA-C260029D6E79}"/>
-              </a:ext>
-            </a:extLst>
-          </p:cNvPr>
-          <p:cNvSpPr/>
-          <p:nvPr/>
-        </p:nvSpPr>
-        <p:spPr>
-          <a:xfrm>
-            <a:off x="81280" y="1493520"/>
-            <a:ext cx="132080" cy="5379720"/>
-          </a:xfrm>
-          <a:prstGeom prst="rect">
-            <a:avLst/>
-          </a:prstGeom>
-          <a:solidFill>
-            <a:schemeClr val="accent6">
-              <a:lumMod val="75000"/>
-            </a:schemeClr>
-          </a:solidFill>
-          <a:ln>
-            <a:noFill/>
-          </a:ln>
-        </p:spPr>
-        <p:style>
-          <a:lnRef idx="2">
-            <a:schemeClr val="accent1">
-              <a:shade val="50000"/>
-            </a:schemeClr>
-          </a:lnRef>
-          <a:fillRef idx="1">
-            <a:schemeClr val="accent1"/>
-          </a:fillRef>
-          <a:effectRef idx="0">
-            <a:schemeClr val="accent1"/>
-          </a:effectRef>
-          <a:fontRef idx="minor">
-            <a:schemeClr val="lt1"/>
-          </a:fontRef>
-        </p:style>
-        <p:txBody>
-          <a:bodyPr rtlCol="0" anchor="ctr"/>
-          <a:lstStyle/>
-          <a:p>
-            <a:pPr algn="ctr"/>
-            <a:endParaRPr lang="en-US"/>
-          </a:p>
-        </p:txBody>
-      </p:sp>
-      <p:cxnSp>
-        <p:nvCxnSpPr>
-          <p:cNvPr id="6" name="Straight Connector 5">
-            <a:extLst>
-              <a:ext uri="{FF2B5EF4-FFF2-40B4-BE49-F238E27FC236}">
-                <a16:creationId xmlns:a16="http://schemas.microsoft.com/office/drawing/2014/main" id="{42B42CE4-A3FF-47D7-BDE3-941AD732A014}"/>
-              </a:ext>
-            </a:extLst>
-          </p:cNvPr>
-          <p:cNvCxnSpPr/>
-          <p:nvPr/>
-        </p:nvCxnSpPr>
-        <p:spPr>
-          <a:xfrm>
-            <a:off x="670560" y="1341120"/>
-            <a:ext cx="10952480" cy="0"/>
-          </a:xfrm>
-          <a:prstGeom prst="line">
-            <a:avLst/>
-          </a:prstGeom>
-          <a:ln w="38100"/>
-          <a:effectLst/>
-        </p:spPr>
-        <p:style>
-          <a:lnRef idx="3">
-            <a:schemeClr val="accent1"/>
-          </a:lnRef>
-          <a:fillRef idx="0">
-            <a:schemeClr val="accent1"/>
-          </a:fillRef>
-          <a:effectRef idx="2">
-            <a:schemeClr val="accent1"/>
-          </a:effectRef>
-          <a:fontRef idx="minor">
-            <a:schemeClr val="tx1"/>
-          </a:fontRef>
-        </p:style>
-      </p:cxnSp>
-      <p:pic>
-        <p:nvPicPr>
-          <p:cNvPr id="8" name="Picture 7">
-            <a:extLst>
-              <a:ext uri="{FF2B5EF4-FFF2-40B4-BE49-F238E27FC236}">
-                <a16:creationId xmlns:a16="http://schemas.microsoft.com/office/drawing/2014/main" id="{B34AD64E-3454-4CCD-9BC2-FB8949A785A6}"/>
-              </a:ext>
-            </a:extLst>
-          </p:cNvPr>
-          <p:cNvPicPr>
-            <a:picLocks noChangeAspect="1"/>
-          </p:cNvPicPr>
-          <p:nvPr/>
-        </p:nvPicPr>
-        <p:blipFill>
-          <a:blip r:embed="rId2"/>
-          <a:stretch>
-            <a:fillRect/>
-          </a:stretch>
-        </p:blipFill>
-        <p:spPr>
-          <a:xfrm>
-            <a:off x="2766299" y="1422411"/>
-            <a:ext cx="5097032" cy="3998424"/>
-          </a:xfrm>
-          <a:prstGeom prst="ellipse">
-            <a:avLst/>
-          </a:prstGeom>
-        </p:spPr>
-      </p:pic>
-      <p:sp>
-        <p:nvSpPr>
-          <p:cNvPr id="9" name="TextBox 8">
-            <a:extLst>
-              <a:ext uri="{FF2B5EF4-FFF2-40B4-BE49-F238E27FC236}">
-                <a16:creationId xmlns:a16="http://schemas.microsoft.com/office/drawing/2014/main" id="{AD62067B-80F1-47C1-8E51-DA5CE14051C4}"/>
-              </a:ext>
-            </a:extLst>
-          </p:cNvPr>
-          <p:cNvSpPr txBox="1"/>
-          <p:nvPr/>
-        </p:nvSpPr>
-        <p:spPr>
-          <a:xfrm>
-            <a:off x="10981412" y="6503253"/>
-            <a:ext cx="1210588" cy="400110"/>
-          </a:xfrm>
-          <a:prstGeom prst="rect">
-            <a:avLst/>
-          </a:prstGeom>
-          <a:noFill/>
-        </p:spPr>
-        <p:txBody>
-          <a:bodyPr wrap="none" rtlCol="0">
-            <a:spAutoFit/>
-          </a:bodyPr>
-          <a:lstStyle/>
-          <a:p>
-            <a:r>
-              <a:rPr lang="en-US" sz="2000" b="1" dirty="0">
-                <a:solidFill>
-                  <a:srgbClr val="0070C0"/>
-                </a:solidFill>
-                <a:latin typeface="Book Antiqua" panose="02040602050305030304" pitchFamily="18" charset="0"/>
-              </a:rPr>
-              <a:t>ArkThor</a:t>
-            </a:r>
-          </a:p>
-        </p:txBody>
-      </p:sp>
-    </p:spTree>
-    <p:extLst>
-      <p:ext uri="{BB962C8B-B14F-4D97-AF65-F5344CB8AC3E}">
-        <p14:creationId xmlns:p14="http://schemas.microsoft.com/office/powerpoint/2010/main" val="3596955378"/>
-      </p:ext>
-    </p:extLst>
-  </p:cSld>
-  <p:clrMapOvr>
-    <a:masterClrMapping/>
-  </p:clrMapOvr>
-</p:sld>
-</file>
-
-<file path=ppt/slides/slide11.xml><?xml version="1.0" encoding="utf-8"?>
-<p:sld xmlns:a="http://schemas.openxmlformats.org/drawingml/2006/main" xmlns:r="http://schemas.openxmlformats.org/officeDocument/2006/relationships" xmlns:p="http://schemas.openxmlformats.org/presentationml/2006/main">
-  <p:cSld>
-    <p:spTree>
-      <p:nvGrpSpPr>
-        <p:cNvPr id="1" name=""/>
-        <p:cNvGrpSpPr/>
-        <p:nvPr/>
-      </p:nvGrpSpPr>
-      <p:grpSpPr>
-        <a:xfrm>
-          <a:off x="0" y="0"/>
-          <a:ext cx="0" cy="0"/>
-          <a:chOff x="0" y="0"/>
-          <a:chExt cx="0" cy="0"/>
-        </a:xfrm>
-      </p:grpSpPr>
-      <p:sp>
-        <p:nvSpPr>
-          <p:cNvPr id="2" name="Title 1">
-            <a:extLst>
-              <a:ext uri="{FF2B5EF4-FFF2-40B4-BE49-F238E27FC236}">
-                <a16:creationId xmlns:a16="http://schemas.microsoft.com/office/drawing/2014/main" id="{53532E95-55A3-475F-B657-29DBE4E084AB}"/>
-              </a:ext>
-            </a:extLst>
-          </p:cNvPr>
-          <p:cNvSpPr>
-            <a:spLocks noGrp="1"/>
-          </p:cNvSpPr>
-          <p:nvPr>
-            <p:ph type="title"/>
-          </p:nvPr>
-        </p:nvSpPr>
-        <p:spPr>
-          <a:xfrm>
-            <a:off x="828040" y="131445"/>
-            <a:ext cx="10515600" cy="1128385"/>
-          </a:xfrm>
-        </p:spPr>
-        <p:txBody>
-          <a:bodyPr>
-            <a:normAutofit/>
-          </a:bodyPr>
-          <a:lstStyle/>
-          <a:p>
-            <a:r>
-              <a:rPr lang="en-US" b="1" dirty="0"/>
               <a:t> Core Engine Demo </a:t>
             </a:r>
           </a:p>
@@ -11447,7 +11167,7 @@
 </p:sld>
 </file>
 
-<file path=ppt/slides/slide12.xml><?xml version="1.0" encoding="utf-8"?>
+<file path=ppt/slides/slide11.xml><?xml version="1.0" encoding="utf-8"?>
 <p:sld xmlns:a="http://schemas.openxmlformats.org/drawingml/2006/main" xmlns:r="http://schemas.openxmlformats.org/officeDocument/2006/relationships" xmlns:p="http://schemas.openxmlformats.org/presentationml/2006/main">
   <p:cSld>
     <p:spTree>
@@ -11696,7 +11416,7 @@
 </p:sld>
 </file>
 
-<file path=ppt/slides/slide13.xml><?xml version="1.0" encoding="utf-8"?>
+<file path=ppt/slides/slide12.xml><?xml version="1.0" encoding="utf-8"?>
 <p:sld xmlns:a="http://schemas.openxmlformats.org/drawingml/2006/main" xmlns:r="http://schemas.openxmlformats.org/officeDocument/2006/relationships" xmlns:p="http://schemas.openxmlformats.org/presentationml/2006/main">
   <p:cSld>
     <p:spTree>
@@ -11973,7 +11693,7 @@
 </p:sld>
 </file>
 
-<file path=ppt/slides/slide14.xml><?xml version="1.0" encoding="utf-8"?>
+<file path=ppt/slides/slide13.xml><?xml version="1.0" encoding="utf-8"?>
 <p:sld xmlns:a="http://schemas.openxmlformats.org/drawingml/2006/main" xmlns:r="http://schemas.openxmlformats.org/officeDocument/2006/relationships" xmlns:p="http://schemas.openxmlformats.org/presentationml/2006/main">
   <p:cSld>
     <p:spTree>
@@ -12322,7 +12042,7 @@
 </p:sld>
 </file>
 
-<file path=ppt/slides/slide15.xml><?xml version="1.0" encoding="utf-8"?>
+<file path=ppt/slides/slide14.xml><?xml version="1.0" encoding="utf-8"?>
 <p:sld xmlns:a="http://schemas.openxmlformats.org/drawingml/2006/main" xmlns:r="http://schemas.openxmlformats.org/officeDocument/2006/relationships" xmlns:p="http://schemas.openxmlformats.org/presentationml/2006/main">
   <p:cSld>
     <p:spTree>
@@ -12731,7 +12451,7 @@
 </p:sld>
 </file>
 
-<file path=ppt/slides/slide16.xml><?xml version="1.0" encoding="utf-8"?>
+<file path=ppt/slides/slide15.xml><?xml version="1.0" encoding="utf-8"?>
 <p:sld xmlns:a="http://schemas.openxmlformats.org/drawingml/2006/main" xmlns:r="http://schemas.openxmlformats.org/officeDocument/2006/relationships" xmlns:p="http://schemas.openxmlformats.org/presentationml/2006/main">
   <p:cSld>
     <p:spTree>
@@ -12983,7 +12703,7 @@
 </p:sld>
 </file>
 
-<file path=ppt/slides/slide17.xml><?xml version="1.0" encoding="utf-8"?>
+<file path=ppt/slides/slide16.xml><?xml version="1.0" encoding="utf-8"?>
 <p:sld xmlns:a="http://schemas.openxmlformats.org/drawingml/2006/main" xmlns:r="http://schemas.openxmlformats.org/officeDocument/2006/relationships" xmlns:p="http://schemas.openxmlformats.org/presentationml/2006/main">
   <p:cSld>
     <p:spTree>
@@ -13013,7 +12733,7 @@
 </p:sld>
 </file>
 
-<file path=ppt/slides/slide18.xml><?xml version="1.0" encoding="utf-8"?>
+<file path=ppt/slides/slide17.xml><?xml version="1.0" encoding="utf-8"?>
 <p:sld xmlns:a="http://schemas.openxmlformats.org/drawingml/2006/main" xmlns:r="http://schemas.openxmlformats.org/officeDocument/2006/relationships" xmlns:p="http://schemas.openxmlformats.org/presentationml/2006/main">
   <p:cSld>
     <p:spTree>
@@ -13103,7 +12823,7 @@
 </p:sld>
 </file>
 
-<file path=ppt/slides/slide19.xml><?xml version="1.0" encoding="utf-8"?>
+<file path=ppt/slides/slide18.xml><?xml version="1.0" encoding="utf-8"?>
 <p:sld xmlns:a="http://schemas.openxmlformats.org/drawingml/2006/main" xmlns:r="http://schemas.openxmlformats.org/officeDocument/2006/relationships" xmlns:p="http://schemas.openxmlformats.org/presentationml/2006/main">
   <p:cSld>
     <p:spTree>
@@ -13462,6 +13182,161 @@
     <p:extLst>
       <p:ext uri="{BB962C8B-B14F-4D97-AF65-F5344CB8AC3E}">
         <p14:creationId xmlns:p14="http://schemas.microsoft.com/office/powerpoint/2010/main" val="796630321"/>
+      </p:ext>
+    </p:extLst>
+  </p:cSld>
+  <p:clrMapOvr>
+    <a:masterClrMapping/>
+  </p:clrMapOvr>
+</p:sld>
+</file>
+
+<file path=ppt/slides/slide19.xml><?xml version="1.0" encoding="utf-8"?>
+<p:sld xmlns:a="http://schemas.openxmlformats.org/drawingml/2006/main" xmlns:r="http://schemas.openxmlformats.org/officeDocument/2006/relationships" xmlns:p="http://schemas.openxmlformats.org/presentationml/2006/main">
+  <p:cSld>
+    <p:spTree>
+      <p:nvGrpSpPr>
+        <p:cNvPr id="1" name=""/>
+        <p:cNvGrpSpPr/>
+        <p:nvPr/>
+      </p:nvGrpSpPr>
+      <p:grpSpPr>
+        <a:xfrm>
+          <a:off x="0" y="0"/>
+          <a:ext cx="0" cy="0"/>
+          <a:chOff x="0" y="0"/>
+          <a:chExt cx="0" cy="0"/>
+        </a:xfrm>
+      </p:grpSpPr>
+      <p:pic>
+        <p:nvPicPr>
+          <p:cNvPr id="4" name="Picture 3">
+            <a:extLst>
+              <a:ext uri="{FF2B5EF4-FFF2-40B4-BE49-F238E27FC236}">
+                <a16:creationId xmlns:a16="http://schemas.microsoft.com/office/drawing/2014/main" id="{0C4E6E35-A876-48D2-B78E-2A2A847A1AEF}"/>
+              </a:ext>
+            </a:extLst>
+          </p:cNvPr>
+          <p:cNvPicPr>
+            <a:picLocks noChangeAspect="1"/>
+          </p:cNvPicPr>
+          <p:nvPr/>
+        </p:nvPicPr>
+        <p:blipFill rotWithShape="1">
+          <a:blip r:embed="rId2"/>
+          <a:srcRect l="3305" t="1894" r="367" b="-117"/>
+          <a:stretch/>
+        </p:blipFill>
+        <p:spPr>
+          <a:xfrm>
+            <a:off x="91440" y="166254"/>
+            <a:ext cx="4620587" cy="2867892"/>
+          </a:xfrm>
+          <a:prstGeom prst="ellipse">
+            <a:avLst/>
+          </a:prstGeom>
+        </p:spPr>
+      </p:pic>
+      <p:pic>
+        <p:nvPicPr>
+          <p:cNvPr id="13" name="Picture 12">
+            <a:extLst>
+              <a:ext uri="{FF2B5EF4-FFF2-40B4-BE49-F238E27FC236}">
+                <a16:creationId xmlns:a16="http://schemas.microsoft.com/office/drawing/2014/main" id="{1866E023-0F46-41B2-81E2-4E477BAB8F36}"/>
+              </a:ext>
+            </a:extLst>
+          </p:cNvPr>
+          <p:cNvPicPr>
+            <a:picLocks noChangeAspect="1"/>
+          </p:cNvPicPr>
+          <p:nvPr/>
+        </p:nvPicPr>
+        <p:blipFill>
+          <a:blip r:embed="rId3">
+            <a:extLst>
+              <a:ext uri="{28A0092B-C50C-407E-A947-70E740481C1C}">
+                <a14:useLocalDpi xmlns:a14="http://schemas.microsoft.com/office/drawing/2010/main" val="0"/>
+              </a:ext>
+            </a:extLst>
+          </a:blip>
+          <a:stretch>
+            <a:fillRect/>
+          </a:stretch>
+        </p:blipFill>
+        <p:spPr>
+          <a:xfrm>
+            <a:off x="5217616" y="464122"/>
+            <a:ext cx="1908000" cy="1908000"/>
+          </a:xfrm>
+          <a:prstGeom prst="ellipse">
+            <a:avLst/>
+          </a:prstGeom>
+        </p:spPr>
+      </p:pic>
+      <p:pic>
+        <p:nvPicPr>
+          <p:cNvPr id="15" name="Picture 14">
+            <a:extLst>
+              <a:ext uri="{FF2B5EF4-FFF2-40B4-BE49-F238E27FC236}">
+                <a16:creationId xmlns:a16="http://schemas.microsoft.com/office/drawing/2014/main" id="{5D46B9EF-02F7-46B7-88E3-93FAD1822DB7}"/>
+              </a:ext>
+            </a:extLst>
+          </p:cNvPr>
+          <p:cNvPicPr>
+            <a:picLocks noChangeAspect="1"/>
+          </p:cNvPicPr>
+          <p:nvPr/>
+        </p:nvPicPr>
+        <p:blipFill>
+          <a:blip r:embed="rId4"/>
+          <a:stretch>
+            <a:fillRect/>
+          </a:stretch>
+        </p:blipFill>
+        <p:spPr>
+          <a:xfrm>
+            <a:off x="6519949" y="2234912"/>
+            <a:ext cx="4305300" cy="3209925"/>
+          </a:xfrm>
+          <a:prstGeom prst="rect">
+            <a:avLst/>
+          </a:prstGeom>
+        </p:spPr>
+      </p:pic>
+      <p:pic>
+        <p:nvPicPr>
+          <p:cNvPr id="17" name="Picture 16">
+            <a:extLst>
+              <a:ext uri="{FF2B5EF4-FFF2-40B4-BE49-F238E27FC236}">
+                <a16:creationId xmlns:a16="http://schemas.microsoft.com/office/drawing/2014/main" id="{B1D82B80-4205-48A1-928D-E3B54C52242A}"/>
+              </a:ext>
+            </a:extLst>
+          </p:cNvPr>
+          <p:cNvPicPr>
+            <a:picLocks noChangeAspect="1"/>
+          </p:cNvPicPr>
+          <p:nvPr/>
+        </p:nvPicPr>
+        <p:blipFill>
+          <a:blip r:embed="rId5"/>
+          <a:stretch>
+            <a:fillRect/>
+          </a:stretch>
+        </p:blipFill>
+        <p:spPr>
+          <a:xfrm>
+            <a:off x="1294620" y="3326563"/>
+            <a:ext cx="3800475" cy="2981325"/>
+          </a:xfrm>
+          <a:prstGeom prst="ellipse">
+            <a:avLst/>
+          </a:prstGeom>
+        </p:spPr>
+      </p:pic>
+    </p:spTree>
+    <p:extLst>
+      <p:ext uri="{BB962C8B-B14F-4D97-AF65-F5344CB8AC3E}">
+        <p14:creationId xmlns:p14="http://schemas.microsoft.com/office/powerpoint/2010/main" val="1509737822"/>
       </p:ext>
     </p:extLst>
   </p:cSld>
@@ -13961,161 +13836,6 @@
           <a:chExt cx="0" cy="0"/>
         </a:xfrm>
       </p:grpSpPr>
-      <p:pic>
-        <p:nvPicPr>
-          <p:cNvPr id="4" name="Picture 3">
-            <a:extLst>
-              <a:ext uri="{FF2B5EF4-FFF2-40B4-BE49-F238E27FC236}">
-                <a16:creationId xmlns:a16="http://schemas.microsoft.com/office/drawing/2014/main" id="{0C4E6E35-A876-48D2-B78E-2A2A847A1AEF}"/>
-              </a:ext>
-            </a:extLst>
-          </p:cNvPr>
-          <p:cNvPicPr>
-            <a:picLocks noChangeAspect="1"/>
-          </p:cNvPicPr>
-          <p:nvPr/>
-        </p:nvPicPr>
-        <p:blipFill rotWithShape="1">
-          <a:blip r:embed="rId2"/>
-          <a:srcRect l="3305" t="1894" r="367" b="-117"/>
-          <a:stretch/>
-        </p:blipFill>
-        <p:spPr>
-          <a:xfrm>
-            <a:off x="91440" y="166254"/>
-            <a:ext cx="4620587" cy="2867892"/>
-          </a:xfrm>
-          <a:prstGeom prst="ellipse">
-            <a:avLst/>
-          </a:prstGeom>
-        </p:spPr>
-      </p:pic>
-      <p:pic>
-        <p:nvPicPr>
-          <p:cNvPr id="13" name="Picture 12">
-            <a:extLst>
-              <a:ext uri="{FF2B5EF4-FFF2-40B4-BE49-F238E27FC236}">
-                <a16:creationId xmlns:a16="http://schemas.microsoft.com/office/drawing/2014/main" id="{1866E023-0F46-41B2-81E2-4E477BAB8F36}"/>
-              </a:ext>
-            </a:extLst>
-          </p:cNvPr>
-          <p:cNvPicPr>
-            <a:picLocks noChangeAspect="1"/>
-          </p:cNvPicPr>
-          <p:nvPr/>
-        </p:nvPicPr>
-        <p:blipFill>
-          <a:blip r:embed="rId3">
-            <a:extLst>
-              <a:ext uri="{28A0092B-C50C-407E-A947-70E740481C1C}">
-                <a14:useLocalDpi xmlns:a14="http://schemas.microsoft.com/office/drawing/2010/main" val="0"/>
-              </a:ext>
-            </a:extLst>
-          </a:blip>
-          <a:stretch>
-            <a:fillRect/>
-          </a:stretch>
-        </p:blipFill>
-        <p:spPr>
-          <a:xfrm>
-            <a:off x="5217616" y="464122"/>
-            <a:ext cx="1908000" cy="1908000"/>
-          </a:xfrm>
-          <a:prstGeom prst="ellipse">
-            <a:avLst/>
-          </a:prstGeom>
-        </p:spPr>
-      </p:pic>
-      <p:pic>
-        <p:nvPicPr>
-          <p:cNvPr id="15" name="Picture 14">
-            <a:extLst>
-              <a:ext uri="{FF2B5EF4-FFF2-40B4-BE49-F238E27FC236}">
-                <a16:creationId xmlns:a16="http://schemas.microsoft.com/office/drawing/2014/main" id="{5D46B9EF-02F7-46B7-88E3-93FAD1822DB7}"/>
-              </a:ext>
-            </a:extLst>
-          </p:cNvPr>
-          <p:cNvPicPr>
-            <a:picLocks noChangeAspect="1"/>
-          </p:cNvPicPr>
-          <p:nvPr/>
-        </p:nvPicPr>
-        <p:blipFill>
-          <a:blip r:embed="rId4"/>
-          <a:stretch>
-            <a:fillRect/>
-          </a:stretch>
-        </p:blipFill>
-        <p:spPr>
-          <a:xfrm>
-            <a:off x="6519949" y="2234912"/>
-            <a:ext cx="4305300" cy="3209925"/>
-          </a:xfrm>
-          <a:prstGeom prst="rect">
-            <a:avLst/>
-          </a:prstGeom>
-        </p:spPr>
-      </p:pic>
-      <p:pic>
-        <p:nvPicPr>
-          <p:cNvPr id="17" name="Picture 16">
-            <a:extLst>
-              <a:ext uri="{FF2B5EF4-FFF2-40B4-BE49-F238E27FC236}">
-                <a16:creationId xmlns:a16="http://schemas.microsoft.com/office/drawing/2014/main" id="{B1D82B80-4205-48A1-928D-E3B54C52242A}"/>
-              </a:ext>
-            </a:extLst>
-          </p:cNvPr>
-          <p:cNvPicPr>
-            <a:picLocks noChangeAspect="1"/>
-          </p:cNvPicPr>
-          <p:nvPr/>
-        </p:nvPicPr>
-        <p:blipFill>
-          <a:blip r:embed="rId5"/>
-          <a:stretch>
-            <a:fillRect/>
-          </a:stretch>
-        </p:blipFill>
-        <p:spPr>
-          <a:xfrm>
-            <a:off x="1294620" y="3326563"/>
-            <a:ext cx="3800475" cy="2981325"/>
-          </a:xfrm>
-          <a:prstGeom prst="ellipse">
-            <a:avLst/>
-          </a:prstGeom>
-        </p:spPr>
-      </p:pic>
-    </p:spTree>
-    <p:extLst>
-      <p:ext uri="{BB962C8B-B14F-4D97-AF65-F5344CB8AC3E}">
-        <p14:creationId xmlns:p14="http://schemas.microsoft.com/office/powerpoint/2010/main" val="1509737822"/>
-      </p:ext>
-    </p:extLst>
-  </p:cSld>
-  <p:clrMapOvr>
-    <a:masterClrMapping/>
-  </p:clrMapOvr>
-</p:sld>
-</file>
-
-<file path=ppt/slides/slide21.xml><?xml version="1.0" encoding="utf-8"?>
-<p:sld xmlns:a="http://schemas.openxmlformats.org/drawingml/2006/main" xmlns:r="http://schemas.openxmlformats.org/officeDocument/2006/relationships" xmlns:p="http://schemas.openxmlformats.org/presentationml/2006/main">
-  <p:cSld>
-    <p:spTree>
-      <p:nvGrpSpPr>
-        <p:cNvPr id="1" name=""/>
-        <p:cNvGrpSpPr/>
-        <p:nvPr/>
-      </p:nvGrpSpPr>
-      <p:grpSpPr>
-        <a:xfrm>
-          <a:off x="0" y="0"/>
-          <a:ext cx="0" cy="0"/>
-          <a:chOff x="0" y="0"/>
-          <a:chExt cx="0" cy="0"/>
-        </a:xfrm>
-      </p:grpSpPr>
       <p:sp>
         <p:nvSpPr>
           <p:cNvPr id="2" name="TextBox 1">
@@ -14294,7 +14014,7 @@
 </p:sld>
 </file>
 
-<file path=ppt/slides/slide22.xml><?xml version="1.0" encoding="utf-8"?>
+<file path=ppt/slides/slide21.xml><?xml version="1.0" encoding="utf-8"?>
 <p:sld xmlns:a="http://schemas.openxmlformats.org/drawingml/2006/main" xmlns:r="http://schemas.openxmlformats.org/officeDocument/2006/relationships" xmlns:p="http://schemas.openxmlformats.org/presentationml/2006/main">
   <p:cSld>
     <p:spTree>
@@ -17333,5237 +17053,6 @@
           <a:chExt cx="0" cy="0"/>
         </a:xfrm>
       </p:grpSpPr>
-      <p:pic>
-        <p:nvPicPr>
-          <p:cNvPr id="1034" name="Picture 10" descr="Modern Flat Design Of Json File Icon For Web Stock Illustration - Download  Image Now - Computer File, File Folder, The Media - iStock">
-            <a:extLst>
-              <a:ext uri="{FF2B5EF4-FFF2-40B4-BE49-F238E27FC236}">
-                <a16:creationId xmlns:a16="http://schemas.microsoft.com/office/drawing/2014/main" id="{D2EE1D8D-6294-49B7-8FDA-45D2E43D5D73}"/>
-              </a:ext>
-            </a:extLst>
-          </p:cNvPr>
-          <p:cNvPicPr>
-            <a:picLocks noChangeAspect="1" noChangeArrowheads="1"/>
-          </p:cNvPicPr>
-          <p:nvPr/>
-        </p:nvPicPr>
-        <p:blipFill>
-          <a:blip r:embed="rId2">
-            <a:extLst>
-              <a:ext uri="{28A0092B-C50C-407E-A947-70E740481C1C}">
-                <a14:useLocalDpi xmlns:a14="http://schemas.microsoft.com/office/drawing/2010/main" val="0"/>
-              </a:ext>
-            </a:extLst>
-          </a:blip>
-          <a:srcRect/>
-          <a:stretch>
-            <a:fillRect/>
-          </a:stretch>
-        </p:blipFill>
-        <p:spPr bwMode="auto">
-          <a:xfrm>
-            <a:off x="5015931" y="5916596"/>
-            <a:ext cx="620028" cy="620028"/>
-          </a:xfrm>
-          <a:prstGeom prst="rect">
-            <a:avLst/>
-          </a:prstGeom>
-          <a:noFill/>
-          <a:extLst>
-            <a:ext uri="{909E8E84-426E-40DD-AFC4-6F175D3DCCD1}">
-              <a14:hiddenFill xmlns:a14="http://schemas.microsoft.com/office/drawing/2010/main">
-                <a:solidFill>
-                  <a:srgbClr val="FFFFFF"/>
-                </a:solidFill>
-              </a14:hiddenFill>
-            </a:ext>
-          </a:extLst>
-        </p:spPr>
-      </p:pic>
-      <p:sp>
-        <p:nvSpPr>
-          <p:cNvPr id="2" name="Title 1">
-            <a:extLst>
-              <a:ext uri="{FF2B5EF4-FFF2-40B4-BE49-F238E27FC236}">
-                <a16:creationId xmlns:a16="http://schemas.microsoft.com/office/drawing/2014/main" id="{53532E95-55A3-475F-B657-29DBE4E084AB}"/>
-              </a:ext>
-            </a:extLst>
-          </p:cNvPr>
-          <p:cNvSpPr>
-            <a:spLocks noGrp="1"/>
-          </p:cNvSpPr>
-          <p:nvPr>
-            <p:ph type="title"/>
-          </p:nvPr>
-        </p:nvSpPr>
-        <p:spPr>
-          <a:xfrm>
-            <a:off x="828040" y="131445"/>
-            <a:ext cx="10515600" cy="1128385"/>
-          </a:xfrm>
-        </p:spPr>
-        <p:txBody>
-          <a:bodyPr/>
-          <a:lstStyle/>
-          <a:p>
-            <a:pPr algn="ctr"/>
-            <a:r>
-              <a:rPr lang="en-US" b="1" dirty="0"/>
-              <a:t>ArkThor Architect Flow Diagram</a:t>
-            </a:r>
-          </a:p>
-        </p:txBody>
-      </p:sp>
-      <p:sp>
-        <p:nvSpPr>
-          <p:cNvPr id="3" name="Rectangle 2">
-            <a:extLst>
-              <a:ext uri="{FF2B5EF4-FFF2-40B4-BE49-F238E27FC236}">
-                <a16:creationId xmlns:a16="http://schemas.microsoft.com/office/drawing/2014/main" id="{44E72F99-2102-4087-BA03-2854BF737A18}"/>
-              </a:ext>
-            </a:extLst>
-          </p:cNvPr>
-          <p:cNvSpPr/>
-          <p:nvPr/>
-        </p:nvSpPr>
-        <p:spPr>
-          <a:xfrm>
-            <a:off x="81280" y="-20320"/>
-            <a:ext cx="132080" cy="1361437"/>
-          </a:xfrm>
-          <a:prstGeom prst="rect">
-            <a:avLst/>
-          </a:prstGeom>
-          <a:solidFill>
-            <a:srgbClr val="0070C0"/>
-          </a:solidFill>
-          <a:ln>
-            <a:noFill/>
-          </a:ln>
-        </p:spPr>
-        <p:style>
-          <a:lnRef idx="2">
-            <a:schemeClr val="accent1">
-              <a:shade val="50000"/>
-            </a:schemeClr>
-          </a:lnRef>
-          <a:fillRef idx="1">
-            <a:schemeClr val="accent1"/>
-          </a:fillRef>
-          <a:effectRef idx="0">
-            <a:schemeClr val="accent1"/>
-          </a:effectRef>
-          <a:fontRef idx="minor">
-            <a:schemeClr val="lt1"/>
-          </a:fontRef>
-        </p:style>
-        <p:txBody>
-          <a:bodyPr rtlCol="0" anchor="ctr"/>
-          <a:lstStyle/>
-          <a:p>
-            <a:pPr algn="ctr"/>
-            <a:endParaRPr lang="en-US"/>
-          </a:p>
-        </p:txBody>
-      </p:sp>
-      <p:sp>
-        <p:nvSpPr>
-          <p:cNvPr id="4" name="Rectangle 3">
-            <a:extLst>
-              <a:ext uri="{FF2B5EF4-FFF2-40B4-BE49-F238E27FC236}">
-                <a16:creationId xmlns:a16="http://schemas.microsoft.com/office/drawing/2014/main" id="{BDE1D32A-BC0E-4740-99EA-C260029D6E79}"/>
-              </a:ext>
-            </a:extLst>
-          </p:cNvPr>
-          <p:cNvSpPr/>
-          <p:nvPr/>
-        </p:nvSpPr>
-        <p:spPr>
-          <a:xfrm>
-            <a:off x="81280" y="1493520"/>
-            <a:ext cx="132080" cy="5379720"/>
-          </a:xfrm>
-          <a:prstGeom prst="rect">
-            <a:avLst/>
-          </a:prstGeom>
-          <a:solidFill>
-            <a:schemeClr val="accent6">
-              <a:lumMod val="75000"/>
-            </a:schemeClr>
-          </a:solidFill>
-          <a:ln>
-            <a:noFill/>
-          </a:ln>
-        </p:spPr>
-        <p:style>
-          <a:lnRef idx="2">
-            <a:schemeClr val="accent1">
-              <a:shade val="50000"/>
-            </a:schemeClr>
-          </a:lnRef>
-          <a:fillRef idx="1">
-            <a:schemeClr val="accent1"/>
-          </a:fillRef>
-          <a:effectRef idx="0">
-            <a:schemeClr val="accent1"/>
-          </a:effectRef>
-          <a:fontRef idx="minor">
-            <a:schemeClr val="lt1"/>
-          </a:fontRef>
-        </p:style>
-        <p:txBody>
-          <a:bodyPr rtlCol="0" anchor="ctr"/>
-          <a:lstStyle/>
-          <a:p>
-            <a:pPr algn="ctr"/>
-            <a:endParaRPr lang="en-US"/>
-          </a:p>
-        </p:txBody>
-      </p:sp>
-      <p:cxnSp>
-        <p:nvCxnSpPr>
-          <p:cNvPr id="6" name="Straight Connector 5">
-            <a:extLst>
-              <a:ext uri="{FF2B5EF4-FFF2-40B4-BE49-F238E27FC236}">
-                <a16:creationId xmlns:a16="http://schemas.microsoft.com/office/drawing/2014/main" id="{42B42CE4-A3FF-47D7-BDE3-941AD732A014}"/>
-              </a:ext>
-            </a:extLst>
-          </p:cNvPr>
-          <p:cNvCxnSpPr/>
-          <p:nvPr/>
-        </p:nvCxnSpPr>
-        <p:spPr>
-          <a:xfrm>
-            <a:off x="670560" y="1307871"/>
-            <a:ext cx="10952480" cy="0"/>
-          </a:xfrm>
-          <a:prstGeom prst="line">
-            <a:avLst/>
-          </a:prstGeom>
-          <a:ln w="38100"/>
-          <a:effectLst/>
-        </p:spPr>
-        <p:style>
-          <a:lnRef idx="3">
-            <a:schemeClr val="accent1"/>
-          </a:lnRef>
-          <a:fillRef idx="0">
-            <a:schemeClr val="accent1"/>
-          </a:fillRef>
-          <a:effectRef idx="2">
-            <a:schemeClr val="accent1"/>
-          </a:effectRef>
-          <a:fontRef idx="minor">
-            <a:schemeClr val="tx1"/>
-          </a:fontRef>
-        </p:style>
-      </p:cxnSp>
-      <p:sp>
-        <p:nvSpPr>
-          <p:cNvPr id="10" name="TextBox 9">
-            <a:extLst>
-              <a:ext uri="{FF2B5EF4-FFF2-40B4-BE49-F238E27FC236}">
-                <a16:creationId xmlns:a16="http://schemas.microsoft.com/office/drawing/2014/main" id="{D0901A1F-16DC-434C-B41D-0C7D3AD0E76F}"/>
-              </a:ext>
-            </a:extLst>
-          </p:cNvPr>
-          <p:cNvSpPr txBox="1"/>
-          <p:nvPr/>
-        </p:nvSpPr>
-        <p:spPr>
-          <a:xfrm>
-            <a:off x="10981412" y="6473130"/>
-            <a:ext cx="1210588" cy="400110"/>
-          </a:xfrm>
-          <a:prstGeom prst="rect">
-            <a:avLst/>
-          </a:prstGeom>
-          <a:noFill/>
-        </p:spPr>
-        <p:txBody>
-          <a:bodyPr wrap="none" rtlCol="0">
-            <a:spAutoFit/>
-          </a:bodyPr>
-          <a:lstStyle/>
-          <a:p>
-            <a:r>
-              <a:rPr lang="en-US" sz="2000" b="1" dirty="0">
-                <a:solidFill>
-                  <a:srgbClr val="0070C0"/>
-                </a:solidFill>
-                <a:latin typeface="Book Antiqua" panose="02040602050305030304" pitchFamily="18" charset="0"/>
-              </a:rPr>
-              <a:t>ArkThor</a:t>
-            </a:r>
-          </a:p>
-        </p:txBody>
-      </p:sp>
-      <p:sp>
-        <p:nvSpPr>
-          <p:cNvPr id="5" name="Rectangle 4">
-            <a:extLst>
-              <a:ext uri="{FF2B5EF4-FFF2-40B4-BE49-F238E27FC236}">
-                <a16:creationId xmlns:a16="http://schemas.microsoft.com/office/drawing/2014/main" id="{2D075379-7B3A-4624-9506-7ED48C3999DF}"/>
-              </a:ext>
-            </a:extLst>
-          </p:cNvPr>
-          <p:cNvSpPr/>
-          <p:nvPr/>
-        </p:nvSpPr>
-        <p:spPr>
-          <a:xfrm>
-            <a:off x="1046265" y="3060915"/>
-            <a:ext cx="999641" cy="984137"/>
-          </a:xfrm>
-          <a:custGeom>
-            <a:avLst/>
-            <a:gdLst>
-              <a:gd name="connsiteX0" fmla="*/ 0 w 999641"/>
-              <a:gd name="connsiteY0" fmla="*/ 0 h 984137"/>
-              <a:gd name="connsiteX1" fmla="*/ 999641 w 999641"/>
-              <a:gd name="connsiteY1" fmla="*/ 0 h 984137"/>
-              <a:gd name="connsiteX2" fmla="*/ 999641 w 999641"/>
-              <a:gd name="connsiteY2" fmla="*/ 984137 h 984137"/>
-              <a:gd name="connsiteX3" fmla="*/ 0 w 999641"/>
-              <a:gd name="connsiteY3" fmla="*/ 984137 h 984137"/>
-              <a:gd name="connsiteX4" fmla="*/ 0 w 999641"/>
-              <a:gd name="connsiteY4" fmla="*/ 0 h 984137"/>
-            </a:gdLst>
-            <a:ahLst/>
-            <a:cxnLst>
-              <a:cxn ang="0">
-                <a:pos x="connsiteX0" y="connsiteY0"/>
-              </a:cxn>
-              <a:cxn ang="0">
-                <a:pos x="connsiteX1" y="connsiteY1"/>
-              </a:cxn>
-              <a:cxn ang="0">
-                <a:pos x="connsiteX2" y="connsiteY2"/>
-              </a:cxn>
-              <a:cxn ang="0">
-                <a:pos x="connsiteX3" y="connsiteY3"/>
-              </a:cxn>
-              <a:cxn ang="0">
-                <a:pos x="connsiteX4" y="connsiteY4"/>
-              </a:cxn>
-            </a:cxnLst>
-            <a:rect l="l" t="t" r="r" b="b"/>
-            <a:pathLst>
-              <a:path w="999641" h="984137" fill="none" extrusionOk="0">
-                <a:moveTo>
-                  <a:pt x="0" y="0"/>
-                </a:moveTo>
-                <a:cubicBezTo>
-                  <a:pt x="274456" y="26521"/>
-                  <a:pt x="622521" y="-16392"/>
-                  <a:pt x="999641" y="0"/>
-                </a:cubicBezTo>
-                <a:cubicBezTo>
-                  <a:pt x="918243" y="159207"/>
-                  <a:pt x="998938" y="804604"/>
-                  <a:pt x="999641" y="984137"/>
-                </a:cubicBezTo>
-                <a:cubicBezTo>
-                  <a:pt x="667219" y="1052806"/>
-                  <a:pt x="353021" y="971695"/>
-                  <a:pt x="0" y="984137"/>
-                </a:cubicBezTo>
-                <a:cubicBezTo>
-                  <a:pt x="49069" y="569235"/>
-                  <a:pt x="23469" y="290508"/>
-                  <a:pt x="0" y="0"/>
-                </a:cubicBezTo>
-                <a:close/>
-              </a:path>
-              <a:path w="999641" h="984137" stroke="0" extrusionOk="0">
-                <a:moveTo>
-                  <a:pt x="0" y="0"/>
-                </a:moveTo>
-                <a:cubicBezTo>
-                  <a:pt x="433412" y="20116"/>
-                  <a:pt x="625162" y="-56756"/>
-                  <a:pt x="999641" y="0"/>
-                </a:cubicBezTo>
-                <a:cubicBezTo>
-                  <a:pt x="918462" y="417820"/>
-                  <a:pt x="916971" y="708434"/>
-                  <a:pt x="999641" y="984137"/>
-                </a:cubicBezTo>
-                <a:cubicBezTo>
-                  <a:pt x="617382" y="931491"/>
-                  <a:pt x="198174" y="973325"/>
-                  <a:pt x="0" y="984137"/>
-                </a:cubicBezTo>
-                <a:cubicBezTo>
-                  <a:pt x="-72990" y="669455"/>
-                  <a:pt x="-82829" y="106096"/>
-                  <a:pt x="0" y="0"/>
-                </a:cubicBezTo>
-                <a:close/>
-              </a:path>
-            </a:pathLst>
-          </a:custGeom>
-          <a:ln w="38100">
-            <a:extLst>
-              <a:ext uri="{C807C97D-BFC1-408E-A445-0C87EB9F89A2}">
-                <ask:lineSketchStyleProps xmlns:ask="http://schemas.microsoft.com/office/drawing/2018/sketchyshapes" sd="3687325633">
-                  <a:prstGeom prst="rect">
-                    <a:avLst/>
-                  </a:prstGeom>
-                  <ask:type>
-                    <ask:lineSketchCurved/>
-                  </ask:type>
-                </ask:lineSketchStyleProps>
-              </a:ext>
-            </a:extLst>
-          </a:ln>
-          <a:effectLst>
-            <a:outerShdw blurRad="76200" dir="13500000" sy="23000" kx="1200000" algn="br" rotWithShape="0">
-              <a:prstClr val="black">
-                <a:alpha val="20000"/>
-              </a:prstClr>
-            </a:outerShdw>
-          </a:effectLst>
-        </p:spPr>
-        <p:style>
-          <a:lnRef idx="2">
-            <a:schemeClr val="accent2"/>
-          </a:lnRef>
-          <a:fillRef idx="1">
-            <a:schemeClr val="lt1"/>
-          </a:fillRef>
-          <a:effectRef idx="0">
-            <a:schemeClr val="accent2"/>
-          </a:effectRef>
-          <a:fontRef idx="minor">
-            <a:schemeClr val="dk1"/>
-          </a:fontRef>
-        </p:style>
-        <p:txBody>
-          <a:bodyPr rtlCol="0" anchor="ctr"/>
-          <a:lstStyle/>
-          <a:p>
-            <a:pPr algn="ctr"/>
-            <a:r>
-              <a:rPr lang="en-US" sz="1400" dirty="0"/>
-              <a:t>UI/</a:t>
-            </a:r>
-          </a:p>
-          <a:p>
-            <a:pPr algn="ctr"/>
-            <a:r>
-              <a:rPr lang="en-US" sz="1400" dirty="0"/>
-              <a:t>Dashboard</a:t>
-            </a:r>
-          </a:p>
-        </p:txBody>
-      </p:sp>
-      <p:sp>
-        <p:nvSpPr>
-          <p:cNvPr id="8" name="Flowchart: Alternate Process 7">
-            <a:extLst>
-              <a:ext uri="{FF2B5EF4-FFF2-40B4-BE49-F238E27FC236}">
-                <a16:creationId xmlns:a16="http://schemas.microsoft.com/office/drawing/2014/main" id="{B2D82DDF-423F-4108-8B4C-DF150451C3CA}"/>
-              </a:ext>
-            </a:extLst>
-          </p:cNvPr>
-          <p:cNvSpPr/>
-          <p:nvPr/>
-        </p:nvSpPr>
-        <p:spPr>
-          <a:xfrm>
-            <a:off x="2820692" y="3060915"/>
-            <a:ext cx="999640" cy="1038386"/>
-          </a:xfrm>
-          <a:custGeom>
-            <a:avLst/>
-            <a:gdLst>
-              <a:gd name="connsiteX0" fmla="*/ 0 w 999640"/>
-              <a:gd name="connsiteY0" fmla="*/ 166607 h 1038386"/>
-              <a:gd name="connsiteX1" fmla="*/ 166607 w 999640"/>
-              <a:gd name="connsiteY1" fmla="*/ 0 h 1038386"/>
-              <a:gd name="connsiteX2" fmla="*/ 833033 w 999640"/>
-              <a:gd name="connsiteY2" fmla="*/ 0 h 1038386"/>
-              <a:gd name="connsiteX3" fmla="*/ 999640 w 999640"/>
-              <a:gd name="connsiteY3" fmla="*/ 166607 h 1038386"/>
-              <a:gd name="connsiteX4" fmla="*/ 999640 w 999640"/>
-              <a:gd name="connsiteY4" fmla="*/ 526245 h 1038386"/>
-              <a:gd name="connsiteX5" fmla="*/ 999640 w 999640"/>
-              <a:gd name="connsiteY5" fmla="*/ 871779 h 1038386"/>
-              <a:gd name="connsiteX6" fmla="*/ 833033 w 999640"/>
-              <a:gd name="connsiteY6" fmla="*/ 1038386 h 1038386"/>
-              <a:gd name="connsiteX7" fmla="*/ 166607 w 999640"/>
-              <a:gd name="connsiteY7" fmla="*/ 1038386 h 1038386"/>
-              <a:gd name="connsiteX8" fmla="*/ 0 w 999640"/>
-              <a:gd name="connsiteY8" fmla="*/ 871779 h 1038386"/>
-              <a:gd name="connsiteX9" fmla="*/ 0 w 999640"/>
-              <a:gd name="connsiteY9" fmla="*/ 512141 h 1038386"/>
-              <a:gd name="connsiteX10" fmla="*/ 0 w 999640"/>
-              <a:gd name="connsiteY10" fmla="*/ 166607 h 1038386"/>
-            </a:gdLst>
-            <a:ahLst/>
-            <a:cxnLst>
-              <a:cxn ang="0">
-                <a:pos x="connsiteX0" y="connsiteY0"/>
-              </a:cxn>
-              <a:cxn ang="0">
-                <a:pos x="connsiteX1" y="connsiteY1"/>
-              </a:cxn>
-              <a:cxn ang="0">
-                <a:pos x="connsiteX2" y="connsiteY2"/>
-              </a:cxn>
-              <a:cxn ang="0">
-                <a:pos x="connsiteX3" y="connsiteY3"/>
-              </a:cxn>
-              <a:cxn ang="0">
-                <a:pos x="connsiteX4" y="connsiteY4"/>
-              </a:cxn>
-              <a:cxn ang="0">
-                <a:pos x="connsiteX5" y="connsiteY5"/>
-              </a:cxn>
-              <a:cxn ang="0">
-                <a:pos x="connsiteX6" y="connsiteY6"/>
-              </a:cxn>
-              <a:cxn ang="0">
-                <a:pos x="connsiteX7" y="connsiteY7"/>
-              </a:cxn>
-              <a:cxn ang="0">
-                <a:pos x="connsiteX8" y="connsiteY8"/>
-              </a:cxn>
-              <a:cxn ang="0">
-                <a:pos x="connsiteX9" y="connsiteY9"/>
-              </a:cxn>
-              <a:cxn ang="0">
-                <a:pos x="connsiteX10" y="connsiteY10"/>
-              </a:cxn>
-            </a:cxnLst>
-            <a:rect l="l" t="t" r="r" b="b"/>
-            <a:pathLst>
-              <a:path w="999640" h="1038386" fill="none" extrusionOk="0">
-                <a:moveTo>
-                  <a:pt x="0" y="166607"/>
-                </a:moveTo>
-                <a:cubicBezTo>
-                  <a:pt x="-9365" y="94192"/>
-                  <a:pt x="86963" y="-2421"/>
-                  <a:pt x="166607" y="0"/>
-                </a:cubicBezTo>
-                <a:cubicBezTo>
-                  <a:pt x="372789" y="-30816"/>
-                  <a:pt x="656194" y="30797"/>
-                  <a:pt x="833033" y="0"/>
-                </a:cubicBezTo>
-                <a:cubicBezTo>
-                  <a:pt x="929959" y="14759"/>
-                  <a:pt x="1006947" y="90256"/>
-                  <a:pt x="999640" y="166607"/>
-                </a:cubicBezTo>
-                <a:cubicBezTo>
-                  <a:pt x="989947" y="312927"/>
-                  <a:pt x="996432" y="445499"/>
-                  <a:pt x="999640" y="526245"/>
-                </a:cubicBezTo>
-                <a:cubicBezTo>
-                  <a:pt x="1002848" y="606991"/>
-                  <a:pt x="1008589" y="705273"/>
-                  <a:pt x="999640" y="871779"/>
-                </a:cubicBezTo>
-                <a:cubicBezTo>
-                  <a:pt x="990355" y="979908"/>
-                  <a:pt x="903108" y="1041595"/>
-                  <a:pt x="833033" y="1038386"/>
-                </a:cubicBezTo>
-                <a:cubicBezTo>
-                  <a:pt x="525201" y="1024698"/>
-                  <a:pt x="391020" y="1053657"/>
-                  <a:pt x="166607" y="1038386"/>
-                </a:cubicBezTo>
-                <a:cubicBezTo>
-                  <a:pt x="81525" y="1040213"/>
-                  <a:pt x="5594" y="952098"/>
-                  <a:pt x="0" y="871779"/>
-                </a:cubicBezTo>
-                <a:cubicBezTo>
-                  <a:pt x="15057" y="759394"/>
-                  <a:pt x="-6239" y="587612"/>
-                  <a:pt x="0" y="512141"/>
-                </a:cubicBezTo>
-                <a:cubicBezTo>
-                  <a:pt x="6239" y="436670"/>
-                  <a:pt x="-3222" y="329278"/>
-                  <a:pt x="0" y="166607"/>
-                </a:cubicBezTo>
-                <a:close/>
-              </a:path>
-              <a:path w="999640" h="1038386" stroke="0" extrusionOk="0">
-                <a:moveTo>
-                  <a:pt x="0" y="166607"/>
-                </a:moveTo>
-                <a:cubicBezTo>
-                  <a:pt x="5808" y="79871"/>
-                  <a:pt x="64345" y="17516"/>
-                  <a:pt x="166607" y="0"/>
-                </a:cubicBezTo>
-                <a:cubicBezTo>
-                  <a:pt x="388975" y="24060"/>
-                  <a:pt x="596985" y="-14461"/>
-                  <a:pt x="833033" y="0"/>
-                </a:cubicBezTo>
-                <a:cubicBezTo>
-                  <a:pt x="923187" y="2640"/>
-                  <a:pt x="996782" y="77286"/>
-                  <a:pt x="999640" y="166607"/>
-                </a:cubicBezTo>
-                <a:cubicBezTo>
-                  <a:pt x="1005456" y="282786"/>
-                  <a:pt x="1017065" y="382216"/>
-                  <a:pt x="999640" y="526245"/>
-                </a:cubicBezTo>
-                <a:cubicBezTo>
-                  <a:pt x="982215" y="670274"/>
-                  <a:pt x="1008507" y="730790"/>
-                  <a:pt x="999640" y="871779"/>
-                </a:cubicBezTo>
-                <a:cubicBezTo>
-                  <a:pt x="999082" y="968867"/>
-                  <a:pt x="937303" y="1046930"/>
-                  <a:pt x="833033" y="1038386"/>
-                </a:cubicBezTo>
-                <a:cubicBezTo>
-                  <a:pt x="518119" y="1042595"/>
-                  <a:pt x="394503" y="1047394"/>
-                  <a:pt x="166607" y="1038386"/>
-                </a:cubicBezTo>
-                <a:cubicBezTo>
-                  <a:pt x="61426" y="1053398"/>
-                  <a:pt x="-11170" y="953028"/>
-                  <a:pt x="0" y="871779"/>
-                </a:cubicBezTo>
-                <a:cubicBezTo>
-                  <a:pt x="-1306" y="711020"/>
-                  <a:pt x="-11671" y="696652"/>
-                  <a:pt x="0" y="540348"/>
-                </a:cubicBezTo>
-                <a:cubicBezTo>
-                  <a:pt x="11671" y="384044"/>
-                  <a:pt x="-10991" y="294508"/>
-                  <a:pt x="0" y="166607"/>
-                </a:cubicBezTo>
-                <a:close/>
-              </a:path>
-            </a:pathLst>
-          </a:custGeom>
-          <a:ln w="38100">
-            <a:extLst>
-              <a:ext uri="{C807C97D-BFC1-408E-A445-0C87EB9F89A2}">
-                <ask:lineSketchStyleProps xmlns:ask="http://schemas.microsoft.com/office/drawing/2018/sketchyshapes" sd="3466578427">
-                  <a:prstGeom prst="flowChartAlternateProcess">
-                    <a:avLst/>
-                  </a:prstGeom>
-                  <ask:type>
-                    <ask:lineSketchFreehand/>
-                  </ask:type>
-                </ask:lineSketchStyleProps>
-              </a:ext>
-            </a:extLst>
-          </a:ln>
-        </p:spPr>
-        <p:style>
-          <a:lnRef idx="2">
-            <a:schemeClr val="accent5"/>
-          </a:lnRef>
-          <a:fillRef idx="1">
-            <a:schemeClr val="lt1"/>
-          </a:fillRef>
-          <a:effectRef idx="0">
-            <a:schemeClr val="accent5"/>
-          </a:effectRef>
-          <a:fontRef idx="minor">
-            <a:schemeClr val="dk1"/>
-          </a:fontRef>
-        </p:style>
-        <p:txBody>
-          <a:bodyPr rtlCol="0" anchor="ctr"/>
-          <a:lstStyle/>
-          <a:p>
-            <a:pPr algn="ctr"/>
-            <a:r>
-              <a:rPr lang="en-US" dirty="0"/>
-              <a:t>APIs</a:t>
-            </a:r>
-          </a:p>
-        </p:txBody>
-      </p:sp>
-      <p:sp>
-        <p:nvSpPr>
-          <p:cNvPr id="11" name="Rectangle 10">
-            <a:extLst>
-              <a:ext uri="{FF2B5EF4-FFF2-40B4-BE49-F238E27FC236}">
-                <a16:creationId xmlns:a16="http://schemas.microsoft.com/office/drawing/2014/main" id="{01198253-B0E0-4154-82DA-CEC8406D6309}"/>
-              </a:ext>
-            </a:extLst>
-          </p:cNvPr>
-          <p:cNvSpPr/>
-          <p:nvPr/>
-        </p:nvSpPr>
-        <p:spPr>
-          <a:xfrm>
-            <a:off x="4068306" y="4581482"/>
-            <a:ext cx="550190" cy="1580826"/>
-          </a:xfrm>
-          <a:custGeom>
-            <a:avLst/>
-            <a:gdLst>
-              <a:gd name="connsiteX0" fmla="*/ 0 w 550190"/>
-              <a:gd name="connsiteY0" fmla="*/ 0 h 1580826"/>
-              <a:gd name="connsiteX1" fmla="*/ 550190 w 550190"/>
-              <a:gd name="connsiteY1" fmla="*/ 0 h 1580826"/>
-              <a:gd name="connsiteX2" fmla="*/ 550190 w 550190"/>
-              <a:gd name="connsiteY2" fmla="*/ 542750 h 1580826"/>
-              <a:gd name="connsiteX3" fmla="*/ 550190 w 550190"/>
-              <a:gd name="connsiteY3" fmla="*/ 1085501 h 1580826"/>
-              <a:gd name="connsiteX4" fmla="*/ 550190 w 550190"/>
-              <a:gd name="connsiteY4" fmla="*/ 1580826 h 1580826"/>
-              <a:gd name="connsiteX5" fmla="*/ 0 w 550190"/>
-              <a:gd name="connsiteY5" fmla="*/ 1580826 h 1580826"/>
-              <a:gd name="connsiteX6" fmla="*/ 0 w 550190"/>
-              <a:gd name="connsiteY6" fmla="*/ 1053884 h 1580826"/>
-              <a:gd name="connsiteX7" fmla="*/ 0 w 550190"/>
-              <a:gd name="connsiteY7" fmla="*/ 542750 h 1580826"/>
-              <a:gd name="connsiteX8" fmla="*/ 0 w 550190"/>
-              <a:gd name="connsiteY8" fmla="*/ 0 h 1580826"/>
-            </a:gdLst>
-            <a:ahLst/>
-            <a:cxnLst>
-              <a:cxn ang="0">
-                <a:pos x="connsiteX0" y="connsiteY0"/>
-              </a:cxn>
-              <a:cxn ang="0">
-                <a:pos x="connsiteX1" y="connsiteY1"/>
-              </a:cxn>
-              <a:cxn ang="0">
-                <a:pos x="connsiteX2" y="connsiteY2"/>
-              </a:cxn>
-              <a:cxn ang="0">
-                <a:pos x="connsiteX3" y="connsiteY3"/>
-              </a:cxn>
-              <a:cxn ang="0">
-                <a:pos x="connsiteX4" y="connsiteY4"/>
-              </a:cxn>
-              <a:cxn ang="0">
-                <a:pos x="connsiteX5" y="connsiteY5"/>
-              </a:cxn>
-              <a:cxn ang="0">
-                <a:pos x="connsiteX6" y="connsiteY6"/>
-              </a:cxn>
-              <a:cxn ang="0">
-                <a:pos x="connsiteX7" y="connsiteY7"/>
-              </a:cxn>
-              <a:cxn ang="0">
-                <a:pos x="connsiteX8" y="connsiteY8"/>
-              </a:cxn>
-            </a:cxnLst>
-            <a:rect l="l" t="t" r="r" b="b"/>
-            <a:pathLst>
-              <a:path w="550190" h="1580826" fill="none" extrusionOk="0">
-                <a:moveTo>
-                  <a:pt x="0" y="0"/>
-                </a:moveTo>
-                <a:cubicBezTo>
-                  <a:pt x="129508" y="-38901"/>
-                  <a:pt x="360245" y="63788"/>
-                  <a:pt x="550190" y="0"/>
-                </a:cubicBezTo>
-                <a:cubicBezTo>
-                  <a:pt x="603622" y="203937"/>
-                  <a:pt x="494999" y="311308"/>
-                  <a:pt x="550190" y="542750"/>
-                </a:cubicBezTo>
-                <a:cubicBezTo>
-                  <a:pt x="605381" y="774192"/>
-                  <a:pt x="509600" y="895728"/>
-                  <a:pt x="550190" y="1085501"/>
-                </a:cubicBezTo>
-                <a:cubicBezTo>
-                  <a:pt x="590780" y="1275274"/>
-                  <a:pt x="512076" y="1406052"/>
-                  <a:pt x="550190" y="1580826"/>
-                </a:cubicBezTo>
-                <a:cubicBezTo>
-                  <a:pt x="283552" y="1621379"/>
-                  <a:pt x="131723" y="1572060"/>
-                  <a:pt x="0" y="1580826"/>
-                </a:cubicBezTo>
-                <a:cubicBezTo>
-                  <a:pt x="-24787" y="1413658"/>
-                  <a:pt x="27129" y="1175258"/>
-                  <a:pt x="0" y="1053884"/>
-                </a:cubicBezTo>
-                <a:cubicBezTo>
-                  <a:pt x="-27129" y="932510"/>
-                  <a:pt x="3768" y="692992"/>
-                  <a:pt x="0" y="542750"/>
-                </a:cubicBezTo>
-                <a:cubicBezTo>
-                  <a:pt x="-3768" y="392508"/>
-                  <a:pt x="44906" y="198454"/>
-                  <a:pt x="0" y="0"/>
-                </a:cubicBezTo>
-                <a:close/>
-              </a:path>
-              <a:path w="550190" h="1580826" stroke="0" extrusionOk="0">
-                <a:moveTo>
-                  <a:pt x="0" y="0"/>
-                </a:moveTo>
-                <a:cubicBezTo>
-                  <a:pt x="135573" y="-10665"/>
-                  <a:pt x="298329" y="28955"/>
-                  <a:pt x="550190" y="0"/>
-                </a:cubicBezTo>
-                <a:cubicBezTo>
-                  <a:pt x="580248" y="168207"/>
-                  <a:pt x="492343" y="370152"/>
-                  <a:pt x="550190" y="495325"/>
-                </a:cubicBezTo>
-                <a:cubicBezTo>
-                  <a:pt x="608037" y="620499"/>
-                  <a:pt x="533828" y="904211"/>
-                  <a:pt x="550190" y="1053884"/>
-                </a:cubicBezTo>
-                <a:cubicBezTo>
-                  <a:pt x="566552" y="1203557"/>
-                  <a:pt x="523798" y="1466353"/>
-                  <a:pt x="550190" y="1580826"/>
-                </a:cubicBezTo>
-                <a:cubicBezTo>
-                  <a:pt x="409006" y="1610341"/>
-                  <a:pt x="212936" y="1552998"/>
-                  <a:pt x="0" y="1580826"/>
-                </a:cubicBezTo>
-                <a:cubicBezTo>
-                  <a:pt x="-42063" y="1430005"/>
-                  <a:pt x="19606" y="1265964"/>
-                  <a:pt x="0" y="1101309"/>
-                </a:cubicBezTo>
-                <a:cubicBezTo>
-                  <a:pt x="-19606" y="936654"/>
-                  <a:pt x="47144" y="848357"/>
-                  <a:pt x="0" y="621792"/>
-                </a:cubicBezTo>
-                <a:cubicBezTo>
-                  <a:pt x="-47144" y="395227"/>
-                  <a:pt x="8241" y="310359"/>
-                  <a:pt x="0" y="0"/>
-                </a:cubicBezTo>
-                <a:close/>
-              </a:path>
-            </a:pathLst>
-          </a:custGeom>
-          <a:ln w="38100">
-            <a:extLst>
-              <a:ext uri="{C807C97D-BFC1-408E-A445-0C87EB9F89A2}">
-                <ask:lineSketchStyleProps xmlns:ask="http://schemas.microsoft.com/office/drawing/2018/sketchyshapes" sd="4232878641">
-                  <a:prstGeom prst="rect">
-                    <a:avLst/>
-                  </a:prstGeom>
-                  <ask:type>
-                    <ask:lineSketchScribble/>
-                  </ask:type>
-                </ask:lineSketchStyleProps>
-              </a:ext>
-            </a:extLst>
-          </a:ln>
-        </p:spPr>
-        <p:style>
-          <a:lnRef idx="2">
-            <a:schemeClr val="accent2"/>
-          </a:lnRef>
-          <a:fillRef idx="1">
-            <a:schemeClr val="lt1"/>
-          </a:fillRef>
-          <a:effectRef idx="0">
-            <a:schemeClr val="accent2"/>
-          </a:effectRef>
-          <a:fontRef idx="minor">
-            <a:schemeClr val="dk1"/>
-          </a:fontRef>
-        </p:style>
-        <p:txBody>
-          <a:bodyPr vert="vert270" rtlCol="0" anchor="ctr"/>
-          <a:lstStyle/>
-          <a:p>
-            <a:pPr algn="ctr"/>
-            <a:r>
-              <a:rPr lang="en-US" sz="1400" dirty="0"/>
-              <a:t>Watcher/Subscriber</a:t>
-            </a:r>
-          </a:p>
-        </p:txBody>
-      </p:sp>
-      <p:graphicFrame>
-        <p:nvGraphicFramePr>
-          <p:cNvPr id="12" name="Table 7">
-            <a:extLst>
-              <a:ext uri="{FF2B5EF4-FFF2-40B4-BE49-F238E27FC236}">
-                <a16:creationId xmlns:a16="http://schemas.microsoft.com/office/drawing/2014/main" id="{C87E2F8F-7E0E-4C2F-916E-D6CC552657D4}"/>
-              </a:ext>
-            </a:extLst>
-          </p:cNvPr>
-          <p:cNvGraphicFramePr>
-            <a:graphicFrameLocks noGrp="1"/>
-          </p:cNvGraphicFramePr>
-          <p:nvPr>
-            <p:extLst>
-              <p:ext uri="{D42A27DB-BD31-4B8C-83A1-F6EECF244321}">
-                <p14:modId xmlns:p14="http://schemas.microsoft.com/office/powerpoint/2010/main" val="2559507218"/>
-              </p:ext>
-            </p:extLst>
-          </p:nvPr>
-        </p:nvGraphicFramePr>
-        <p:xfrm>
-          <a:off x="2851763" y="4866874"/>
-          <a:ext cx="550189" cy="1335307"/>
-        </p:xfrm>
-        <a:graphic>
-          <a:graphicData uri="http://schemas.openxmlformats.org/drawingml/2006/table">
-            <a:tbl>
-              <a:tblPr firstRow="1" bandRow="1">
-                <a:tableStyleId>{21E4AEA4-8DFA-4A89-87EB-49C32662AFE0}</a:tableStyleId>
-              </a:tblPr>
-              <a:tblGrid>
-                <a:gridCol w="550189">
-                  <a:extLst>
-                    <a:ext uri="{9D8B030D-6E8A-4147-A177-3AD203B41FA5}">
-                      <a16:colId xmlns:a16="http://schemas.microsoft.com/office/drawing/2014/main" val="1125249092"/>
-                    </a:ext>
-                  </a:extLst>
-                </a:gridCol>
-              </a:tblGrid>
-              <a:tr h="214897">
-                <a:tc>
-                  <a:txBody>
-                    <a:bodyPr/>
-                    <a:lstStyle/>
-                    <a:p>
-                      <a:endParaRPr lang="en-US" sz="100" dirty="0"/>
-                    </a:p>
-                  </a:txBody>
-                  <a:tcPr/>
-                </a:tc>
-                <a:extLst>
-                  <a:ext uri="{0D108BD9-81ED-4DB2-BD59-A6C34878D82A}">
-                    <a16:rowId xmlns:a16="http://schemas.microsoft.com/office/drawing/2014/main" val="3485815121"/>
-                  </a:ext>
-                </a:extLst>
-              </a:tr>
-              <a:tr h="260822">
-                <a:tc>
-                  <a:txBody>
-                    <a:bodyPr/>
-                    <a:lstStyle/>
-                    <a:p>
-                      <a:endParaRPr lang="en-US" sz="100" dirty="0"/>
-                    </a:p>
-                  </a:txBody>
-                  <a:tcPr/>
-                </a:tc>
-                <a:extLst>
-                  <a:ext uri="{0D108BD9-81ED-4DB2-BD59-A6C34878D82A}">
-                    <a16:rowId xmlns:a16="http://schemas.microsoft.com/office/drawing/2014/main" val="918858315"/>
-                  </a:ext>
-                </a:extLst>
-              </a:tr>
-              <a:tr h="214897">
-                <a:tc>
-                  <a:txBody>
-                    <a:bodyPr/>
-                    <a:lstStyle/>
-                    <a:p>
-                      <a:endParaRPr lang="en-US" sz="100" dirty="0"/>
-                    </a:p>
-                  </a:txBody>
-                  <a:tcPr/>
-                </a:tc>
-                <a:extLst>
-                  <a:ext uri="{0D108BD9-81ED-4DB2-BD59-A6C34878D82A}">
-                    <a16:rowId xmlns:a16="http://schemas.microsoft.com/office/drawing/2014/main" val="2754223395"/>
-                  </a:ext>
-                </a:extLst>
-              </a:tr>
-              <a:tr h="214897">
-                <a:tc>
-                  <a:txBody>
-                    <a:bodyPr/>
-                    <a:lstStyle/>
-                    <a:p>
-                      <a:endParaRPr lang="en-US" sz="100"/>
-                    </a:p>
-                  </a:txBody>
-                  <a:tcPr/>
-                </a:tc>
-                <a:extLst>
-                  <a:ext uri="{0D108BD9-81ED-4DB2-BD59-A6C34878D82A}">
-                    <a16:rowId xmlns:a16="http://schemas.microsoft.com/office/drawing/2014/main" val="749233844"/>
-                  </a:ext>
-                </a:extLst>
-              </a:tr>
-              <a:tr h="214897">
-                <a:tc>
-                  <a:txBody>
-                    <a:bodyPr/>
-                    <a:lstStyle/>
-                    <a:p>
-                      <a:endParaRPr lang="en-US" sz="100"/>
-                    </a:p>
-                  </a:txBody>
-                  <a:tcPr/>
-                </a:tc>
-                <a:extLst>
-                  <a:ext uri="{0D108BD9-81ED-4DB2-BD59-A6C34878D82A}">
-                    <a16:rowId xmlns:a16="http://schemas.microsoft.com/office/drawing/2014/main" val="335578583"/>
-                  </a:ext>
-                </a:extLst>
-              </a:tr>
-              <a:tr h="214897">
-                <a:tc>
-                  <a:txBody>
-                    <a:bodyPr/>
-                    <a:lstStyle/>
-                    <a:p>
-                      <a:endParaRPr lang="en-US" sz="100" dirty="0"/>
-                    </a:p>
-                  </a:txBody>
-                  <a:tcPr/>
-                </a:tc>
-                <a:extLst>
-                  <a:ext uri="{0D108BD9-81ED-4DB2-BD59-A6C34878D82A}">
-                    <a16:rowId xmlns:a16="http://schemas.microsoft.com/office/drawing/2014/main" val="2147286836"/>
-                  </a:ext>
-                </a:extLst>
-              </a:tr>
-            </a:tbl>
-          </a:graphicData>
-        </a:graphic>
-      </p:graphicFrame>
-      <p:grpSp>
-        <p:nvGrpSpPr>
-          <p:cNvPr id="50" name="Group 49">
-            <a:extLst>
-              <a:ext uri="{FF2B5EF4-FFF2-40B4-BE49-F238E27FC236}">
-                <a16:creationId xmlns:a16="http://schemas.microsoft.com/office/drawing/2014/main" id="{DE33E35F-CBFE-4B31-9B97-A1344F8599BF}"/>
-              </a:ext>
-            </a:extLst>
-          </p:cNvPr>
-          <p:cNvGrpSpPr/>
-          <p:nvPr/>
-        </p:nvGrpSpPr>
-        <p:grpSpPr>
-          <a:xfrm>
-            <a:off x="1134061" y="1387801"/>
-            <a:ext cx="1291424" cy="838845"/>
-            <a:chOff x="1134061" y="1387801"/>
-            <a:chExt cx="1291424" cy="838845"/>
-          </a:xfrm>
-        </p:grpSpPr>
-        <p:pic>
-          <p:nvPicPr>
-            <p:cNvPr id="17" name="Graphic 16" descr="Internet with solid fill">
-              <a:extLst>
-                <a:ext uri="{FF2B5EF4-FFF2-40B4-BE49-F238E27FC236}">
-                  <a16:creationId xmlns:a16="http://schemas.microsoft.com/office/drawing/2014/main" id="{D396E725-613D-4D61-AF6C-74B7525AD63D}"/>
-                </a:ext>
-              </a:extLst>
-            </p:cNvPr>
-            <p:cNvPicPr>
-              <a:picLocks noChangeAspect="1"/>
-            </p:cNvPicPr>
-            <p:nvPr/>
-          </p:nvPicPr>
-          <p:blipFill>
-            <a:blip r:embed="rId3">
-              <a:extLst>
-                <a:ext uri="{28A0092B-C50C-407E-A947-70E740481C1C}">
-                  <a14:useLocalDpi xmlns:a14="http://schemas.microsoft.com/office/drawing/2010/main" val="0"/>
-                </a:ext>
-                <a:ext uri="{96DAC541-7B7A-43D3-8B79-37D633B846F1}">
-                  <asvg:svgBlip xmlns:asvg="http://schemas.microsoft.com/office/drawing/2016/SVG/main" r:embed="rId4"/>
-                </a:ext>
-              </a:extLst>
-            </a:blip>
-            <a:stretch>
-              <a:fillRect/>
-            </a:stretch>
-          </p:blipFill>
-          <p:spPr>
-            <a:xfrm>
-              <a:off x="1134061" y="1387801"/>
-              <a:ext cx="838845" cy="838845"/>
-            </a:xfrm>
-            <a:prstGeom prst="rect">
-              <a:avLst/>
-            </a:prstGeom>
-          </p:spPr>
-        </p:pic>
-        <p:pic>
-          <p:nvPicPr>
-            <p:cNvPr id="19" name="Graphic 18" descr="Smart Phone with solid fill">
-              <a:extLst>
-                <a:ext uri="{FF2B5EF4-FFF2-40B4-BE49-F238E27FC236}">
-                  <a16:creationId xmlns:a16="http://schemas.microsoft.com/office/drawing/2014/main" id="{53BCA15C-4875-4F2F-8446-7CBCF77FCCD7}"/>
-                </a:ext>
-              </a:extLst>
-            </p:cNvPr>
-            <p:cNvPicPr>
-              <a:picLocks noChangeAspect="1"/>
-            </p:cNvPicPr>
-            <p:nvPr/>
-          </p:nvPicPr>
-          <p:blipFill>
-            <a:blip r:embed="rId5">
-              <a:extLst>
-                <a:ext uri="{28A0092B-C50C-407E-A947-70E740481C1C}">
-                  <a14:useLocalDpi xmlns:a14="http://schemas.microsoft.com/office/drawing/2010/main" val="0"/>
-                </a:ext>
-                <a:ext uri="{96DAC541-7B7A-43D3-8B79-37D633B846F1}">
-                  <asvg:svgBlip xmlns:asvg="http://schemas.microsoft.com/office/drawing/2016/SVG/main" r:embed="rId6"/>
-                </a:ext>
-              </a:extLst>
-            </a:blip>
-            <a:stretch>
-              <a:fillRect/>
-            </a:stretch>
-          </p:blipFill>
-          <p:spPr>
-            <a:xfrm>
-              <a:off x="1887306" y="1578019"/>
-              <a:ext cx="538179" cy="538179"/>
-            </a:xfrm>
-            <a:prstGeom prst="rect">
-              <a:avLst/>
-            </a:prstGeom>
-          </p:spPr>
-        </p:pic>
-      </p:grpSp>
-      <p:sp>
-        <p:nvSpPr>
-          <p:cNvPr id="23" name="Flowchart: Alternate Process 22">
-            <a:extLst>
-              <a:ext uri="{FF2B5EF4-FFF2-40B4-BE49-F238E27FC236}">
-                <a16:creationId xmlns:a16="http://schemas.microsoft.com/office/drawing/2014/main" id="{089D8386-E409-4574-A4A4-4E5CC3330856}"/>
-              </a:ext>
-            </a:extLst>
-          </p:cNvPr>
-          <p:cNvSpPr/>
-          <p:nvPr/>
-        </p:nvSpPr>
-        <p:spPr>
-          <a:xfrm>
-            <a:off x="5510339" y="4531968"/>
-            <a:ext cx="964569" cy="931184"/>
-          </a:xfrm>
-          <a:prstGeom prst="flowChartAlternateProcess">
-            <a:avLst/>
-          </a:prstGeom>
-          <a:ln w="38100">
-            <a:solidFill>
-              <a:schemeClr val="tx1"/>
-            </a:solidFill>
-          </a:ln>
-        </p:spPr>
-        <p:style>
-          <a:lnRef idx="2">
-            <a:schemeClr val="accent1"/>
-          </a:lnRef>
-          <a:fillRef idx="1">
-            <a:schemeClr val="lt1"/>
-          </a:fillRef>
-          <a:effectRef idx="0">
-            <a:schemeClr val="accent1"/>
-          </a:effectRef>
-          <a:fontRef idx="minor">
-            <a:schemeClr val="dk1"/>
-          </a:fontRef>
-        </p:style>
-        <p:txBody>
-          <a:bodyPr rtlCol="0" anchor="ctr"/>
-          <a:lstStyle/>
-          <a:p>
-            <a:pPr algn="ctr"/>
-            <a:r>
-              <a:rPr lang="en-US" sz="1400" dirty="0"/>
-              <a:t>SCAPY</a:t>
-            </a:r>
-            <a:endParaRPr lang="en-US" dirty="0"/>
-          </a:p>
-        </p:txBody>
-      </p:sp>
-      <p:sp>
-        <p:nvSpPr>
-          <p:cNvPr id="25" name="Flowchart: Alternate Process 24">
-            <a:extLst>
-              <a:ext uri="{FF2B5EF4-FFF2-40B4-BE49-F238E27FC236}">
-                <a16:creationId xmlns:a16="http://schemas.microsoft.com/office/drawing/2014/main" id="{E435013F-A40D-4915-8542-D3181321D9BC}"/>
-              </a:ext>
-            </a:extLst>
-          </p:cNvPr>
-          <p:cNvSpPr/>
-          <p:nvPr/>
-        </p:nvSpPr>
-        <p:spPr>
-          <a:xfrm>
-            <a:off x="7003342" y="4531968"/>
-            <a:ext cx="964569" cy="931184"/>
-          </a:xfrm>
-          <a:prstGeom prst="flowChartAlternateProcess">
-            <a:avLst/>
-          </a:prstGeom>
-          <a:ln w="38100"/>
-        </p:spPr>
-        <p:style>
-          <a:lnRef idx="2">
-            <a:schemeClr val="dk1"/>
-          </a:lnRef>
-          <a:fillRef idx="1">
-            <a:schemeClr val="lt1"/>
-          </a:fillRef>
-          <a:effectRef idx="0">
-            <a:schemeClr val="dk1"/>
-          </a:effectRef>
-          <a:fontRef idx="minor">
-            <a:schemeClr val="dk1"/>
-          </a:fontRef>
-        </p:style>
-        <p:txBody>
-          <a:bodyPr rtlCol="0" anchor="ctr"/>
-          <a:lstStyle/>
-          <a:p>
-            <a:pPr algn="ctr"/>
-            <a:r>
-              <a:rPr lang="en-US" sz="1400" dirty="0"/>
-              <a:t>Extractor</a:t>
-            </a:r>
-          </a:p>
-        </p:txBody>
-      </p:sp>
-      <p:sp>
-        <p:nvSpPr>
-          <p:cNvPr id="26" name="Flowchart: Alternate Process 25">
-            <a:extLst>
-              <a:ext uri="{FF2B5EF4-FFF2-40B4-BE49-F238E27FC236}">
-                <a16:creationId xmlns:a16="http://schemas.microsoft.com/office/drawing/2014/main" id="{DCD4B5DD-E56B-4135-97BD-D9251A296F73}"/>
-              </a:ext>
-            </a:extLst>
-          </p:cNvPr>
-          <p:cNvSpPr/>
-          <p:nvPr/>
-        </p:nvSpPr>
-        <p:spPr>
-          <a:xfrm>
-            <a:off x="6998614" y="5691692"/>
-            <a:ext cx="964569" cy="931184"/>
-          </a:xfrm>
-          <a:prstGeom prst="flowChartAlternateProcess">
-            <a:avLst/>
-          </a:prstGeom>
-          <a:ln w="38100">
-            <a:solidFill>
-              <a:schemeClr val="tx1"/>
-            </a:solidFill>
-          </a:ln>
-        </p:spPr>
-        <p:style>
-          <a:lnRef idx="2">
-            <a:schemeClr val="accent1"/>
-          </a:lnRef>
-          <a:fillRef idx="1">
-            <a:schemeClr val="lt1"/>
-          </a:fillRef>
-          <a:effectRef idx="0">
-            <a:schemeClr val="accent1"/>
-          </a:effectRef>
-          <a:fontRef idx="minor">
-            <a:schemeClr val="dk1"/>
-          </a:fontRef>
-        </p:style>
-        <p:txBody>
-          <a:bodyPr rtlCol="0" anchor="ctr"/>
-          <a:lstStyle/>
-          <a:p>
-            <a:pPr algn="ctr"/>
-            <a:r>
-              <a:rPr lang="en-US" sz="1400" dirty="0"/>
-              <a:t>Validator</a:t>
-            </a:r>
-          </a:p>
-        </p:txBody>
-      </p:sp>
-      <p:sp>
-        <p:nvSpPr>
-          <p:cNvPr id="27" name="Flowchart: Alternate Process 26">
-            <a:extLst>
-              <a:ext uri="{FF2B5EF4-FFF2-40B4-BE49-F238E27FC236}">
-                <a16:creationId xmlns:a16="http://schemas.microsoft.com/office/drawing/2014/main" id="{61070AD3-C4C4-4952-9642-CE56DA158994}"/>
-              </a:ext>
-            </a:extLst>
-          </p:cNvPr>
-          <p:cNvSpPr/>
-          <p:nvPr/>
-        </p:nvSpPr>
-        <p:spPr>
-          <a:xfrm>
-            <a:off x="5510339" y="5705162"/>
-            <a:ext cx="964569" cy="931184"/>
-          </a:xfrm>
-          <a:prstGeom prst="flowChartAlternateProcess">
-            <a:avLst/>
-          </a:prstGeom>
-          <a:ln w="38100">
-            <a:solidFill>
-              <a:schemeClr val="tx1"/>
-            </a:solidFill>
-          </a:ln>
-        </p:spPr>
-        <p:style>
-          <a:lnRef idx="2">
-            <a:schemeClr val="accent1"/>
-          </a:lnRef>
-          <a:fillRef idx="1">
-            <a:schemeClr val="lt1"/>
-          </a:fillRef>
-          <a:effectRef idx="0">
-            <a:schemeClr val="accent1"/>
-          </a:effectRef>
-          <a:fontRef idx="minor">
-            <a:schemeClr val="dk1"/>
-          </a:fontRef>
-        </p:style>
-        <p:txBody>
-          <a:bodyPr rtlCol="0" anchor="ctr"/>
-          <a:lstStyle/>
-          <a:p>
-            <a:pPr algn="ctr"/>
-            <a:r>
-              <a:rPr lang="en-US" dirty="0"/>
-              <a:t>Parser</a:t>
-            </a:r>
-          </a:p>
-        </p:txBody>
-      </p:sp>
-      <p:pic>
-        <p:nvPicPr>
-          <p:cNvPr id="28" name="Graphic 27" descr="Single gear with solid fill">
-            <a:extLst>
-              <a:ext uri="{FF2B5EF4-FFF2-40B4-BE49-F238E27FC236}">
-                <a16:creationId xmlns:a16="http://schemas.microsoft.com/office/drawing/2014/main" id="{02E78497-E6B3-42F1-89D9-794BFFD94134}"/>
-              </a:ext>
-            </a:extLst>
-          </p:cNvPr>
-          <p:cNvPicPr>
-            <a:picLocks noChangeAspect="1"/>
-          </p:cNvPicPr>
-          <p:nvPr/>
-        </p:nvPicPr>
-        <p:blipFill>
-          <a:blip r:embed="rId7">
-            <a:extLst>
-              <a:ext uri="{28A0092B-C50C-407E-A947-70E740481C1C}">
-                <a14:useLocalDpi xmlns:a14="http://schemas.microsoft.com/office/drawing/2010/main" val="0"/>
-              </a:ext>
-              <a:ext uri="{96DAC541-7B7A-43D3-8B79-37D633B846F1}">
-                <asvg:svgBlip xmlns:asvg="http://schemas.microsoft.com/office/drawing/2016/SVG/main" r:embed="rId8"/>
-              </a:ext>
-            </a:extLst>
-          </a:blip>
-          <a:stretch>
-            <a:fillRect/>
-          </a:stretch>
-        </p:blipFill>
-        <p:spPr>
-          <a:xfrm>
-            <a:off x="5501019" y="4581482"/>
-            <a:ext cx="307535" cy="307535"/>
-          </a:xfrm>
-          <a:prstGeom prst="rect">
-            <a:avLst/>
-          </a:prstGeom>
-        </p:spPr>
-      </p:pic>
-      <p:pic>
-        <p:nvPicPr>
-          <p:cNvPr id="30" name="Graphic 29" descr="Single gear with solid fill">
-            <a:extLst>
-              <a:ext uri="{FF2B5EF4-FFF2-40B4-BE49-F238E27FC236}">
-                <a16:creationId xmlns:a16="http://schemas.microsoft.com/office/drawing/2014/main" id="{CC27D4AF-0128-42AB-BDB5-64F31A8B45EE}"/>
-              </a:ext>
-            </a:extLst>
-          </p:cNvPr>
-          <p:cNvPicPr>
-            <a:picLocks noChangeAspect="1"/>
-          </p:cNvPicPr>
-          <p:nvPr/>
-        </p:nvPicPr>
-        <p:blipFill>
-          <a:blip r:embed="rId7">
-            <a:extLst>
-              <a:ext uri="{28A0092B-C50C-407E-A947-70E740481C1C}">
-                <a14:useLocalDpi xmlns:a14="http://schemas.microsoft.com/office/drawing/2010/main" val="0"/>
-              </a:ext>
-              <a:ext uri="{96DAC541-7B7A-43D3-8B79-37D633B846F1}">
-                <asvg:svgBlip xmlns:asvg="http://schemas.microsoft.com/office/drawing/2016/SVG/main" r:embed="rId8"/>
-              </a:ext>
-            </a:extLst>
-          </a:blip>
-          <a:stretch>
-            <a:fillRect/>
-          </a:stretch>
-        </p:blipFill>
-        <p:spPr>
-          <a:xfrm>
-            <a:off x="7018731" y="4539182"/>
-            <a:ext cx="307535" cy="307535"/>
-          </a:xfrm>
-          <a:prstGeom prst="rect">
-            <a:avLst/>
-          </a:prstGeom>
-        </p:spPr>
-      </p:pic>
-      <p:pic>
-        <p:nvPicPr>
-          <p:cNvPr id="31" name="Graphic 30" descr="Single gear with solid fill">
-            <a:extLst>
-              <a:ext uri="{FF2B5EF4-FFF2-40B4-BE49-F238E27FC236}">
-                <a16:creationId xmlns:a16="http://schemas.microsoft.com/office/drawing/2014/main" id="{7FC0329A-9433-413C-99AF-60CB1C6D49C6}"/>
-              </a:ext>
-            </a:extLst>
-          </p:cNvPr>
-          <p:cNvPicPr>
-            <a:picLocks noChangeAspect="1"/>
-          </p:cNvPicPr>
-          <p:nvPr/>
-        </p:nvPicPr>
-        <p:blipFill>
-          <a:blip r:embed="rId7">
-            <a:extLst>
-              <a:ext uri="{28A0092B-C50C-407E-A947-70E740481C1C}">
-                <a14:useLocalDpi xmlns:a14="http://schemas.microsoft.com/office/drawing/2010/main" val="0"/>
-              </a:ext>
-              <a:ext uri="{96DAC541-7B7A-43D3-8B79-37D633B846F1}">
-                <asvg:svgBlip xmlns:asvg="http://schemas.microsoft.com/office/drawing/2016/SVG/main" r:embed="rId8"/>
-              </a:ext>
-            </a:extLst>
-          </a:blip>
-          <a:stretch>
-            <a:fillRect/>
-          </a:stretch>
-        </p:blipFill>
-        <p:spPr>
-          <a:xfrm>
-            <a:off x="5510339" y="5717457"/>
-            <a:ext cx="307535" cy="307535"/>
-          </a:xfrm>
-          <a:prstGeom prst="rect">
-            <a:avLst/>
-          </a:prstGeom>
-        </p:spPr>
-      </p:pic>
-      <p:sp>
-        <p:nvSpPr>
-          <p:cNvPr id="29" name="Freeform: Shape 28">
-            <a:extLst>
-              <a:ext uri="{FF2B5EF4-FFF2-40B4-BE49-F238E27FC236}">
-                <a16:creationId xmlns:a16="http://schemas.microsoft.com/office/drawing/2014/main" id="{41F59E67-430C-4C02-B1D4-821A9B766290}"/>
-              </a:ext>
-            </a:extLst>
-          </p:cNvPr>
-          <p:cNvSpPr/>
-          <p:nvPr/>
-        </p:nvSpPr>
-        <p:spPr>
-          <a:xfrm>
-            <a:off x="7023094" y="5762305"/>
-            <a:ext cx="218157" cy="217837"/>
-          </a:xfrm>
-          <a:custGeom>
-            <a:avLst/>
-            <a:gdLst>
-              <a:gd name="connsiteX0" fmla="*/ 108919 w 218157"/>
-              <a:gd name="connsiteY0" fmla="*/ 147361 h 217837"/>
-              <a:gd name="connsiteX1" fmla="*/ 70477 w 218157"/>
-              <a:gd name="connsiteY1" fmla="*/ 108919 h 217837"/>
-              <a:gd name="connsiteX2" fmla="*/ 108919 w 218157"/>
-              <a:gd name="connsiteY2" fmla="*/ 70477 h 217837"/>
-              <a:gd name="connsiteX3" fmla="*/ 147361 w 218157"/>
-              <a:gd name="connsiteY3" fmla="*/ 108919 h 217837"/>
-              <a:gd name="connsiteX4" fmla="*/ 108919 w 218157"/>
-              <a:gd name="connsiteY4" fmla="*/ 147361 h 217837"/>
-              <a:gd name="connsiteX5" fmla="*/ 195413 w 218157"/>
-              <a:gd name="connsiteY5" fmla="*/ 84892 h 217837"/>
-              <a:gd name="connsiteX6" fmla="*/ 187084 w 218157"/>
-              <a:gd name="connsiteY6" fmla="*/ 65031 h 217837"/>
-              <a:gd name="connsiteX7" fmla="*/ 195093 w 218157"/>
-              <a:gd name="connsiteY7" fmla="*/ 41005 h 217837"/>
-              <a:gd name="connsiteX8" fmla="*/ 176833 w 218157"/>
-              <a:gd name="connsiteY8" fmla="*/ 22745 h 217837"/>
-              <a:gd name="connsiteX9" fmla="*/ 152806 w 218157"/>
-              <a:gd name="connsiteY9" fmla="*/ 30754 h 217837"/>
-              <a:gd name="connsiteX10" fmla="*/ 132624 w 218157"/>
-              <a:gd name="connsiteY10" fmla="*/ 22424 h 217837"/>
-              <a:gd name="connsiteX11" fmla="*/ 121733 w 218157"/>
-              <a:gd name="connsiteY11" fmla="*/ 0 h 217837"/>
-              <a:gd name="connsiteX12" fmla="*/ 96105 w 218157"/>
-              <a:gd name="connsiteY12" fmla="*/ 0 h 217837"/>
-              <a:gd name="connsiteX13" fmla="*/ 84892 w 218157"/>
-              <a:gd name="connsiteY13" fmla="*/ 22424 h 217837"/>
-              <a:gd name="connsiteX14" fmla="*/ 65031 w 218157"/>
-              <a:gd name="connsiteY14" fmla="*/ 30754 h 217837"/>
-              <a:gd name="connsiteX15" fmla="*/ 41005 w 218157"/>
-              <a:gd name="connsiteY15" fmla="*/ 22745 h 217837"/>
-              <a:gd name="connsiteX16" fmla="*/ 22745 w 218157"/>
-              <a:gd name="connsiteY16" fmla="*/ 41005 h 217837"/>
-              <a:gd name="connsiteX17" fmla="*/ 30754 w 218157"/>
-              <a:gd name="connsiteY17" fmla="*/ 65031 h 217837"/>
-              <a:gd name="connsiteX18" fmla="*/ 22424 w 218157"/>
-              <a:gd name="connsiteY18" fmla="*/ 85213 h 217837"/>
-              <a:gd name="connsiteX19" fmla="*/ 0 w 218157"/>
-              <a:gd name="connsiteY19" fmla="*/ 96105 h 217837"/>
-              <a:gd name="connsiteX20" fmla="*/ 0 w 218157"/>
-              <a:gd name="connsiteY20" fmla="*/ 121733 h 217837"/>
-              <a:gd name="connsiteX21" fmla="*/ 22424 w 218157"/>
-              <a:gd name="connsiteY21" fmla="*/ 132945 h 217837"/>
-              <a:gd name="connsiteX22" fmla="*/ 30754 w 218157"/>
-              <a:gd name="connsiteY22" fmla="*/ 152806 h 217837"/>
-              <a:gd name="connsiteX23" fmla="*/ 22745 w 218157"/>
-              <a:gd name="connsiteY23" fmla="*/ 176833 h 217837"/>
-              <a:gd name="connsiteX24" fmla="*/ 41005 w 218157"/>
-              <a:gd name="connsiteY24" fmla="*/ 195093 h 217837"/>
-              <a:gd name="connsiteX25" fmla="*/ 65031 w 218157"/>
-              <a:gd name="connsiteY25" fmla="*/ 187084 h 217837"/>
-              <a:gd name="connsiteX26" fmla="*/ 85213 w 218157"/>
-              <a:gd name="connsiteY26" fmla="*/ 195413 h 217837"/>
-              <a:gd name="connsiteX27" fmla="*/ 96425 w 218157"/>
-              <a:gd name="connsiteY27" fmla="*/ 217837 h 217837"/>
-              <a:gd name="connsiteX28" fmla="*/ 122053 w 218157"/>
-              <a:gd name="connsiteY28" fmla="*/ 217837 h 217837"/>
-              <a:gd name="connsiteX29" fmla="*/ 133265 w 218157"/>
-              <a:gd name="connsiteY29" fmla="*/ 195413 h 217837"/>
-              <a:gd name="connsiteX30" fmla="*/ 153127 w 218157"/>
-              <a:gd name="connsiteY30" fmla="*/ 187084 h 217837"/>
-              <a:gd name="connsiteX31" fmla="*/ 177153 w 218157"/>
-              <a:gd name="connsiteY31" fmla="*/ 195093 h 217837"/>
-              <a:gd name="connsiteX32" fmla="*/ 195413 w 218157"/>
-              <a:gd name="connsiteY32" fmla="*/ 176833 h 217837"/>
-              <a:gd name="connsiteX33" fmla="*/ 187404 w 218157"/>
-              <a:gd name="connsiteY33" fmla="*/ 152806 h 217837"/>
-              <a:gd name="connsiteX34" fmla="*/ 195733 w 218157"/>
-              <a:gd name="connsiteY34" fmla="*/ 132624 h 217837"/>
-              <a:gd name="connsiteX35" fmla="*/ 218158 w 218157"/>
-              <a:gd name="connsiteY35" fmla="*/ 121412 h 217837"/>
-              <a:gd name="connsiteX36" fmla="*/ 218158 w 218157"/>
-              <a:gd name="connsiteY36" fmla="*/ 95784 h 217837"/>
-              <a:gd name="connsiteX37" fmla="*/ 195413 w 218157"/>
-              <a:gd name="connsiteY37" fmla="*/ 84892 h 217837"/>
-            </a:gdLst>
-            <a:ahLst/>
-            <a:cxnLst>
-              <a:cxn ang="0">
-                <a:pos x="connsiteX0" y="connsiteY0"/>
-              </a:cxn>
-              <a:cxn ang="0">
-                <a:pos x="connsiteX1" y="connsiteY1"/>
-              </a:cxn>
-              <a:cxn ang="0">
-                <a:pos x="connsiteX2" y="connsiteY2"/>
-              </a:cxn>
-              <a:cxn ang="0">
-                <a:pos x="connsiteX3" y="connsiteY3"/>
-              </a:cxn>
-              <a:cxn ang="0">
-                <a:pos x="connsiteX4" y="connsiteY4"/>
-              </a:cxn>
-              <a:cxn ang="0">
-                <a:pos x="connsiteX5" y="connsiteY5"/>
-              </a:cxn>
-              <a:cxn ang="0">
-                <a:pos x="connsiteX6" y="connsiteY6"/>
-              </a:cxn>
-              <a:cxn ang="0">
-                <a:pos x="connsiteX7" y="connsiteY7"/>
-              </a:cxn>
-              <a:cxn ang="0">
-                <a:pos x="connsiteX8" y="connsiteY8"/>
-              </a:cxn>
-              <a:cxn ang="0">
-                <a:pos x="connsiteX9" y="connsiteY9"/>
-              </a:cxn>
-              <a:cxn ang="0">
-                <a:pos x="connsiteX10" y="connsiteY10"/>
-              </a:cxn>
-              <a:cxn ang="0">
-                <a:pos x="connsiteX11" y="connsiteY11"/>
-              </a:cxn>
-              <a:cxn ang="0">
-                <a:pos x="connsiteX12" y="connsiteY12"/>
-              </a:cxn>
-              <a:cxn ang="0">
-                <a:pos x="connsiteX13" y="connsiteY13"/>
-              </a:cxn>
-              <a:cxn ang="0">
-                <a:pos x="connsiteX14" y="connsiteY14"/>
-              </a:cxn>
-              <a:cxn ang="0">
-                <a:pos x="connsiteX15" y="connsiteY15"/>
-              </a:cxn>
-              <a:cxn ang="0">
-                <a:pos x="connsiteX16" y="connsiteY16"/>
-              </a:cxn>
-              <a:cxn ang="0">
-                <a:pos x="connsiteX17" y="connsiteY17"/>
-              </a:cxn>
-              <a:cxn ang="0">
-                <a:pos x="connsiteX18" y="connsiteY18"/>
-              </a:cxn>
-              <a:cxn ang="0">
-                <a:pos x="connsiteX19" y="connsiteY19"/>
-              </a:cxn>
-              <a:cxn ang="0">
-                <a:pos x="connsiteX20" y="connsiteY20"/>
-              </a:cxn>
-              <a:cxn ang="0">
-                <a:pos x="connsiteX21" y="connsiteY21"/>
-              </a:cxn>
-              <a:cxn ang="0">
-                <a:pos x="connsiteX22" y="connsiteY22"/>
-              </a:cxn>
-              <a:cxn ang="0">
-                <a:pos x="connsiteX23" y="connsiteY23"/>
-              </a:cxn>
-              <a:cxn ang="0">
-                <a:pos x="connsiteX24" y="connsiteY24"/>
-              </a:cxn>
-              <a:cxn ang="0">
-                <a:pos x="connsiteX25" y="connsiteY25"/>
-              </a:cxn>
-              <a:cxn ang="0">
-                <a:pos x="connsiteX26" y="connsiteY26"/>
-              </a:cxn>
-              <a:cxn ang="0">
-                <a:pos x="connsiteX27" y="connsiteY27"/>
-              </a:cxn>
-              <a:cxn ang="0">
-                <a:pos x="connsiteX28" y="connsiteY28"/>
-              </a:cxn>
-              <a:cxn ang="0">
-                <a:pos x="connsiteX29" y="connsiteY29"/>
-              </a:cxn>
-              <a:cxn ang="0">
-                <a:pos x="connsiteX30" y="connsiteY30"/>
-              </a:cxn>
-              <a:cxn ang="0">
-                <a:pos x="connsiteX31" y="connsiteY31"/>
-              </a:cxn>
-              <a:cxn ang="0">
-                <a:pos x="connsiteX32" y="connsiteY32"/>
-              </a:cxn>
-              <a:cxn ang="0">
-                <a:pos x="connsiteX33" y="connsiteY33"/>
-              </a:cxn>
-              <a:cxn ang="0">
-                <a:pos x="connsiteX34" y="connsiteY34"/>
-              </a:cxn>
-              <a:cxn ang="0">
-                <a:pos x="connsiteX35" y="connsiteY35"/>
-              </a:cxn>
-              <a:cxn ang="0">
-                <a:pos x="connsiteX36" y="connsiteY36"/>
-              </a:cxn>
-              <a:cxn ang="0">
-                <a:pos x="connsiteX37" y="connsiteY37"/>
-              </a:cxn>
-            </a:cxnLst>
-            <a:rect l="l" t="t" r="r" b="b"/>
-            <a:pathLst>
-              <a:path w="218157" h="217837">
-                <a:moveTo>
-                  <a:pt x="108919" y="147361"/>
-                </a:moveTo>
-                <a:cubicBezTo>
-                  <a:pt x="87776" y="147361"/>
-                  <a:pt x="70477" y="130062"/>
-                  <a:pt x="70477" y="108919"/>
-                </a:cubicBezTo>
-                <a:cubicBezTo>
-                  <a:pt x="70477" y="87776"/>
-                  <a:pt x="87776" y="70477"/>
-                  <a:pt x="108919" y="70477"/>
-                </a:cubicBezTo>
-                <a:cubicBezTo>
-                  <a:pt x="130062" y="70477"/>
-                  <a:pt x="147361" y="87776"/>
-                  <a:pt x="147361" y="108919"/>
-                </a:cubicBezTo>
-                <a:cubicBezTo>
-                  <a:pt x="147361" y="130062"/>
-                  <a:pt x="130062" y="147361"/>
-                  <a:pt x="108919" y="147361"/>
-                </a:cubicBezTo>
-                <a:close/>
-                <a:moveTo>
-                  <a:pt x="195413" y="84892"/>
-                </a:moveTo>
-                <a:cubicBezTo>
-                  <a:pt x="193491" y="77845"/>
-                  <a:pt x="190608" y="71117"/>
-                  <a:pt x="187084" y="65031"/>
-                </a:cubicBezTo>
-                <a:lnTo>
-                  <a:pt x="195093" y="41005"/>
-                </a:lnTo>
-                <a:lnTo>
-                  <a:pt x="176833" y="22745"/>
-                </a:lnTo>
-                <a:lnTo>
-                  <a:pt x="152806" y="30754"/>
-                </a:lnTo>
-                <a:cubicBezTo>
-                  <a:pt x="146399" y="27230"/>
-                  <a:pt x="139672" y="24347"/>
-                  <a:pt x="132624" y="22424"/>
-                </a:cubicBezTo>
-                <a:lnTo>
-                  <a:pt x="121733" y="0"/>
-                </a:lnTo>
-                <a:lnTo>
-                  <a:pt x="96105" y="0"/>
-                </a:lnTo>
-                <a:lnTo>
-                  <a:pt x="84892" y="22424"/>
-                </a:lnTo>
-                <a:cubicBezTo>
-                  <a:pt x="77845" y="24347"/>
-                  <a:pt x="71117" y="27230"/>
-                  <a:pt x="65031" y="30754"/>
-                </a:cubicBezTo>
-                <a:lnTo>
-                  <a:pt x="41005" y="22745"/>
-                </a:lnTo>
-                <a:lnTo>
-                  <a:pt x="22745" y="41005"/>
-                </a:lnTo>
-                <a:lnTo>
-                  <a:pt x="30754" y="65031"/>
-                </a:lnTo>
-                <a:cubicBezTo>
-                  <a:pt x="27230" y="71438"/>
-                  <a:pt x="24347" y="78165"/>
-                  <a:pt x="22424" y="85213"/>
-                </a:cubicBezTo>
-                <a:lnTo>
-                  <a:pt x="0" y="96105"/>
-                </a:lnTo>
-                <a:lnTo>
-                  <a:pt x="0" y="121733"/>
-                </a:lnTo>
-                <a:lnTo>
-                  <a:pt x="22424" y="132945"/>
-                </a:lnTo>
-                <a:cubicBezTo>
-                  <a:pt x="24347" y="139993"/>
-                  <a:pt x="27230" y="146720"/>
-                  <a:pt x="30754" y="152806"/>
-                </a:cubicBezTo>
-                <a:lnTo>
-                  <a:pt x="22745" y="176833"/>
-                </a:lnTo>
-                <a:lnTo>
-                  <a:pt x="41005" y="195093"/>
-                </a:lnTo>
-                <a:lnTo>
-                  <a:pt x="65031" y="187084"/>
-                </a:lnTo>
-                <a:cubicBezTo>
-                  <a:pt x="71438" y="190608"/>
-                  <a:pt x="78165" y="193491"/>
-                  <a:pt x="85213" y="195413"/>
-                </a:cubicBezTo>
-                <a:lnTo>
-                  <a:pt x="96425" y="217837"/>
-                </a:lnTo>
-                <a:lnTo>
-                  <a:pt x="122053" y="217837"/>
-                </a:lnTo>
-                <a:lnTo>
-                  <a:pt x="133265" y="195413"/>
-                </a:lnTo>
-                <a:cubicBezTo>
-                  <a:pt x="140313" y="193491"/>
-                  <a:pt x="147040" y="190608"/>
-                  <a:pt x="153127" y="187084"/>
-                </a:cubicBezTo>
-                <a:lnTo>
-                  <a:pt x="177153" y="195093"/>
-                </a:lnTo>
-                <a:lnTo>
-                  <a:pt x="195413" y="176833"/>
-                </a:lnTo>
-                <a:lnTo>
-                  <a:pt x="187404" y="152806"/>
-                </a:lnTo>
-                <a:cubicBezTo>
-                  <a:pt x="190928" y="146399"/>
-                  <a:pt x="193811" y="139672"/>
-                  <a:pt x="195733" y="132624"/>
-                </a:cubicBezTo>
-                <a:lnTo>
-                  <a:pt x="218158" y="121412"/>
-                </a:lnTo>
-                <a:lnTo>
-                  <a:pt x="218158" y="95784"/>
-                </a:lnTo>
-                <a:lnTo>
-                  <a:pt x="195413" y="84892"/>
-                </a:lnTo>
-                <a:close/>
-              </a:path>
-            </a:pathLst>
-          </a:custGeom>
-          <a:solidFill>
-            <a:srgbClr val="000000"/>
-          </a:solidFill>
-          <a:ln w="3175" cap="flat">
-            <a:noFill/>
-            <a:prstDash val="solid"/>
-            <a:miter/>
-          </a:ln>
-        </p:spPr>
-        <p:txBody>
-          <a:bodyPr rtlCol="0" anchor="ctr"/>
-          <a:lstStyle/>
-          <a:p>
-            <a:endParaRPr lang="en-US"/>
-          </a:p>
-        </p:txBody>
-      </p:sp>
-      <p:sp>
-        <p:nvSpPr>
-          <p:cNvPr id="33" name="Arrow: Down 32">
-            <a:extLst>
-              <a:ext uri="{FF2B5EF4-FFF2-40B4-BE49-F238E27FC236}">
-                <a16:creationId xmlns:a16="http://schemas.microsoft.com/office/drawing/2014/main" id="{11AAD31A-5C78-4B19-A1D9-5F09E556917A}"/>
-              </a:ext>
-            </a:extLst>
-          </p:cNvPr>
-          <p:cNvSpPr/>
-          <p:nvPr/>
-        </p:nvSpPr>
-        <p:spPr>
-          <a:xfrm rot="16200000">
-            <a:off x="2231256" y="3367633"/>
-            <a:ext cx="404088" cy="774787"/>
-          </a:xfrm>
-          <a:custGeom>
-            <a:avLst/>
-            <a:gdLst>
-              <a:gd name="connsiteX0" fmla="*/ 0 w 404088"/>
-              <a:gd name="connsiteY0" fmla="*/ 537078 h 774787"/>
-              <a:gd name="connsiteX1" fmla="*/ 118854 w 404088"/>
-              <a:gd name="connsiteY1" fmla="*/ 537078 h 774787"/>
-              <a:gd name="connsiteX2" fmla="*/ 118854 w 404088"/>
-              <a:gd name="connsiteY2" fmla="*/ 0 h 774787"/>
-              <a:gd name="connsiteX3" fmla="*/ 285234 w 404088"/>
-              <a:gd name="connsiteY3" fmla="*/ 0 h 774787"/>
-              <a:gd name="connsiteX4" fmla="*/ 285234 w 404088"/>
-              <a:gd name="connsiteY4" fmla="*/ 537078 h 774787"/>
-              <a:gd name="connsiteX5" fmla="*/ 404088 w 404088"/>
-              <a:gd name="connsiteY5" fmla="*/ 537078 h 774787"/>
-              <a:gd name="connsiteX6" fmla="*/ 202044 w 404088"/>
-              <a:gd name="connsiteY6" fmla="*/ 774787 h 774787"/>
-              <a:gd name="connsiteX7" fmla="*/ 0 w 404088"/>
-              <a:gd name="connsiteY7" fmla="*/ 537078 h 774787"/>
-            </a:gdLst>
-            <a:ahLst/>
-            <a:cxnLst>
-              <a:cxn ang="0">
-                <a:pos x="connsiteX0" y="connsiteY0"/>
-              </a:cxn>
-              <a:cxn ang="0">
-                <a:pos x="connsiteX1" y="connsiteY1"/>
-              </a:cxn>
-              <a:cxn ang="0">
-                <a:pos x="connsiteX2" y="connsiteY2"/>
-              </a:cxn>
-              <a:cxn ang="0">
-                <a:pos x="connsiteX3" y="connsiteY3"/>
-              </a:cxn>
-              <a:cxn ang="0">
-                <a:pos x="connsiteX4" y="connsiteY4"/>
-              </a:cxn>
-              <a:cxn ang="0">
-                <a:pos x="connsiteX5" y="connsiteY5"/>
-              </a:cxn>
-              <a:cxn ang="0">
-                <a:pos x="connsiteX6" y="connsiteY6"/>
-              </a:cxn>
-              <a:cxn ang="0">
-                <a:pos x="connsiteX7" y="connsiteY7"/>
-              </a:cxn>
-            </a:cxnLst>
-            <a:rect l="l" t="t" r="r" b="b"/>
-            <a:pathLst>
-              <a:path w="404088" h="774787" fill="none" extrusionOk="0">
-                <a:moveTo>
-                  <a:pt x="0" y="537078"/>
-                </a:moveTo>
-                <a:cubicBezTo>
-                  <a:pt x="58393" y="532779"/>
-                  <a:pt x="84452" y="544378"/>
-                  <a:pt x="118854" y="537078"/>
-                </a:cubicBezTo>
-                <a:cubicBezTo>
-                  <a:pt x="89300" y="419126"/>
-                  <a:pt x="162819" y="143074"/>
-                  <a:pt x="118854" y="0"/>
-                </a:cubicBezTo>
-                <a:cubicBezTo>
-                  <a:pt x="192343" y="-13536"/>
-                  <a:pt x="202305" y="15620"/>
-                  <a:pt x="285234" y="0"/>
-                </a:cubicBezTo>
-                <a:cubicBezTo>
-                  <a:pt x="299294" y="266670"/>
-                  <a:pt x="234840" y="395222"/>
-                  <a:pt x="285234" y="537078"/>
-                </a:cubicBezTo>
-                <a:cubicBezTo>
-                  <a:pt x="332844" y="529834"/>
-                  <a:pt x="350155" y="545531"/>
-                  <a:pt x="404088" y="537078"/>
-                </a:cubicBezTo>
-                <a:cubicBezTo>
-                  <a:pt x="306464" y="655226"/>
-                  <a:pt x="258191" y="662227"/>
-                  <a:pt x="202044" y="774787"/>
-                </a:cubicBezTo>
-                <a:cubicBezTo>
-                  <a:pt x="104703" y="713232"/>
-                  <a:pt x="118088" y="624610"/>
-                  <a:pt x="0" y="537078"/>
-                </a:cubicBezTo>
-                <a:close/>
-              </a:path>
-              <a:path w="404088" h="774787" stroke="0" extrusionOk="0">
-                <a:moveTo>
-                  <a:pt x="0" y="537078"/>
-                </a:moveTo>
-                <a:cubicBezTo>
-                  <a:pt x="45488" y="533338"/>
-                  <a:pt x="66317" y="538706"/>
-                  <a:pt x="118854" y="537078"/>
-                </a:cubicBezTo>
-                <a:cubicBezTo>
-                  <a:pt x="58976" y="404612"/>
-                  <a:pt x="170825" y="247734"/>
-                  <a:pt x="118854" y="0"/>
-                </a:cubicBezTo>
-                <a:cubicBezTo>
-                  <a:pt x="156982" y="-16758"/>
-                  <a:pt x="235273" y="9509"/>
-                  <a:pt x="285234" y="0"/>
-                </a:cubicBezTo>
-                <a:cubicBezTo>
-                  <a:pt x="291635" y="251679"/>
-                  <a:pt x="262437" y="356532"/>
-                  <a:pt x="285234" y="537078"/>
-                </a:cubicBezTo>
-                <a:cubicBezTo>
-                  <a:pt x="335514" y="524026"/>
-                  <a:pt x="372244" y="544581"/>
-                  <a:pt x="404088" y="537078"/>
-                </a:cubicBezTo>
-                <a:cubicBezTo>
-                  <a:pt x="359051" y="606174"/>
-                  <a:pt x="260716" y="699019"/>
-                  <a:pt x="202044" y="774787"/>
-                </a:cubicBezTo>
-                <a:cubicBezTo>
-                  <a:pt x="115393" y="701393"/>
-                  <a:pt x="109570" y="608336"/>
-                  <a:pt x="0" y="537078"/>
-                </a:cubicBezTo>
-                <a:close/>
-              </a:path>
-            </a:pathLst>
-          </a:custGeom>
-          <a:ln>
-            <a:extLst>
-              <a:ext uri="{C807C97D-BFC1-408E-A445-0C87EB9F89A2}">
-                <ask:lineSketchStyleProps xmlns:ask="http://schemas.microsoft.com/office/drawing/2018/sketchyshapes" sd="1166165985">
-                  <a:prstGeom prst="downArrow">
-                    <a:avLst>
-                      <a:gd name="adj1" fmla="val 41174"/>
-                      <a:gd name="adj2" fmla="val 58826"/>
-                    </a:avLst>
-                  </a:prstGeom>
-                  <ask:type>
-                    <ask:lineSketchScribble/>
-                  </ask:type>
-                </ask:lineSketchStyleProps>
-              </a:ext>
-            </a:extLst>
-          </a:ln>
-        </p:spPr>
-        <p:style>
-          <a:lnRef idx="2">
-            <a:schemeClr val="dk1"/>
-          </a:lnRef>
-          <a:fillRef idx="1">
-            <a:schemeClr val="lt1"/>
-          </a:fillRef>
-          <a:effectRef idx="0">
-            <a:schemeClr val="dk1"/>
-          </a:effectRef>
-          <a:fontRef idx="minor">
-            <a:schemeClr val="dk1"/>
-          </a:fontRef>
-        </p:style>
-        <p:txBody>
-          <a:bodyPr rtlCol="0" anchor="ctr"/>
-          <a:lstStyle/>
-          <a:p>
-            <a:pPr algn="ctr"/>
-            <a:endParaRPr lang="en-US"/>
-          </a:p>
-        </p:txBody>
-      </p:sp>
-      <p:sp>
-        <p:nvSpPr>
-          <p:cNvPr id="35" name="Arrow: Down 34">
-            <a:extLst>
-              <a:ext uri="{FF2B5EF4-FFF2-40B4-BE49-F238E27FC236}">
-                <a16:creationId xmlns:a16="http://schemas.microsoft.com/office/drawing/2014/main" id="{74DDA837-F700-4E54-B1F5-382A0882A65A}"/>
-              </a:ext>
-            </a:extLst>
-          </p:cNvPr>
-          <p:cNvSpPr/>
-          <p:nvPr/>
-        </p:nvSpPr>
-        <p:spPr>
-          <a:xfrm rot="5400000">
-            <a:off x="2223440" y="2919556"/>
-            <a:ext cx="404088" cy="774787"/>
-          </a:xfrm>
-          <a:custGeom>
-            <a:avLst/>
-            <a:gdLst>
-              <a:gd name="connsiteX0" fmla="*/ 0 w 404088"/>
-              <a:gd name="connsiteY0" fmla="*/ 537078 h 774787"/>
-              <a:gd name="connsiteX1" fmla="*/ 118854 w 404088"/>
-              <a:gd name="connsiteY1" fmla="*/ 537078 h 774787"/>
-              <a:gd name="connsiteX2" fmla="*/ 118854 w 404088"/>
-              <a:gd name="connsiteY2" fmla="*/ 0 h 774787"/>
-              <a:gd name="connsiteX3" fmla="*/ 285234 w 404088"/>
-              <a:gd name="connsiteY3" fmla="*/ 0 h 774787"/>
-              <a:gd name="connsiteX4" fmla="*/ 285234 w 404088"/>
-              <a:gd name="connsiteY4" fmla="*/ 537078 h 774787"/>
-              <a:gd name="connsiteX5" fmla="*/ 404088 w 404088"/>
-              <a:gd name="connsiteY5" fmla="*/ 537078 h 774787"/>
-              <a:gd name="connsiteX6" fmla="*/ 202044 w 404088"/>
-              <a:gd name="connsiteY6" fmla="*/ 774787 h 774787"/>
-              <a:gd name="connsiteX7" fmla="*/ 0 w 404088"/>
-              <a:gd name="connsiteY7" fmla="*/ 537078 h 774787"/>
-            </a:gdLst>
-            <a:ahLst/>
-            <a:cxnLst>
-              <a:cxn ang="0">
-                <a:pos x="connsiteX0" y="connsiteY0"/>
-              </a:cxn>
-              <a:cxn ang="0">
-                <a:pos x="connsiteX1" y="connsiteY1"/>
-              </a:cxn>
-              <a:cxn ang="0">
-                <a:pos x="connsiteX2" y="connsiteY2"/>
-              </a:cxn>
-              <a:cxn ang="0">
-                <a:pos x="connsiteX3" y="connsiteY3"/>
-              </a:cxn>
-              <a:cxn ang="0">
-                <a:pos x="connsiteX4" y="connsiteY4"/>
-              </a:cxn>
-              <a:cxn ang="0">
-                <a:pos x="connsiteX5" y="connsiteY5"/>
-              </a:cxn>
-              <a:cxn ang="0">
-                <a:pos x="connsiteX6" y="connsiteY6"/>
-              </a:cxn>
-              <a:cxn ang="0">
-                <a:pos x="connsiteX7" y="connsiteY7"/>
-              </a:cxn>
-            </a:cxnLst>
-            <a:rect l="l" t="t" r="r" b="b"/>
-            <a:pathLst>
-              <a:path w="404088" h="774787" fill="none" extrusionOk="0">
-                <a:moveTo>
-                  <a:pt x="0" y="537078"/>
-                </a:moveTo>
-                <a:cubicBezTo>
-                  <a:pt x="58393" y="532779"/>
-                  <a:pt x="84452" y="544378"/>
-                  <a:pt x="118854" y="537078"/>
-                </a:cubicBezTo>
-                <a:cubicBezTo>
-                  <a:pt x="89300" y="419126"/>
-                  <a:pt x="162819" y="143074"/>
-                  <a:pt x="118854" y="0"/>
-                </a:cubicBezTo>
-                <a:cubicBezTo>
-                  <a:pt x="192343" y="-13536"/>
-                  <a:pt x="202305" y="15620"/>
-                  <a:pt x="285234" y="0"/>
-                </a:cubicBezTo>
-                <a:cubicBezTo>
-                  <a:pt x="299294" y="266670"/>
-                  <a:pt x="234840" y="395222"/>
-                  <a:pt x="285234" y="537078"/>
-                </a:cubicBezTo>
-                <a:cubicBezTo>
-                  <a:pt x="332844" y="529834"/>
-                  <a:pt x="350155" y="545531"/>
-                  <a:pt x="404088" y="537078"/>
-                </a:cubicBezTo>
-                <a:cubicBezTo>
-                  <a:pt x="306464" y="655226"/>
-                  <a:pt x="258191" y="662227"/>
-                  <a:pt x="202044" y="774787"/>
-                </a:cubicBezTo>
-                <a:cubicBezTo>
-                  <a:pt x="104703" y="713232"/>
-                  <a:pt x="118088" y="624610"/>
-                  <a:pt x="0" y="537078"/>
-                </a:cubicBezTo>
-                <a:close/>
-              </a:path>
-              <a:path w="404088" h="774787" stroke="0" extrusionOk="0">
-                <a:moveTo>
-                  <a:pt x="0" y="537078"/>
-                </a:moveTo>
-                <a:cubicBezTo>
-                  <a:pt x="45488" y="533338"/>
-                  <a:pt x="66317" y="538706"/>
-                  <a:pt x="118854" y="537078"/>
-                </a:cubicBezTo>
-                <a:cubicBezTo>
-                  <a:pt x="58976" y="404612"/>
-                  <a:pt x="170825" y="247734"/>
-                  <a:pt x="118854" y="0"/>
-                </a:cubicBezTo>
-                <a:cubicBezTo>
-                  <a:pt x="156982" y="-16758"/>
-                  <a:pt x="235273" y="9509"/>
-                  <a:pt x="285234" y="0"/>
-                </a:cubicBezTo>
-                <a:cubicBezTo>
-                  <a:pt x="291635" y="251679"/>
-                  <a:pt x="262437" y="356532"/>
-                  <a:pt x="285234" y="537078"/>
-                </a:cubicBezTo>
-                <a:cubicBezTo>
-                  <a:pt x="335514" y="524026"/>
-                  <a:pt x="372244" y="544581"/>
-                  <a:pt x="404088" y="537078"/>
-                </a:cubicBezTo>
-                <a:cubicBezTo>
-                  <a:pt x="359051" y="606174"/>
-                  <a:pt x="260716" y="699019"/>
-                  <a:pt x="202044" y="774787"/>
-                </a:cubicBezTo>
-                <a:cubicBezTo>
-                  <a:pt x="115393" y="701393"/>
-                  <a:pt x="109570" y="608336"/>
-                  <a:pt x="0" y="537078"/>
-                </a:cubicBezTo>
-                <a:close/>
-              </a:path>
-            </a:pathLst>
-          </a:custGeom>
-          <a:ln>
-            <a:extLst>
-              <a:ext uri="{C807C97D-BFC1-408E-A445-0C87EB9F89A2}">
-                <ask:lineSketchStyleProps xmlns:ask="http://schemas.microsoft.com/office/drawing/2018/sketchyshapes" sd="1166165985">
-                  <a:prstGeom prst="downArrow">
-                    <a:avLst>
-                      <a:gd name="adj1" fmla="val 41174"/>
-                      <a:gd name="adj2" fmla="val 58826"/>
-                    </a:avLst>
-                  </a:prstGeom>
-                  <ask:type>
-                    <ask:lineSketchScribble/>
-                  </ask:type>
-                </ask:lineSketchStyleProps>
-              </a:ext>
-            </a:extLst>
-          </a:ln>
-        </p:spPr>
-        <p:style>
-          <a:lnRef idx="2">
-            <a:schemeClr val="dk1"/>
-          </a:lnRef>
-          <a:fillRef idx="1">
-            <a:schemeClr val="lt1"/>
-          </a:fillRef>
-          <a:effectRef idx="0">
-            <a:schemeClr val="dk1"/>
-          </a:effectRef>
-          <a:fontRef idx="minor">
-            <a:schemeClr val="dk1"/>
-          </a:fontRef>
-        </p:style>
-        <p:txBody>
-          <a:bodyPr rtlCol="0" anchor="ctr"/>
-          <a:lstStyle/>
-          <a:p>
-            <a:pPr algn="ctr"/>
-            <a:endParaRPr lang="en-US"/>
-          </a:p>
-        </p:txBody>
-      </p:sp>
-      <p:sp>
-        <p:nvSpPr>
-          <p:cNvPr id="39" name="Arrow: Down 38">
-            <a:extLst>
-              <a:ext uri="{FF2B5EF4-FFF2-40B4-BE49-F238E27FC236}">
-                <a16:creationId xmlns:a16="http://schemas.microsoft.com/office/drawing/2014/main" id="{8B2B66B6-440B-4BA9-98AA-1D2BEB99B404}"/>
-              </a:ext>
-            </a:extLst>
-          </p:cNvPr>
-          <p:cNvSpPr/>
-          <p:nvPr/>
-        </p:nvSpPr>
-        <p:spPr>
-          <a:xfrm>
-            <a:off x="2941686" y="4137393"/>
-            <a:ext cx="404088" cy="709324"/>
-          </a:xfrm>
-          <a:custGeom>
-            <a:avLst/>
-            <a:gdLst>
-              <a:gd name="connsiteX0" fmla="*/ 0 w 404088"/>
-              <a:gd name="connsiteY0" fmla="*/ 471615 h 709324"/>
-              <a:gd name="connsiteX1" fmla="*/ 118854 w 404088"/>
-              <a:gd name="connsiteY1" fmla="*/ 471615 h 709324"/>
-              <a:gd name="connsiteX2" fmla="*/ 118854 w 404088"/>
-              <a:gd name="connsiteY2" fmla="*/ 0 h 709324"/>
-              <a:gd name="connsiteX3" fmla="*/ 285234 w 404088"/>
-              <a:gd name="connsiteY3" fmla="*/ 0 h 709324"/>
-              <a:gd name="connsiteX4" fmla="*/ 285234 w 404088"/>
-              <a:gd name="connsiteY4" fmla="*/ 471615 h 709324"/>
-              <a:gd name="connsiteX5" fmla="*/ 404088 w 404088"/>
-              <a:gd name="connsiteY5" fmla="*/ 471615 h 709324"/>
-              <a:gd name="connsiteX6" fmla="*/ 202044 w 404088"/>
-              <a:gd name="connsiteY6" fmla="*/ 709324 h 709324"/>
-              <a:gd name="connsiteX7" fmla="*/ 0 w 404088"/>
-              <a:gd name="connsiteY7" fmla="*/ 471615 h 709324"/>
-            </a:gdLst>
-            <a:ahLst/>
-            <a:cxnLst>
-              <a:cxn ang="0">
-                <a:pos x="connsiteX0" y="connsiteY0"/>
-              </a:cxn>
-              <a:cxn ang="0">
-                <a:pos x="connsiteX1" y="connsiteY1"/>
-              </a:cxn>
-              <a:cxn ang="0">
-                <a:pos x="connsiteX2" y="connsiteY2"/>
-              </a:cxn>
-              <a:cxn ang="0">
-                <a:pos x="connsiteX3" y="connsiteY3"/>
-              </a:cxn>
-              <a:cxn ang="0">
-                <a:pos x="connsiteX4" y="connsiteY4"/>
-              </a:cxn>
-              <a:cxn ang="0">
-                <a:pos x="connsiteX5" y="connsiteY5"/>
-              </a:cxn>
-              <a:cxn ang="0">
-                <a:pos x="connsiteX6" y="connsiteY6"/>
-              </a:cxn>
-              <a:cxn ang="0">
-                <a:pos x="connsiteX7" y="connsiteY7"/>
-              </a:cxn>
-            </a:cxnLst>
-            <a:rect l="l" t="t" r="r" b="b"/>
-            <a:pathLst>
-              <a:path w="404088" h="709324" fill="none" extrusionOk="0">
-                <a:moveTo>
-                  <a:pt x="0" y="471615"/>
-                </a:moveTo>
-                <a:cubicBezTo>
-                  <a:pt x="58393" y="467316"/>
-                  <a:pt x="84452" y="478915"/>
-                  <a:pt x="118854" y="471615"/>
-                </a:cubicBezTo>
-                <a:cubicBezTo>
-                  <a:pt x="69409" y="305457"/>
-                  <a:pt x="160725" y="175800"/>
-                  <a:pt x="118854" y="0"/>
-                </a:cubicBezTo>
-                <a:cubicBezTo>
-                  <a:pt x="192343" y="-13536"/>
-                  <a:pt x="202305" y="15620"/>
-                  <a:pt x="285234" y="0"/>
-                </a:cubicBezTo>
-                <a:cubicBezTo>
-                  <a:pt x="322940" y="185322"/>
-                  <a:pt x="282984" y="353114"/>
-                  <a:pt x="285234" y="471615"/>
-                </a:cubicBezTo>
-                <a:cubicBezTo>
-                  <a:pt x="332844" y="464371"/>
-                  <a:pt x="350155" y="480068"/>
-                  <a:pt x="404088" y="471615"/>
-                </a:cubicBezTo>
-                <a:cubicBezTo>
-                  <a:pt x="306464" y="589763"/>
-                  <a:pt x="258191" y="596764"/>
-                  <a:pt x="202044" y="709324"/>
-                </a:cubicBezTo>
-                <a:cubicBezTo>
-                  <a:pt x="104703" y="647769"/>
-                  <a:pt x="118088" y="559147"/>
-                  <a:pt x="0" y="471615"/>
-                </a:cubicBezTo>
-                <a:close/>
-              </a:path>
-              <a:path w="404088" h="709324" stroke="0" extrusionOk="0">
-                <a:moveTo>
-                  <a:pt x="0" y="471615"/>
-                </a:moveTo>
-                <a:cubicBezTo>
-                  <a:pt x="45488" y="467875"/>
-                  <a:pt x="66317" y="473243"/>
-                  <a:pt x="118854" y="471615"/>
-                </a:cubicBezTo>
-                <a:cubicBezTo>
-                  <a:pt x="63286" y="314865"/>
-                  <a:pt x="155839" y="208962"/>
-                  <a:pt x="118854" y="0"/>
-                </a:cubicBezTo>
-                <a:cubicBezTo>
-                  <a:pt x="156982" y="-16758"/>
-                  <a:pt x="235273" y="9509"/>
-                  <a:pt x="285234" y="0"/>
-                </a:cubicBezTo>
-                <a:cubicBezTo>
-                  <a:pt x="333368" y="223561"/>
-                  <a:pt x="262133" y="367242"/>
-                  <a:pt x="285234" y="471615"/>
-                </a:cubicBezTo>
-                <a:cubicBezTo>
-                  <a:pt x="335514" y="458563"/>
-                  <a:pt x="372244" y="479118"/>
-                  <a:pt x="404088" y="471615"/>
-                </a:cubicBezTo>
-                <a:cubicBezTo>
-                  <a:pt x="359051" y="540711"/>
-                  <a:pt x="260716" y="633556"/>
-                  <a:pt x="202044" y="709324"/>
-                </a:cubicBezTo>
-                <a:cubicBezTo>
-                  <a:pt x="115393" y="635930"/>
-                  <a:pt x="109570" y="542873"/>
-                  <a:pt x="0" y="471615"/>
-                </a:cubicBezTo>
-                <a:close/>
-              </a:path>
-            </a:pathLst>
-          </a:custGeom>
-          <a:ln>
-            <a:extLst>
-              <a:ext uri="{C807C97D-BFC1-408E-A445-0C87EB9F89A2}">
-                <ask:lineSketchStyleProps xmlns:ask="http://schemas.microsoft.com/office/drawing/2018/sketchyshapes" sd="1166165985">
-                  <a:prstGeom prst="downArrow">
-                    <a:avLst>
-                      <a:gd name="adj1" fmla="val 41174"/>
-                      <a:gd name="adj2" fmla="val 58826"/>
-                    </a:avLst>
-                  </a:prstGeom>
-                  <ask:type>
-                    <ask:lineSketchScribble/>
-                  </ask:type>
-                </ask:lineSketchStyleProps>
-              </a:ext>
-            </a:extLst>
-          </a:ln>
-        </p:spPr>
-        <p:style>
-          <a:lnRef idx="2">
-            <a:schemeClr val="dk1"/>
-          </a:lnRef>
-          <a:fillRef idx="1">
-            <a:schemeClr val="lt1"/>
-          </a:fillRef>
-          <a:effectRef idx="0">
-            <a:schemeClr val="dk1"/>
-          </a:effectRef>
-          <a:fontRef idx="minor">
-            <a:schemeClr val="dk1"/>
-          </a:fontRef>
-        </p:style>
-        <p:txBody>
-          <a:bodyPr rtlCol="0" anchor="ctr"/>
-          <a:lstStyle/>
-          <a:p>
-            <a:pPr algn="ctr"/>
-            <a:endParaRPr lang="en-US"/>
-          </a:p>
-        </p:txBody>
-      </p:sp>
-      <p:sp>
-        <p:nvSpPr>
-          <p:cNvPr id="40" name="Arrow: Down 39">
-            <a:extLst>
-              <a:ext uri="{FF2B5EF4-FFF2-40B4-BE49-F238E27FC236}">
-                <a16:creationId xmlns:a16="http://schemas.microsoft.com/office/drawing/2014/main" id="{DD385FA6-5C8B-4794-8924-F4A32B9F0958}"/>
-              </a:ext>
-            </a:extLst>
-          </p:cNvPr>
-          <p:cNvSpPr/>
-          <p:nvPr/>
-        </p:nvSpPr>
-        <p:spPr>
-          <a:xfrm rot="16044522">
-            <a:off x="3581800" y="5307300"/>
-            <a:ext cx="297385" cy="548405"/>
-          </a:xfrm>
-          <a:custGeom>
-            <a:avLst/>
-            <a:gdLst>
-              <a:gd name="connsiteX0" fmla="*/ 0 w 297385"/>
-              <a:gd name="connsiteY0" fmla="*/ 373465 h 548405"/>
-              <a:gd name="connsiteX1" fmla="*/ 87470 w 297385"/>
-              <a:gd name="connsiteY1" fmla="*/ 373465 h 548405"/>
-              <a:gd name="connsiteX2" fmla="*/ 87470 w 297385"/>
-              <a:gd name="connsiteY2" fmla="*/ 0 h 548405"/>
-              <a:gd name="connsiteX3" fmla="*/ 209915 w 297385"/>
-              <a:gd name="connsiteY3" fmla="*/ 0 h 548405"/>
-              <a:gd name="connsiteX4" fmla="*/ 209915 w 297385"/>
-              <a:gd name="connsiteY4" fmla="*/ 373465 h 548405"/>
-              <a:gd name="connsiteX5" fmla="*/ 297385 w 297385"/>
-              <a:gd name="connsiteY5" fmla="*/ 373465 h 548405"/>
-              <a:gd name="connsiteX6" fmla="*/ 148693 w 297385"/>
-              <a:gd name="connsiteY6" fmla="*/ 548405 h 548405"/>
-              <a:gd name="connsiteX7" fmla="*/ 0 w 297385"/>
-              <a:gd name="connsiteY7" fmla="*/ 373465 h 548405"/>
-            </a:gdLst>
-            <a:ahLst/>
-            <a:cxnLst>
-              <a:cxn ang="0">
-                <a:pos x="connsiteX0" y="connsiteY0"/>
-              </a:cxn>
-              <a:cxn ang="0">
-                <a:pos x="connsiteX1" y="connsiteY1"/>
-              </a:cxn>
-              <a:cxn ang="0">
-                <a:pos x="connsiteX2" y="connsiteY2"/>
-              </a:cxn>
-              <a:cxn ang="0">
-                <a:pos x="connsiteX3" y="connsiteY3"/>
-              </a:cxn>
-              <a:cxn ang="0">
-                <a:pos x="connsiteX4" y="connsiteY4"/>
-              </a:cxn>
-              <a:cxn ang="0">
-                <a:pos x="connsiteX5" y="connsiteY5"/>
-              </a:cxn>
-              <a:cxn ang="0">
-                <a:pos x="connsiteX6" y="connsiteY6"/>
-              </a:cxn>
-              <a:cxn ang="0">
-                <a:pos x="connsiteX7" y="connsiteY7"/>
-              </a:cxn>
-            </a:cxnLst>
-            <a:rect l="l" t="t" r="r" b="b"/>
-            <a:pathLst>
-              <a:path w="297385" h="548405" fill="none" extrusionOk="0">
-                <a:moveTo>
-                  <a:pt x="0" y="373465"/>
-                </a:moveTo>
-                <a:cubicBezTo>
-                  <a:pt x="39232" y="371874"/>
-                  <a:pt x="54352" y="375187"/>
-                  <a:pt x="87470" y="373465"/>
-                </a:cubicBezTo>
-                <a:cubicBezTo>
-                  <a:pt x="77937" y="265521"/>
-                  <a:pt x="101753" y="142709"/>
-                  <a:pt x="87470" y="0"/>
-                </a:cubicBezTo>
-                <a:cubicBezTo>
-                  <a:pt x="124841" y="-4698"/>
-                  <a:pt x="179691" y="2145"/>
-                  <a:pt x="209915" y="0"/>
-                </a:cubicBezTo>
-                <a:cubicBezTo>
-                  <a:pt x="253140" y="99262"/>
-                  <a:pt x="182260" y="279079"/>
-                  <a:pt x="209915" y="373465"/>
-                </a:cubicBezTo>
-                <a:cubicBezTo>
-                  <a:pt x="231765" y="370346"/>
-                  <a:pt x="256593" y="376246"/>
-                  <a:pt x="297385" y="373465"/>
-                </a:cubicBezTo>
-                <a:cubicBezTo>
-                  <a:pt x="280519" y="423646"/>
-                  <a:pt x="178179" y="504609"/>
-                  <a:pt x="148693" y="548405"/>
-                </a:cubicBezTo>
-                <a:cubicBezTo>
-                  <a:pt x="63782" y="488746"/>
-                  <a:pt x="67516" y="421843"/>
-                  <a:pt x="0" y="373465"/>
-                </a:cubicBezTo>
-                <a:close/>
-              </a:path>
-              <a:path w="297385" h="548405" stroke="0" extrusionOk="0">
-                <a:moveTo>
-                  <a:pt x="0" y="373465"/>
-                </a:moveTo>
-                <a:cubicBezTo>
-                  <a:pt x="40663" y="370171"/>
-                  <a:pt x="66619" y="381318"/>
-                  <a:pt x="87470" y="373465"/>
-                </a:cubicBezTo>
-                <a:cubicBezTo>
-                  <a:pt x="54793" y="292174"/>
-                  <a:pt x="113263" y="176586"/>
-                  <a:pt x="87470" y="0"/>
-                </a:cubicBezTo>
-                <a:cubicBezTo>
-                  <a:pt x="126859" y="-2628"/>
-                  <a:pt x="158410" y="9928"/>
-                  <a:pt x="209915" y="0"/>
-                </a:cubicBezTo>
-                <a:cubicBezTo>
-                  <a:pt x="221423" y="124507"/>
-                  <a:pt x="165505" y="273759"/>
-                  <a:pt x="209915" y="373465"/>
-                </a:cubicBezTo>
-                <a:cubicBezTo>
-                  <a:pt x="233748" y="371409"/>
-                  <a:pt x="268433" y="379489"/>
-                  <a:pt x="297385" y="373465"/>
-                </a:cubicBezTo>
-                <a:cubicBezTo>
-                  <a:pt x="274647" y="424873"/>
-                  <a:pt x="190314" y="469837"/>
-                  <a:pt x="148693" y="548405"/>
-                </a:cubicBezTo>
-                <a:cubicBezTo>
-                  <a:pt x="59124" y="477505"/>
-                  <a:pt x="79340" y="450654"/>
-                  <a:pt x="0" y="373465"/>
-                </a:cubicBezTo>
-                <a:close/>
-              </a:path>
-            </a:pathLst>
-          </a:custGeom>
-          <a:ln>
-            <a:extLst>
-              <a:ext uri="{C807C97D-BFC1-408E-A445-0C87EB9F89A2}">
-                <ask:lineSketchStyleProps xmlns:ask="http://schemas.microsoft.com/office/drawing/2018/sketchyshapes" sd="1166165985">
-                  <a:prstGeom prst="downArrow">
-                    <a:avLst>
-                      <a:gd name="adj1" fmla="val 41174"/>
-                      <a:gd name="adj2" fmla="val 58826"/>
-                    </a:avLst>
-                  </a:prstGeom>
-                  <ask:type>
-                    <ask:lineSketchScribble/>
-                  </ask:type>
-                </ask:lineSketchStyleProps>
-              </a:ext>
-            </a:extLst>
-          </a:ln>
-        </p:spPr>
-        <p:style>
-          <a:lnRef idx="2">
-            <a:schemeClr val="dk1"/>
-          </a:lnRef>
-          <a:fillRef idx="1">
-            <a:schemeClr val="lt1"/>
-          </a:fillRef>
-          <a:effectRef idx="0">
-            <a:schemeClr val="dk1"/>
-          </a:effectRef>
-          <a:fontRef idx="minor">
-            <a:schemeClr val="dk1"/>
-          </a:fontRef>
-        </p:style>
-        <p:txBody>
-          <a:bodyPr rtlCol="0" anchor="ctr"/>
-          <a:lstStyle/>
-          <a:p>
-            <a:pPr algn="ctr"/>
-            <a:endParaRPr lang="en-US"/>
-          </a:p>
-        </p:txBody>
-      </p:sp>
-      <p:sp>
-        <p:nvSpPr>
-          <p:cNvPr id="41" name="Arrow: Down 40">
-            <a:extLst>
-              <a:ext uri="{FF2B5EF4-FFF2-40B4-BE49-F238E27FC236}">
-                <a16:creationId xmlns:a16="http://schemas.microsoft.com/office/drawing/2014/main" id="{7D73326B-B996-42E6-B5FE-AC2D70FA2B09}"/>
-              </a:ext>
-            </a:extLst>
-          </p:cNvPr>
-          <p:cNvSpPr/>
-          <p:nvPr/>
-        </p:nvSpPr>
-        <p:spPr>
-          <a:xfrm rot="16044522">
-            <a:off x="4942830" y="4485613"/>
-            <a:ext cx="297385" cy="818691"/>
-          </a:xfrm>
-          <a:custGeom>
-            <a:avLst/>
-            <a:gdLst>
-              <a:gd name="connsiteX0" fmla="*/ 0 w 297385"/>
-              <a:gd name="connsiteY0" fmla="*/ 643751 h 818691"/>
-              <a:gd name="connsiteX1" fmla="*/ 87470 w 297385"/>
-              <a:gd name="connsiteY1" fmla="*/ 643751 h 818691"/>
-              <a:gd name="connsiteX2" fmla="*/ 87470 w 297385"/>
-              <a:gd name="connsiteY2" fmla="*/ 341188 h 818691"/>
-              <a:gd name="connsiteX3" fmla="*/ 87470 w 297385"/>
-              <a:gd name="connsiteY3" fmla="*/ 0 h 818691"/>
-              <a:gd name="connsiteX4" fmla="*/ 209915 w 297385"/>
-              <a:gd name="connsiteY4" fmla="*/ 0 h 818691"/>
-              <a:gd name="connsiteX5" fmla="*/ 209915 w 297385"/>
-              <a:gd name="connsiteY5" fmla="*/ 309000 h 818691"/>
-              <a:gd name="connsiteX6" fmla="*/ 209915 w 297385"/>
-              <a:gd name="connsiteY6" fmla="*/ 643751 h 818691"/>
-              <a:gd name="connsiteX7" fmla="*/ 297385 w 297385"/>
-              <a:gd name="connsiteY7" fmla="*/ 643751 h 818691"/>
-              <a:gd name="connsiteX8" fmla="*/ 148693 w 297385"/>
-              <a:gd name="connsiteY8" fmla="*/ 818691 h 818691"/>
-              <a:gd name="connsiteX9" fmla="*/ 0 w 297385"/>
-              <a:gd name="connsiteY9" fmla="*/ 643751 h 818691"/>
-            </a:gdLst>
-            <a:ahLst/>
-            <a:cxnLst>
-              <a:cxn ang="0">
-                <a:pos x="connsiteX0" y="connsiteY0"/>
-              </a:cxn>
-              <a:cxn ang="0">
-                <a:pos x="connsiteX1" y="connsiteY1"/>
-              </a:cxn>
-              <a:cxn ang="0">
-                <a:pos x="connsiteX2" y="connsiteY2"/>
-              </a:cxn>
-              <a:cxn ang="0">
-                <a:pos x="connsiteX3" y="connsiteY3"/>
-              </a:cxn>
-              <a:cxn ang="0">
-                <a:pos x="connsiteX4" y="connsiteY4"/>
-              </a:cxn>
-              <a:cxn ang="0">
-                <a:pos x="connsiteX5" y="connsiteY5"/>
-              </a:cxn>
-              <a:cxn ang="0">
-                <a:pos x="connsiteX6" y="connsiteY6"/>
-              </a:cxn>
-              <a:cxn ang="0">
-                <a:pos x="connsiteX7" y="connsiteY7"/>
-              </a:cxn>
-              <a:cxn ang="0">
-                <a:pos x="connsiteX8" y="connsiteY8"/>
-              </a:cxn>
-              <a:cxn ang="0">
-                <a:pos x="connsiteX9" y="connsiteY9"/>
-              </a:cxn>
-            </a:cxnLst>
-            <a:rect l="l" t="t" r="r" b="b"/>
-            <a:pathLst>
-              <a:path w="297385" h="818691" fill="none" extrusionOk="0">
-                <a:moveTo>
-                  <a:pt x="0" y="643751"/>
-                </a:moveTo>
-                <a:cubicBezTo>
-                  <a:pt x="36003" y="633810"/>
-                  <a:pt x="63872" y="645282"/>
-                  <a:pt x="87470" y="643751"/>
-                </a:cubicBezTo>
-                <a:cubicBezTo>
-                  <a:pt x="73351" y="573944"/>
-                  <a:pt x="96963" y="457215"/>
-                  <a:pt x="87470" y="341188"/>
-                </a:cubicBezTo>
-                <a:cubicBezTo>
-                  <a:pt x="77977" y="225161"/>
-                  <a:pt x="107289" y="169557"/>
-                  <a:pt x="87470" y="0"/>
-                </a:cubicBezTo>
-                <a:cubicBezTo>
-                  <a:pt x="117647" y="-3719"/>
-                  <a:pt x="182577" y="2255"/>
-                  <a:pt x="209915" y="0"/>
-                </a:cubicBezTo>
-                <a:cubicBezTo>
-                  <a:pt x="231747" y="77465"/>
-                  <a:pt x="192567" y="219784"/>
-                  <a:pt x="209915" y="309000"/>
-                </a:cubicBezTo>
-                <a:cubicBezTo>
-                  <a:pt x="227263" y="398216"/>
-                  <a:pt x="182264" y="529611"/>
-                  <a:pt x="209915" y="643751"/>
-                </a:cubicBezTo>
-                <a:cubicBezTo>
-                  <a:pt x="238012" y="639724"/>
-                  <a:pt x="255844" y="646497"/>
-                  <a:pt x="297385" y="643751"/>
-                </a:cubicBezTo>
-                <a:cubicBezTo>
-                  <a:pt x="252900" y="738366"/>
-                  <a:pt x="210777" y="725915"/>
-                  <a:pt x="148693" y="818691"/>
-                </a:cubicBezTo>
-                <a:cubicBezTo>
-                  <a:pt x="88769" y="748238"/>
-                  <a:pt x="62517" y="710296"/>
-                  <a:pt x="0" y="643751"/>
-                </a:cubicBezTo>
-                <a:close/>
-              </a:path>
-              <a:path w="297385" h="818691" stroke="0" extrusionOk="0">
-                <a:moveTo>
-                  <a:pt x="0" y="643751"/>
-                </a:moveTo>
-                <a:cubicBezTo>
-                  <a:pt x="40663" y="640457"/>
-                  <a:pt x="66619" y="651604"/>
-                  <a:pt x="87470" y="643751"/>
-                </a:cubicBezTo>
-                <a:cubicBezTo>
-                  <a:pt x="70377" y="534278"/>
-                  <a:pt x="107852" y="480587"/>
-                  <a:pt x="87470" y="321876"/>
-                </a:cubicBezTo>
-                <a:cubicBezTo>
-                  <a:pt x="67088" y="163166"/>
-                  <a:pt x="110811" y="98667"/>
-                  <a:pt x="87470" y="0"/>
-                </a:cubicBezTo>
-                <a:cubicBezTo>
-                  <a:pt x="125682" y="-1233"/>
-                  <a:pt x="172497" y="13780"/>
-                  <a:pt x="209915" y="0"/>
-                </a:cubicBezTo>
-                <a:cubicBezTo>
-                  <a:pt x="243878" y="152850"/>
-                  <a:pt x="191427" y="230656"/>
-                  <a:pt x="209915" y="309000"/>
-                </a:cubicBezTo>
-                <a:cubicBezTo>
-                  <a:pt x="228403" y="387344"/>
-                  <a:pt x="177477" y="564506"/>
-                  <a:pt x="209915" y="643751"/>
-                </a:cubicBezTo>
-                <a:cubicBezTo>
-                  <a:pt x="250360" y="640298"/>
-                  <a:pt x="256532" y="646510"/>
-                  <a:pt x="297385" y="643751"/>
-                </a:cubicBezTo>
-                <a:cubicBezTo>
-                  <a:pt x="251055" y="728921"/>
-                  <a:pt x="163310" y="767176"/>
-                  <a:pt x="148693" y="818691"/>
-                </a:cubicBezTo>
-                <a:cubicBezTo>
-                  <a:pt x="94899" y="763511"/>
-                  <a:pt x="73106" y="693574"/>
-                  <a:pt x="0" y="643751"/>
-                </a:cubicBezTo>
-                <a:close/>
-              </a:path>
-            </a:pathLst>
-          </a:custGeom>
-          <a:ln>
-            <a:extLst>
-              <a:ext uri="{C807C97D-BFC1-408E-A445-0C87EB9F89A2}">
-                <ask:lineSketchStyleProps xmlns:ask="http://schemas.microsoft.com/office/drawing/2018/sketchyshapes" sd="1166165985">
-                  <a:prstGeom prst="downArrow">
-                    <a:avLst>
-                      <a:gd name="adj1" fmla="val 41174"/>
-                      <a:gd name="adj2" fmla="val 58826"/>
-                    </a:avLst>
-                  </a:prstGeom>
-                  <ask:type>
-                    <ask:lineSketchScribble/>
-                  </ask:type>
-                </ask:lineSketchStyleProps>
-              </a:ext>
-            </a:extLst>
-          </a:ln>
-        </p:spPr>
-        <p:style>
-          <a:lnRef idx="2">
-            <a:schemeClr val="dk1"/>
-          </a:lnRef>
-          <a:fillRef idx="1">
-            <a:schemeClr val="lt1"/>
-          </a:fillRef>
-          <a:effectRef idx="0">
-            <a:schemeClr val="dk1"/>
-          </a:effectRef>
-          <a:fontRef idx="minor">
-            <a:schemeClr val="dk1"/>
-          </a:fontRef>
-        </p:style>
-        <p:txBody>
-          <a:bodyPr rtlCol="0" anchor="ctr"/>
-          <a:lstStyle/>
-          <a:p>
-            <a:pPr algn="ctr"/>
-            <a:endParaRPr lang="en-US"/>
-          </a:p>
-        </p:txBody>
-      </p:sp>
-      <p:sp>
-        <p:nvSpPr>
-          <p:cNvPr id="42" name="Arrow: Down 41">
-            <a:extLst>
-              <a:ext uri="{FF2B5EF4-FFF2-40B4-BE49-F238E27FC236}">
-                <a16:creationId xmlns:a16="http://schemas.microsoft.com/office/drawing/2014/main" id="{9746CF68-287C-432F-9B71-349CB002DA5B}"/>
-              </a:ext>
-            </a:extLst>
-          </p:cNvPr>
-          <p:cNvSpPr/>
-          <p:nvPr/>
-        </p:nvSpPr>
-        <p:spPr>
-          <a:xfrm rot="8790515">
-            <a:off x="3730576" y="4073781"/>
-            <a:ext cx="297385" cy="517423"/>
-          </a:xfrm>
-          <a:custGeom>
-            <a:avLst/>
-            <a:gdLst>
-              <a:gd name="connsiteX0" fmla="*/ 0 w 297385"/>
-              <a:gd name="connsiteY0" fmla="*/ 342483 h 517423"/>
-              <a:gd name="connsiteX1" fmla="*/ 87470 w 297385"/>
-              <a:gd name="connsiteY1" fmla="*/ 342483 h 517423"/>
-              <a:gd name="connsiteX2" fmla="*/ 87470 w 297385"/>
-              <a:gd name="connsiteY2" fmla="*/ 0 h 517423"/>
-              <a:gd name="connsiteX3" fmla="*/ 209915 w 297385"/>
-              <a:gd name="connsiteY3" fmla="*/ 0 h 517423"/>
-              <a:gd name="connsiteX4" fmla="*/ 209915 w 297385"/>
-              <a:gd name="connsiteY4" fmla="*/ 342483 h 517423"/>
-              <a:gd name="connsiteX5" fmla="*/ 297385 w 297385"/>
-              <a:gd name="connsiteY5" fmla="*/ 342483 h 517423"/>
-              <a:gd name="connsiteX6" fmla="*/ 148693 w 297385"/>
-              <a:gd name="connsiteY6" fmla="*/ 517423 h 517423"/>
-              <a:gd name="connsiteX7" fmla="*/ 0 w 297385"/>
-              <a:gd name="connsiteY7" fmla="*/ 342483 h 517423"/>
-            </a:gdLst>
-            <a:ahLst/>
-            <a:cxnLst>
-              <a:cxn ang="0">
-                <a:pos x="connsiteX0" y="connsiteY0"/>
-              </a:cxn>
-              <a:cxn ang="0">
-                <a:pos x="connsiteX1" y="connsiteY1"/>
-              </a:cxn>
-              <a:cxn ang="0">
-                <a:pos x="connsiteX2" y="connsiteY2"/>
-              </a:cxn>
-              <a:cxn ang="0">
-                <a:pos x="connsiteX3" y="connsiteY3"/>
-              </a:cxn>
-              <a:cxn ang="0">
-                <a:pos x="connsiteX4" y="connsiteY4"/>
-              </a:cxn>
-              <a:cxn ang="0">
-                <a:pos x="connsiteX5" y="connsiteY5"/>
-              </a:cxn>
-              <a:cxn ang="0">
-                <a:pos x="connsiteX6" y="connsiteY6"/>
-              </a:cxn>
-              <a:cxn ang="0">
-                <a:pos x="connsiteX7" y="connsiteY7"/>
-              </a:cxn>
-            </a:cxnLst>
-            <a:rect l="l" t="t" r="r" b="b"/>
-            <a:pathLst>
-              <a:path w="297385" h="517423" fill="none" extrusionOk="0">
-                <a:moveTo>
-                  <a:pt x="0" y="342483"/>
-                </a:moveTo>
-                <a:cubicBezTo>
-                  <a:pt x="39232" y="340892"/>
-                  <a:pt x="54352" y="344205"/>
-                  <a:pt x="87470" y="342483"/>
-                </a:cubicBezTo>
-                <a:cubicBezTo>
-                  <a:pt x="58850" y="220748"/>
-                  <a:pt x="104952" y="79156"/>
-                  <a:pt x="87470" y="0"/>
-                </a:cubicBezTo>
-                <a:cubicBezTo>
-                  <a:pt x="124841" y="-4698"/>
-                  <a:pt x="179691" y="2145"/>
-                  <a:pt x="209915" y="0"/>
-                </a:cubicBezTo>
-                <a:cubicBezTo>
-                  <a:pt x="214786" y="76964"/>
-                  <a:pt x="201002" y="260448"/>
-                  <a:pt x="209915" y="342483"/>
-                </a:cubicBezTo>
-                <a:cubicBezTo>
-                  <a:pt x="231765" y="339364"/>
-                  <a:pt x="256593" y="345264"/>
-                  <a:pt x="297385" y="342483"/>
-                </a:cubicBezTo>
-                <a:cubicBezTo>
-                  <a:pt x="280519" y="392664"/>
-                  <a:pt x="178179" y="473627"/>
-                  <a:pt x="148693" y="517423"/>
-                </a:cubicBezTo>
-                <a:cubicBezTo>
-                  <a:pt x="63782" y="457764"/>
-                  <a:pt x="67516" y="390861"/>
-                  <a:pt x="0" y="342483"/>
-                </a:cubicBezTo>
-                <a:close/>
-              </a:path>
-              <a:path w="297385" h="517423" stroke="0" extrusionOk="0">
-                <a:moveTo>
-                  <a:pt x="0" y="342483"/>
-                </a:moveTo>
-                <a:cubicBezTo>
-                  <a:pt x="40663" y="339189"/>
-                  <a:pt x="66619" y="350336"/>
-                  <a:pt x="87470" y="342483"/>
-                </a:cubicBezTo>
-                <a:cubicBezTo>
-                  <a:pt x="72941" y="220206"/>
-                  <a:pt x="115402" y="102670"/>
-                  <a:pt x="87470" y="0"/>
-                </a:cubicBezTo>
-                <a:cubicBezTo>
-                  <a:pt x="126859" y="-2628"/>
-                  <a:pt x="158410" y="9928"/>
-                  <a:pt x="209915" y="0"/>
-                </a:cubicBezTo>
-                <a:cubicBezTo>
-                  <a:pt x="236868" y="79956"/>
-                  <a:pt x="185815" y="187884"/>
-                  <a:pt x="209915" y="342483"/>
-                </a:cubicBezTo>
-                <a:cubicBezTo>
-                  <a:pt x="233748" y="340427"/>
-                  <a:pt x="268433" y="348507"/>
-                  <a:pt x="297385" y="342483"/>
-                </a:cubicBezTo>
-                <a:cubicBezTo>
-                  <a:pt x="274647" y="393891"/>
-                  <a:pt x="190314" y="438855"/>
-                  <a:pt x="148693" y="517423"/>
-                </a:cubicBezTo>
-                <a:cubicBezTo>
-                  <a:pt x="59124" y="446523"/>
-                  <a:pt x="79340" y="419672"/>
-                  <a:pt x="0" y="342483"/>
-                </a:cubicBezTo>
-                <a:close/>
-              </a:path>
-            </a:pathLst>
-          </a:custGeom>
-          <a:ln>
-            <a:extLst>
-              <a:ext uri="{C807C97D-BFC1-408E-A445-0C87EB9F89A2}">
-                <ask:lineSketchStyleProps xmlns:ask="http://schemas.microsoft.com/office/drawing/2018/sketchyshapes" sd="1166165985">
-                  <a:prstGeom prst="downArrow">
-                    <a:avLst>
-                      <a:gd name="adj1" fmla="val 41174"/>
-                      <a:gd name="adj2" fmla="val 58826"/>
-                    </a:avLst>
-                  </a:prstGeom>
-                  <ask:type>
-                    <ask:lineSketchScribble/>
-                  </ask:type>
-                </ask:lineSketchStyleProps>
-              </a:ext>
-            </a:extLst>
-          </a:ln>
-        </p:spPr>
-        <p:style>
-          <a:lnRef idx="2">
-            <a:schemeClr val="dk1"/>
-          </a:lnRef>
-          <a:fillRef idx="1">
-            <a:schemeClr val="lt1"/>
-          </a:fillRef>
-          <a:effectRef idx="0">
-            <a:schemeClr val="dk1"/>
-          </a:effectRef>
-          <a:fontRef idx="minor">
-            <a:schemeClr val="dk1"/>
-          </a:fontRef>
-        </p:style>
-        <p:txBody>
-          <a:bodyPr rtlCol="0" anchor="ctr"/>
-          <a:lstStyle/>
-          <a:p>
-            <a:pPr algn="ctr"/>
-            <a:endParaRPr lang="en-US"/>
-          </a:p>
-        </p:txBody>
-      </p:sp>
-      <p:sp>
-        <p:nvSpPr>
-          <p:cNvPr id="43" name="Arrow: Down 42">
-            <a:extLst>
-              <a:ext uri="{FF2B5EF4-FFF2-40B4-BE49-F238E27FC236}">
-                <a16:creationId xmlns:a16="http://schemas.microsoft.com/office/drawing/2014/main" id="{829B0400-35BA-41BA-A7EE-20416BB8A6D0}"/>
-              </a:ext>
-            </a:extLst>
-          </p:cNvPr>
-          <p:cNvSpPr/>
-          <p:nvPr/>
-        </p:nvSpPr>
-        <p:spPr>
-          <a:xfrm rot="16044522">
-            <a:off x="6627861" y="4790374"/>
-            <a:ext cx="297385" cy="471393"/>
-          </a:xfrm>
-          <a:custGeom>
-            <a:avLst/>
-            <a:gdLst>
-              <a:gd name="connsiteX0" fmla="*/ 0 w 297385"/>
-              <a:gd name="connsiteY0" fmla="*/ 296453 h 471393"/>
-              <a:gd name="connsiteX1" fmla="*/ 87470 w 297385"/>
-              <a:gd name="connsiteY1" fmla="*/ 296453 h 471393"/>
-              <a:gd name="connsiteX2" fmla="*/ 87470 w 297385"/>
-              <a:gd name="connsiteY2" fmla="*/ 0 h 471393"/>
-              <a:gd name="connsiteX3" fmla="*/ 209915 w 297385"/>
-              <a:gd name="connsiteY3" fmla="*/ 0 h 471393"/>
-              <a:gd name="connsiteX4" fmla="*/ 209915 w 297385"/>
-              <a:gd name="connsiteY4" fmla="*/ 296453 h 471393"/>
-              <a:gd name="connsiteX5" fmla="*/ 297385 w 297385"/>
-              <a:gd name="connsiteY5" fmla="*/ 296453 h 471393"/>
-              <a:gd name="connsiteX6" fmla="*/ 148693 w 297385"/>
-              <a:gd name="connsiteY6" fmla="*/ 471393 h 471393"/>
-              <a:gd name="connsiteX7" fmla="*/ 0 w 297385"/>
-              <a:gd name="connsiteY7" fmla="*/ 296453 h 471393"/>
-            </a:gdLst>
-            <a:ahLst/>
-            <a:cxnLst>
-              <a:cxn ang="0">
-                <a:pos x="connsiteX0" y="connsiteY0"/>
-              </a:cxn>
-              <a:cxn ang="0">
-                <a:pos x="connsiteX1" y="connsiteY1"/>
-              </a:cxn>
-              <a:cxn ang="0">
-                <a:pos x="connsiteX2" y="connsiteY2"/>
-              </a:cxn>
-              <a:cxn ang="0">
-                <a:pos x="connsiteX3" y="connsiteY3"/>
-              </a:cxn>
-              <a:cxn ang="0">
-                <a:pos x="connsiteX4" y="connsiteY4"/>
-              </a:cxn>
-              <a:cxn ang="0">
-                <a:pos x="connsiteX5" y="connsiteY5"/>
-              </a:cxn>
-              <a:cxn ang="0">
-                <a:pos x="connsiteX6" y="connsiteY6"/>
-              </a:cxn>
-              <a:cxn ang="0">
-                <a:pos x="connsiteX7" y="connsiteY7"/>
-              </a:cxn>
-            </a:cxnLst>
-            <a:rect l="l" t="t" r="r" b="b"/>
-            <a:pathLst>
-              <a:path w="297385" h="471393" fill="none" extrusionOk="0">
-                <a:moveTo>
-                  <a:pt x="0" y="296453"/>
-                </a:moveTo>
-                <a:cubicBezTo>
-                  <a:pt x="39232" y="294862"/>
-                  <a:pt x="54352" y="298175"/>
-                  <a:pt x="87470" y="296453"/>
-                </a:cubicBezTo>
-                <a:cubicBezTo>
-                  <a:pt x="53613" y="208907"/>
-                  <a:pt x="99545" y="83269"/>
-                  <a:pt x="87470" y="0"/>
-                </a:cubicBezTo>
-                <a:cubicBezTo>
-                  <a:pt x="124841" y="-4698"/>
-                  <a:pt x="179691" y="2145"/>
-                  <a:pt x="209915" y="0"/>
-                </a:cubicBezTo>
-                <a:cubicBezTo>
-                  <a:pt x="239187" y="71269"/>
-                  <a:pt x="191128" y="228044"/>
-                  <a:pt x="209915" y="296453"/>
-                </a:cubicBezTo>
-                <a:cubicBezTo>
-                  <a:pt x="231765" y="293334"/>
-                  <a:pt x="256593" y="299234"/>
-                  <a:pt x="297385" y="296453"/>
-                </a:cubicBezTo>
-                <a:cubicBezTo>
-                  <a:pt x="280519" y="346634"/>
-                  <a:pt x="178179" y="427597"/>
-                  <a:pt x="148693" y="471393"/>
-                </a:cubicBezTo>
-                <a:cubicBezTo>
-                  <a:pt x="63782" y="411734"/>
-                  <a:pt x="67516" y="344831"/>
-                  <a:pt x="0" y="296453"/>
-                </a:cubicBezTo>
-                <a:close/>
-              </a:path>
-              <a:path w="297385" h="471393" stroke="0" extrusionOk="0">
-                <a:moveTo>
-                  <a:pt x="0" y="296453"/>
-                </a:moveTo>
-                <a:cubicBezTo>
-                  <a:pt x="40663" y="293159"/>
-                  <a:pt x="66619" y="304306"/>
-                  <a:pt x="87470" y="296453"/>
-                </a:cubicBezTo>
-                <a:cubicBezTo>
-                  <a:pt x="72944" y="210275"/>
-                  <a:pt x="108029" y="95341"/>
-                  <a:pt x="87470" y="0"/>
-                </a:cubicBezTo>
-                <a:cubicBezTo>
-                  <a:pt x="126859" y="-2628"/>
-                  <a:pt x="158410" y="9928"/>
-                  <a:pt x="209915" y="0"/>
-                </a:cubicBezTo>
-                <a:cubicBezTo>
-                  <a:pt x="225122" y="122925"/>
-                  <a:pt x="197633" y="197530"/>
-                  <a:pt x="209915" y="296453"/>
-                </a:cubicBezTo>
-                <a:cubicBezTo>
-                  <a:pt x="233748" y="294397"/>
-                  <a:pt x="268433" y="302477"/>
-                  <a:pt x="297385" y="296453"/>
-                </a:cubicBezTo>
-                <a:cubicBezTo>
-                  <a:pt x="274647" y="347861"/>
-                  <a:pt x="190314" y="392825"/>
-                  <a:pt x="148693" y="471393"/>
-                </a:cubicBezTo>
-                <a:cubicBezTo>
-                  <a:pt x="59124" y="400493"/>
-                  <a:pt x="79340" y="373642"/>
-                  <a:pt x="0" y="296453"/>
-                </a:cubicBezTo>
-                <a:close/>
-              </a:path>
-            </a:pathLst>
-          </a:custGeom>
-          <a:ln>
-            <a:extLst>
-              <a:ext uri="{C807C97D-BFC1-408E-A445-0C87EB9F89A2}">
-                <ask:lineSketchStyleProps xmlns:ask="http://schemas.microsoft.com/office/drawing/2018/sketchyshapes" sd="1166165985">
-                  <a:prstGeom prst="downArrow">
-                    <a:avLst>
-                      <a:gd name="adj1" fmla="val 41174"/>
-                      <a:gd name="adj2" fmla="val 58826"/>
-                    </a:avLst>
-                  </a:prstGeom>
-                  <ask:type>
-                    <ask:lineSketchScribble/>
-                  </ask:type>
-                </ask:lineSketchStyleProps>
-              </a:ext>
-            </a:extLst>
-          </a:ln>
-        </p:spPr>
-        <p:style>
-          <a:lnRef idx="2">
-            <a:schemeClr val="dk1"/>
-          </a:lnRef>
-          <a:fillRef idx="1">
-            <a:schemeClr val="lt1"/>
-          </a:fillRef>
-          <a:effectRef idx="0">
-            <a:schemeClr val="dk1"/>
-          </a:effectRef>
-          <a:fontRef idx="minor">
-            <a:schemeClr val="dk1"/>
-          </a:fontRef>
-        </p:style>
-        <p:txBody>
-          <a:bodyPr rtlCol="0" anchor="ctr"/>
-          <a:lstStyle/>
-          <a:p>
-            <a:pPr algn="ctr"/>
-            <a:endParaRPr lang="en-US"/>
-          </a:p>
-        </p:txBody>
-      </p:sp>
-      <p:sp>
-        <p:nvSpPr>
-          <p:cNvPr id="44" name="Arrow: Down 43">
-            <a:extLst>
-              <a:ext uri="{FF2B5EF4-FFF2-40B4-BE49-F238E27FC236}">
-                <a16:creationId xmlns:a16="http://schemas.microsoft.com/office/drawing/2014/main" id="{66CB6897-F267-4F71-BABF-27335435E872}"/>
-              </a:ext>
-            </a:extLst>
-          </p:cNvPr>
-          <p:cNvSpPr/>
-          <p:nvPr/>
-        </p:nvSpPr>
-        <p:spPr>
-          <a:xfrm>
-            <a:off x="7346404" y="5341870"/>
-            <a:ext cx="297385" cy="400571"/>
-          </a:xfrm>
-          <a:custGeom>
-            <a:avLst/>
-            <a:gdLst>
-              <a:gd name="connsiteX0" fmla="*/ 0 w 297385"/>
-              <a:gd name="connsiteY0" fmla="*/ 225631 h 400571"/>
-              <a:gd name="connsiteX1" fmla="*/ 87470 w 297385"/>
-              <a:gd name="connsiteY1" fmla="*/ 225631 h 400571"/>
-              <a:gd name="connsiteX2" fmla="*/ 87470 w 297385"/>
-              <a:gd name="connsiteY2" fmla="*/ 0 h 400571"/>
-              <a:gd name="connsiteX3" fmla="*/ 209915 w 297385"/>
-              <a:gd name="connsiteY3" fmla="*/ 0 h 400571"/>
-              <a:gd name="connsiteX4" fmla="*/ 209915 w 297385"/>
-              <a:gd name="connsiteY4" fmla="*/ 225631 h 400571"/>
-              <a:gd name="connsiteX5" fmla="*/ 297385 w 297385"/>
-              <a:gd name="connsiteY5" fmla="*/ 225631 h 400571"/>
-              <a:gd name="connsiteX6" fmla="*/ 148693 w 297385"/>
-              <a:gd name="connsiteY6" fmla="*/ 400571 h 400571"/>
-              <a:gd name="connsiteX7" fmla="*/ 0 w 297385"/>
-              <a:gd name="connsiteY7" fmla="*/ 225631 h 400571"/>
-            </a:gdLst>
-            <a:ahLst/>
-            <a:cxnLst>
-              <a:cxn ang="0">
-                <a:pos x="connsiteX0" y="connsiteY0"/>
-              </a:cxn>
-              <a:cxn ang="0">
-                <a:pos x="connsiteX1" y="connsiteY1"/>
-              </a:cxn>
-              <a:cxn ang="0">
-                <a:pos x="connsiteX2" y="connsiteY2"/>
-              </a:cxn>
-              <a:cxn ang="0">
-                <a:pos x="connsiteX3" y="connsiteY3"/>
-              </a:cxn>
-              <a:cxn ang="0">
-                <a:pos x="connsiteX4" y="connsiteY4"/>
-              </a:cxn>
-              <a:cxn ang="0">
-                <a:pos x="connsiteX5" y="connsiteY5"/>
-              </a:cxn>
-              <a:cxn ang="0">
-                <a:pos x="connsiteX6" y="connsiteY6"/>
-              </a:cxn>
-              <a:cxn ang="0">
-                <a:pos x="connsiteX7" y="connsiteY7"/>
-              </a:cxn>
-            </a:cxnLst>
-            <a:rect l="l" t="t" r="r" b="b"/>
-            <a:pathLst>
-              <a:path w="297385" h="400571" fill="none" extrusionOk="0">
-                <a:moveTo>
-                  <a:pt x="0" y="225631"/>
-                </a:moveTo>
-                <a:cubicBezTo>
-                  <a:pt x="39232" y="224040"/>
-                  <a:pt x="54352" y="227353"/>
-                  <a:pt x="87470" y="225631"/>
-                </a:cubicBezTo>
-                <a:cubicBezTo>
-                  <a:pt x="72780" y="167493"/>
-                  <a:pt x="111742" y="111976"/>
-                  <a:pt x="87470" y="0"/>
-                </a:cubicBezTo>
-                <a:cubicBezTo>
-                  <a:pt x="124841" y="-4698"/>
-                  <a:pt x="179691" y="2145"/>
-                  <a:pt x="209915" y="0"/>
-                </a:cubicBezTo>
-                <a:cubicBezTo>
-                  <a:pt x="220233" y="69109"/>
-                  <a:pt x="184847" y="176706"/>
-                  <a:pt x="209915" y="225631"/>
-                </a:cubicBezTo>
-                <a:cubicBezTo>
-                  <a:pt x="231765" y="222512"/>
-                  <a:pt x="256593" y="228412"/>
-                  <a:pt x="297385" y="225631"/>
-                </a:cubicBezTo>
-                <a:cubicBezTo>
-                  <a:pt x="280519" y="275812"/>
-                  <a:pt x="178179" y="356775"/>
-                  <a:pt x="148693" y="400571"/>
-                </a:cubicBezTo>
-                <a:cubicBezTo>
-                  <a:pt x="63782" y="340912"/>
-                  <a:pt x="67516" y="274009"/>
-                  <a:pt x="0" y="225631"/>
-                </a:cubicBezTo>
-                <a:close/>
-              </a:path>
-              <a:path w="297385" h="400571" stroke="0" extrusionOk="0">
-                <a:moveTo>
-                  <a:pt x="0" y="225631"/>
-                </a:moveTo>
-                <a:cubicBezTo>
-                  <a:pt x="40663" y="222337"/>
-                  <a:pt x="66619" y="233484"/>
-                  <a:pt x="87470" y="225631"/>
-                </a:cubicBezTo>
-                <a:cubicBezTo>
-                  <a:pt x="62331" y="120012"/>
-                  <a:pt x="109074" y="59244"/>
-                  <a:pt x="87470" y="0"/>
-                </a:cubicBezTo>
-                <a:cubicBezTo>
-                  <a:pt x="126859" y="-2628"/>
-                  <a:pt x="158410" y="9928"/>
-                  <a:pt x="209915" y="0"/>
-                </a:cubicBezTo>
-                <a:cubicBezTo>
-                  <a:pt x="215965" y="58038"/>
-                  <a:pt x="206539" y="163564"/>
-                  <a:pt x="209915" y="225631"/>
-                </a:cubicBezTo>
-                <a:cubicBezTo>
-                  <a:pt x="233748" y="223575"/>
-                  <a:pt x="268433" y="231655"/>
-                  <a:pt x="297385" y="225631"/>
-                </a:cubicBezTo>
-                <a:cubicBezTo>
-                  <a:pt x="274647" y="277039"/>
-                  <a:pt x="190314" y="322003"/>
-                  <a:pt x="148693" y="400571"/>
-                </a:cubicBezTo>
-                <a:cubicBezTo>
-                  <a:pt x="59124" y="329671"/>
-                  <a:pt x="79340" y="302820"/>
-                  <a:pt x="0" y="225631"/>
-                </a:cubicBezTo>
-                <a:close/>
-              </a:path>
-            </a:pathLst>
-          </a:custGeom>
-          <a:ln>
-            <a:extLst>
-              <a:ext uri="{C807C97D-BFC1-408E-A445-0C87EB9F89A2}">
-                <ask:lineSketchStyleProps xmlns:ask="http://schemas.microsoft.com/office/drawing/2018/sketchyshapes" sd="1166165985">
-                  <a:prstGeom prst="downArrow">
-                    <a:avLst>
-                      <a:gd name="adj1" fmla="val 41174"/>
-                      <a:gd name="adj2" fmla="val 58826"/>
-                    </a:avLst>
-                  </a:prstGeom>
-                  <ask:type>
-                    <ask:lineSketchScribble/>
-                  </ask:type>
-                </ask:lineSketchStyleProps>
-              </a:ext>
-            </a:extLst>
-          </a:ln>
-        </p:spPr>
-        <p:style>
-          <a:lnRef idx="2">
-            <a:schemeClr val="dk1"/>
-          </a:lnRef>
-          <a:fillRef idx="1">
-            <a:schemeClr val="lt1"/>
-          </a:fillRef>
-          <a:effectRef idx="0">
-            <a:schemeClr val="dk1"/>
-          </a:effectRef>
-          <a:fontRef idx="minor">
-            <a:schemeClr val="dk1"/>
-          </a:fontRef>
-        </p:style>
-        <p:txBody>
-          <a:bodyPr rtlCol="0" anchor="ctr"/>
-          <a:lstStyle/>
-          <a:p>
-            <a:pPr algn="ctr"/>
-            <a:endParaRPr lang="en-US"/>
-          </a:p>
-        </p:txBody>
-      </p:sp>
-      <p:sp>
-        <p:nvSpPr>
-          <p:cNvPr id="45" name="Arrow: Down 44">
-            <a:extLst>
-              <a:ext uri="{FF2B5EF4-FFF2-40B4-BE49-F238E27FC236}">
-                <a16:creationId xmlns:a16="http://schemas.microsoft.com/office/drawing/2014/main" id="{1F355158-99AC-4C22-B934-B1D52529F818}"/>
-              </a:ext>
-            </a:extLst>
-          </p:cNvPr>
-          <p:cNvSpPr/>
-          <p:nvPr/>
-        </p:nvSpPr>
-        <p:spPr>
-          <a:xfrm rot="5400000">
-            <a:off x="6583899" y="6001895"/>
-            <a:ext cx="297385" cy="400571"/>
-          </a:xfrm>
-          <a:custGeom>
-            <a:avLst/>
-            <a:gdLst>
-              <a:gd name="connsiteX0" fmla="*/ 0 w 297385"/>
-              <a:gd name="connsiteY0" fmla="*/ 225631 h 400571"/>
-              <a:gd name="connsiteX1" fmla="*/ 87470 w 297385"/>
-              <a:gd name="connsiteY1" fmla="*/ 225631 h 400571"/>
-              <a:gd name="connsiteX2" fmla="*/ 87470 w 297385"/>
-              <a:gd name="connsiteY2" fmla="*/ 0 h 400571"/>
-              <a:gd name="connsiteX3" fmla="*/ 209915 w 297385"/>
-              <a:gd name="connsiteY3" fmla="*/ 0 h 400571"/>
-              <a:gd name="connsiteX4" fmla="*/ 209915 w 297385"/>
-              <a:gd name="connsiteY4" fmla="*/ 225631 h 400571"/>
-              <a:gd name="connsiteX5" fmla="*/ 297385 w 297385"/>
-              <a:gd name="connsiteY5" fmla="*/ 225631 h 400571"/>
-              <a:gd name="connsiteX6" fmla="*/ 148693 w 297385"/>
-              <a:gd name="connsiteY6" fmla="*/ 400571 h 400571"/>
-              <a:gd name="connsiteX7" fmla="*/ 0 w 297385"/>
-              <a:gd name="connsiteY7" fmla="*/ 225631 h 400571"/>
-            </a:gdLst>
-            <a:ahLst/>
-            <a:cxnLst>
-              <a:cxn ang="0">
-                <a:pos x="connsiteX0" y="connsiteY0"/>
-              </a:cxn>
-              <a:cxn ang="0">
-                <a:pos x="connsiteX1" y="connsiteY1"/>
-              </a:cxn>
-              <a:cxn ang="0">
-                <a:pos x="connsiteX2" y="connsiteY2"/>
-              </a:cxn>
-              <a:cxn ang="0">
-                <a:pos x="connsiteX3" y="connsiteY3"/>
-              </a:cxn>
-              <a:cxn ang="0">
-                <a:pos x="connsiteX4" y="connsiteY4"/>
-              </a:cxn>
-              <a:cxn ang="0">
-                <a:pos x="connsiteX5" y="connsiteY5"/>
-              </a:cxn>
-              <a:cxn ang="0">
-                <a:pos x="connsiteX6" y="connsiteY6"/>
-              </a:cxn>
-              <a:cxn ang="0">
-                <a:pos x="connsiteX7" y="connsiteY7"/>
-              </a:cxn>
-            </a:cxnLst>
-            <a:rect l="l" t="t" r="r" b="b"/>
-            <a:pathLst>
-              <a:path w="297385" h="400571" fill="none" extrusionOk="0">
-                <a:moveTo>
-                  <a:pt x="0" y="225631"/>
-                </a:moveTo>
-                <a:cubicBezTo>
-                  <a:pt x="39232" y="224040"/>
-                  <a:pt x="54352" y="227353"/>
-                  <a:pt x="87470" y="225631"/>
-                </a:cubicBezTo>
-                <a:cubicBezTo>
-                  <a:pt x="72780" y="167493"/>
-                  <a:pt x="111742" y="111976"/>
-                  <a:pt x="87470" y="0"/>
-                </a:cubicBezTo>
-                <a:cubicBezTo>
-                  <a:pt x="124841" y="-4698"/>
-                  <a:pt x="179691" y="2145"/>
-                  <a:pt x="209915" y="0"/>
-                </a:cubicBezTo>
-                <a:cubicBezTo>
-                  <a:pt x="220233" y="69109"/>
-                  <a:pt x="184847" y="176706"/>
-                  <a:pt x="209915" y="225631"/>
-                </a:cubicBezTo>
-                <a:cubicBezTo>
-                  <a:pt x="231765" y="222512"/>
-                  <a:pt x="256593" y="228412"/>
-                  <a:pt x="297385" y="225631"/>
-                </a:cubicBezTo>
-                <a:cubicBezTo>
-                  <a:pt x="280519" y="275812"/>
-                  <a:pt x="178179" y="356775"/>
-                  <a:pt x="148693" y="400571"/>
-                </a:cubicBezTo>
-                <a:cubicBezTo>
-                  <a:pt x="63782" y="340912"/>
-                  <a:pt x="67516" y="274009"/>
-                  <a:pt x="0" y="225631"/>
-                </a:cubicBezTo>
-                <a:close/>
-              </a:path>
-              <a:path w="297385" h="400571" stroke="0" extrusionOk="0">
-                <a:moveTo>
-                  <a:pt x="0" y="225631"/>
-                </a:moveTo>
-                <a:cubicBezTo>
-                  <a:pt x="40663" y="222337"/>
-                  <a:pt x="66619" y="233484"/>
-                  <a:pt x="87470" y="225631"/>
-                </a:cubicBezTo>
-                <a:cubicBezTo>
-                  <a:pt x="62331" y="120012"/>
-                  <a:pt x="109074" y="59244"/>
-                  <a:pt x="87470" y="0"/>
-                </a:cubicBezTo>
-                <a:cubicBezTo>
-                  <a:pt x="126859" y="-2628"/>
-                  <a:pt x="158410" y="9928"/>
-                  <a:pt x="209915" y="0"/>
-                </a:cubicBezTo>
-                <a:cubicBezTo>
-                  <a:pt x="215965" y="58038"/>
-                  <a:pt x="206539" y="163564"/>
-                  <a:pt x="209915" y="225631"/>
-                </a:cubicBezTo>
-                <a:cubicBezTo>
-                  <a:pt x="233748" y="223575"/>
-                  <a:pt x="268433" y="231655"/>
-                  <a:pt x="297385" y="225631"/>
-                </a:cubicBezTo>
-                <a:cubicBezTo>
-                  <a:pt x="274647" y="277039"/>
-                  <a:pt x="190314" y="322003"/>
-                  <a:pt x="148693" y="400571"/>
-                </a:cubicBezTo>
-                <a:cubicBezTo>
-                  <a:pt x="59124" y="329671"/>
-                  <a:pt x="79340" y="302820"/>
-                  <a:pt x="0" y="225631"/>
-                </a:cubicBezTo>
-                <a:close/>
-              </a:path>
-            </a:pathLst>
-          </a:custGeom>
-          <a:ln>
-            <a:extLst>
-              <a:ext uri="{C807C97D-BFC1-408E-A445-0C87EB9F89A2}">
-                <ask:lineSketchStyleProps xmlns:ask="http://schemas.microsoft.com/office/drawing/2018/sketchyshapes" sd="1166165985">
-                  <a:prstGeom prst="downArrow">
-                    <a:avLst>
-                      <a:gd name="adj1" fmla="val 41174"/>
-                      <a:gd name="adj2" fmla="val 58826"/>
-                    </a:avLst>
-                  </a:prstGeom>
-                  <ask:type>
-                    <ask:lineSketchScribble/>
-                  </ask:type>
-                </ask:lineSketchStyleProps>
-              </a:ext>
-            </a:extLst>
-          </a:ln>
-        </p:spPr>
-        <p:style>
-          <a:lnRef idx="2">
-            <a:schemeClr val="dk1"/>
-          </a:lnRef>
-          <a:fillRef idx="1">
-            <a:schemeClr val="lt1"/>
-          </a:fillRef>
-          <a:effectRef idx="0">
-            <a:schemeClr val="dk1"/>
-          </a:effectRef>
-          <a:fontRef idx="minor">
-            <a:schemeClr val="dk1"/>
-          </a:fontRef>
-        </p:style>
-        <p:txBody>
-          <a:bodyPr rtlCol="0" anchor="ctr"/>
-          <a:lstStyle/>
-          <a:p>
-            <a:pPr algn="ctr"/>
-            <a:endParaRPr lang="en-US"/>
-          </a:p>
-        </p:txBody>
-      </p:sp>
-      <p:sp>
-        <p:nvSpPr>
-          <p:cNvPr id="46" name="Arrow: Down 45">
-            <a:extLst>
-              <a:ext uri="{FF2B5EF4-FFF2-40B4-BE49-F238E27FC236}">
-                <a16:creationId xmlns:a16="http://schemas.microsoft.com/office/drawing/2014/main" id="{36C97555-91E4-4A75-9143-3C5610B292EC}"/>
-              </a:ext>
-            </a:extLst>
-          </p:cNvPr>
-          <p:cNvSpPr/>
-          <p:nvPr/>
-        </p:nvSpPr>
-        <p:spPr>
-          <a:xfrm rot="3360604">
-            <a:off x="6583496" y="5246826"/>
-            <a:ext cx="297385" cy="740581"/>
-          </a:xfrm>
-          <a:custGeom>
-            <a:avLst/>
-            <a:gdLst>
-              <a:gd name="connsiteX0" fmla="*/ 0 w 297385"/>
-              <a:gd name="connsiteY0" fmla="*/ 565641 h 740581"/>
-              <a:gd name="connsiteX1" fmla="*/ 87470 w 297385"/>
-              <a:gd name="connsiteY1" fmla="*/ 565641 h 740581"/>
-              <a:gd name="connsiteX2" fmla="*/ 87470 w 297385"/>
-              <a:gd name="connsiteY2" fmla="*/ 0 h 740581"/>
-              <a:gd name="connsiteX3" fmla="*/ 209915 w 297385"/>
-              <a:gd name="connsiteY3" fmla="*/ 0 h 740581"/>
-              <a:gd name="connsiteX4" fmla="*/ 209915 w 297385"/>
-              <a:gd name="connsiteY4" fmla="*/ 565641 h 740581"/>
-              <a:gd name="connsiteX5" fmla="*/ 297385 w 297385"/>
-              <a:gd name="connsiteY5" fmla="*/ 565641 h 740581"/>
-              <a:gd name="connsiteX6" fmla="*/ 148693 w 297385"/>
-              <a:gd name="connsiteY6" fmla="*/ 740581 h 740581"/>
-              <a:gd name="connsiteX7" fmla="*/ 0 w 297385"/>
-              <a:gd name="connsiteY7" fmla="*/ 565641 h 740581"/>
-            </a:gdLst>
-            <a:ahLst/>
-            <a:cxnLst>
-              <a:cxn ang="0">
-                <a:pos x="connsiteX0" y="connsiteY0"/>
-              </a:cxn>
-              <a:cxn ang="0">
-                <a:pos x="connsiteX1" y="connsiteY1"/>
-              </a:cxn>
-              <a:cxn ang="0">
-                <a:pos x="connsiteX2" y="connsiteY2"/>
-              </a:cxn>
-              <a:cxn ang="0">
-                <a:pos x="connsiteX3" y="connsiteY3"/>
-              </a:cxn>
-              <a:cxn ang="0">
-                <a:pos x="connsiteX4" y="connsiteY4"/>
-              </a:cxn>
-              <a:cxn ang="0">
-                <a:pos x="connsiteX5" y="connsiteY5"/>
-              </a:cxn>
-              <a:cxn ang="0">
-                <a:pos x="connsiteX6" y="connsiteY6"/>
-              </a:cxn>
-              <a:cxn ang="0">
-                <a:pos x="connsiteX7" y="connsiteY7"/>
-              </a:cxn>
-            </a:cxnLst>
-            <a:rect l="l" t="t" r="r" b="b"/>
-            <a:pathLst>
-              <a:path w="297385" h="740581" fill="none" extrusionOk="0">
-                <a:moveTo>
-                  <a:pt x="0" y="565641"/>
-                </a:moveTo>
-                <a:cubicBezTo>
-                  <a:pt x="39232" y="564050"/>
-                  <a:pt x="54352" y="567363"/>
-                  <a:pt x="87470" y="565641"/>
-                </a:cubicBezTo>
-                <a:cubicBezTo>
-                  <a:pt x="23973" y="297259"/>
-                  <a:pt x="113219" y="154693"/>
-                  <a:pt x="87470" y="0"/>
-                </a:cubicBezTo>
-                <a:cubicBezTo>
-                  <a:pt x="124841" y="-4698"/>
-                  <a:pt x="179691" y="2145"/>
-                  <a:pt x="209915" y="0"/>
-                </a:cubicBezTo>
-                <a:cubicBezTo>
-                  <a:pt x="253775" y="153736"/>
-                  <a:pt x="195950" y="373307"/>
-                  <a:pt x="209915" y="565641"/>
-                </a:cubicBezTo>
-                <a:cubicBezTo>
-                  <a:pt x="231765" y="562522"/>
-                  <a:pt x="256593" y="568422"/>
-                  <a:pt x="297385" y="565641"/>
-                </a:cubicBezTo>
-                <a:cubicBezTo>
-                  <a:pt x="280519" y="615822"/>
-                  <a:pt x="178179" y="696785"/>
-                  <a:pt x="148693" y="740581"/>
-                </a:cubicBezTo>
-                <a:cubicBezTo>
-                  <a:pt x="63782" y="680922"/>
-                  <a:pt x="67516" y="614019"/>
-                  <a:pt x="0" y="565641"/>
-                </a:cubicBezTo>
-                <a:close/>
-              </a:path>
-              <a:path w="297385" h="740581" stroke="0" extrusionOk="0">
-                <a:moveTo>
-                  <a:pt x="0" y="565641"/>
-                </a:moveTo>
-                <a:cubicBezTo>
-                  <a:pt x="40663" y="562347"/>
-                  <a:pt x="66619" y="573494"/>
-                  <a:pt x="87470" y="565641"/>
-                </a:cubicBezTo>
-                <a:cubicBezTo>
-                  <a:pt x="73367" y="322711"/>
-                  <a:pt x="134088" y="257359"/>
-                  <a:pt x="87470" y="0"/>
-                </a:cubicBezTo>
-                <a:cubicBezTo>
-                  <a:pt x="126859" y="-2628"/>
-                  <a:pt x="158410" y="9928"/>
-                  <a:pt x="209915" y="0"/>
-                </a:cubicBezTo>
-                <a:cubicBezTo>
-                  <a:pt x="272346" y="197874"/>
-                  <a:pt x="162747" y="313512"/>
-                  <a:pt x="209915" y="565641"/>
-                </a:cubicBezTo>
-                <a:cubicBezTo>
-                  <a:pt x="233748" y="563585"/>
-                  <a:pt x="268433" y="571665"/>
-                  <a:pt x="297385" y="565641"/>
-                </a:cubicBezTo>
-                <a:cubicBezTo>
-                  <a:pt x="274647" y="617049"/>
-                  <a:pt x="190314" y="662013"/>
-                  <a:pt x="148693" y="740581"/>
-                </a:cubicBezTo>
-                <a:cubicBezTo>
-                  <a:pt x="59124" y="669681"/>
-                  <a:pt x="79340" y="642830"/>
-                  <a:pt x="0" y="565641"/>
-                </a:cubicBezTo>
-                <a:close/>
-              </a:path>
-            </a:pathLst>
-          </a:custGeom>
-          <a:ln>
-            <a:extLst>
-              <a:ext uri="{C807C97D-BFC1-408E-A445-0C87EB9F89A2}">
-                <ask:lineSketchStyleProps xmlns:ask="http://schemas.microsoft.com/office/drawing/2018/sketchyshapes" sd="1166165985">
-                  <a:prstGeom prst="downArrow">
-                    <a:avLst>
-                      <a:gd name="adj1" fmla="val 41174"/>
-                      <a:gd name="adj2" fmla="val 58826"/>
-                    </a:avLst>
-                  </a:prstGeom>
-                  <ask:type>
-                    <ask:lineSketchScribble/>
-                  </ask:type>
-                </ask:lineSketchStyleProps>
-              </a:ext>
-            </a:extLst>
-          </a:ln>
-        </p:spPr>
-        <p:style>
-          <a:lnRef idx="2">
-            <a:schemeClr val="dk1"/>
-          </a:lnRef>
-          <a:fillRef idx="1">
-            <a:schemeClr val="lt1"/>
-          </a:fillRef>
-          <a:effectRef idx="0">
-            <a:schemeClr val="dk1"/>
-          </a:effectRef>
-          <a:fontRef idx="minor">
-            <a:schemeClr val="dk1"/>
-          </a:fontRef>
-        </p:style>
-        <p:txBody>
-          <a:bodyPr rtlCol="0" anchor="ctr"/>
-          <a:lstStyle/>
-          <a:p>
-            <a:pPr algn="ctr"/>
-            <a:endParaRPr lang="en-US"/>
-          </a:p>
-        </p:txBody>
-      </p:sp>
-      <p:sp>
-        <p:nvSpPr>
-          <p:cNvPr id="47" name="Arrow: Down 46">
-            <a:extLst>
-              <a:ext uri="{FF2B5EF4-FFF2-40B4-BE49-F238E27FC236}">
-                <a16:creationId xmlns:a16="http://schemas.microsoft.com/office/drawing/2014/main" id="{684C990E-8609-4EFB-8973-9DCFC8DA55A8}"/>
-              </a:ext>
-            </a:extLst>
-          </p:cNvPr>
-          <p:cNvSpPr/>
-          <p:nvPr/>
-        </p:nvSpPr>
-        <p:spPr>
-          <a:xfrm rot="5935125">
-            <a:off x="4978535" y="5608851"/>
-            <a:ext cx="297385" cy="968717"/>
-          </a:xfrm>
-          <a:custGeom>
-            <a:avLst/>
-            <a:gdLst>
-              <a:gd name="connsiteX0" fmla="*/ 0 w 297385"/>
-              <a:gd name="connsiteY0" fmla="*/ 793777 h 968717"/>
-              <a:gd name="connsiteX1" fmla="*/ 87470 w 297385"/>
-              <a:gd name="connsiteY1" fmla="*/ 793777 h 968717"/>
-              <a:gd name="connsiteX2" fmla="*/ 87470 w 297385"/>
-              <a:gd name="connsiteY2" fmla="*/ 420702 h 968717"/>
-              <a:gd name="connsiteX3" fmla="*/ 87470 w 297385"/>
-              <a:gd name="connsiteY3" fmla="*/ 0 h 968717"/>
-              <a:gd name="connsiteX4" fmla="*/ 209915 w 297385"/>
-              <a:gd name="connsiteY4" fmla="*/ 0 h 968717"/>
-              <a:gd name="connsiteX5" fmla="*/ 209915 w 297385"/>
-              <a:gd name="connsiteY5" fmla="*/ 381013 h 968717"/>
-              <a:gd name="connsiteX6" fmla="*/ 209915 w 297385"/>
-              <a:gd name="connsiteY6" fmla="*/ 793777 h 968717"/>
-              <a:gd name="connsiteX7" fmla="*/ 297385 w 297385"/>
-              <a:gd name="connsiteY7" fmla="*/ 793777 h 968717"/>
-              <a:gd name="connsiteX8" fmla="*/ 148693 w 297385"/>
-              <a:gd name="connsiteY8" fmla="*/ 968717 h 968717"/>
-              <a:gd name="connsiteX9" fmla="*/ 0 w 297385"/>
-              <a:gd name="connsiteY9" fmla="*/ 793777 h 968717"/>
-            </a:gdLst>
-            <a:ahLst/>
-            <a:cxnLst>
-              <a:cxn ang="0">
-                <a:pos x="connsiteX0" y="connsiteY0"/>
-              </a:cxn>
-              <a:cxn ang="0">
-                <a:pos x="connsiteX1" y="connsiteY1"/>
-              </a:cxn>
-              <a:cxn ang="0">
-                <a:pos x="connsiteX2" y="connsiteY2"/>
-              </a:cxn>
-              <a:cxn ang="0">
-                <a:pos x="connsiteX3" y="connsiteY3"/>
-              </a:cxn>
-              <a:cxn ang="0">
-                <a:pos x="connsiteX4" y="connsiteY4"/>
-              </a:cxn>
-              <a:cxn ang="0">
-                <a:pos x="connsiteX5" y="connsiteY5"/>
-              </a:cxn>
-              <a:cxn ang="0">
-                <a:pos x="connsiteX6" y="connsiteY6"/>
-              </a:cxn>
-              <a:cxn ang="0">
-                <a:pos x="connsiteX7" y="connsiteY7"/>
-              </a:cxn>
-              <a:cxn ang="0">
-                <a:pos x="connsiteX8" y="connsiteY8"/>
-              </a:cxn>
-              <a:cxn ang="0">
-                <a:pos x="connsiteX9" y="connsiteY9"/>
-              </a:cxn>
-            </a:cxnLst>
-            <a:rect l="l" t="t" r="r" b="b"/>
-            <a:pathLst>
-              <a:path w="297385" h="968717" fill="none" extrusionOk="0">
-                <a:moveTo>
-                  <a:pt x="0" y="793777"/>
-                </a:moveTo>
-                <a:cubicBezTo>
-                  <a:pt x="36003" y="783836"/>
-                  <a:pt x="63872" y="795308"/>
-                  <a:pt x="87470" y="793777"/>
-                </a:cubicBezTo>
-                <a:cubicBezTo>
-                  <a:pt x="44956" y="645510"/>
-                  <a:pt x="116763" y="604721"/>
-                  <a:pt x="87470" y="420702"/>
-                </a:cubicBezTo>
-                <a:cubicBezTo>
-                  <a:pt x="58177" y="236684"/>
-                  <a:pt x="132282" y="121599"/>
-                  <a:pt x="87470" y="0"/>
-                </a:cubicBezTo>
-                <a:cubicBezTo>
-                  <a:pt x="117647" y="-3719"/>
-                  <a:pt x="182577" y="2255"/>
-                  <a:pt x="209915" y="0"/>
-                </a:cubicBezTo>
-                <a:cubicBezTo>
-                  <a:pt x="222058" y="86110"/>
-                  <a:pt x="165200" y="211124"/>
-                  <a:pt x="209915" y="381013"/>
-                </a:cubicBezTo>
-                <a:cubicBezTo>
-                  <a:pt x="254630" y="550902"/>
-                  <a:pt x="206436" y="609145"/>
-                  <a:pt x="209915" y="793777"/>
-                </a:cubicBezTo>
-                <a:cubicBezTo>
-                  <a:pt x="238012" y="789750"/>
-                  <a:pt x="255844" y="796523"/>
-                  <a:pt x="297385" y="793777"/>
-                </a:cubicBezTo>
-                <a:cubicBezTo>
-                  <a:pt x="252900" y="888392"/>
-                  <a:pt x="210777" y="875941"/>
-                  <a:pt x="148693" y="968717"/>
-                </a:cubicBezTo>
-                <a:cubicBezTo>
-                  <a:pt x="88769" y="898264"/>
-                  <a:pt x="62517" y="860322"/>
-                  <a:pt x="0" y="793777"/>
-                </a:cubicBezTo>
-                <a:close/>
-              </a:path>
-              <a:path w="297385" h="968717" stroke="0" extrusionOk="0">
-                <a:moveTo>
-                  <a:pt x="0" y="793777"/>
-                </a:moveTo>
-                <a:cubicBezTo>
-                  <a:pt x="40663" y="790483"/>
-                  <a:pt x="66619" y="801630"/>
-                  <a:pt x="87470" y="793777"/>
-                </a:cubicBezTo>
-                <a:cubicBezTo>
-                  <a:pt x="79752" y="634992"/>
-                  <a:pt x="87874" y="580729"/>
-                  <a:pt x="87470" y="396889"/>
-                </a:cubicBezTo>
-                <a:cubicBezTo>
-                  <a:pt x="87066" y="213049"/>
-                  <a:pt x="134532" y="104068"/>
-                  <a:pt x="87470" y="0"/>
-                </a:cubicBezTo>
-                <a:cubicBezTo>
-                  <a:pt x="125682" y="-1233"/>
-                  <a:pt x="172497" y="13780"/>
-                  <a:pt x="209915" y="0"/>
-                </a:cubicBezTo>
-                <a:cubicBezTo>
-                  <a:pt x="238782" y="158834"/>
-                  <a:pt x="189087" y="232857"/>
-                  <a:pt x="209915" y="381013"/>
-                </a:cubicBezTo>
-                <a:cubicBezTo>
-                  <a:pt x="230743" y="529169"/>
-                  <a:pt x="167670" y="686315"/>
-                  <a:pt x="209915" y="793777"/>
-                </a:cubicBezTo>
-                <a:cubicBezTo>
-                  <a:pt x="250360" y="790324"/>
-                  <a:pt x="256532" y="796536"/>
-                  <a:pt x="297385" y="793777"/>
-                </a:cubicBezTo>
-                <a:cubicBezTo>
-                  <a:pt x="251055" y="878947"/>
-                  <a:pt x="163310" y="917202"/>
-                  <a:pt x="148693" y="968717"/>
-                </a:cubicBezTo>
-                <a:cubicBezTo>
-                  <a:pt x="94899" y="913537"/>
-                  <a:pt x="73106" y="843600"/>
-                  <a:pt x="0" y="793777"/>
-                </a:cubicBezTo>
-                <a:close/>
-              </a:path>
-            </a:pathLst>
-          </a:custGeom>
-          <a:ln>
-            <a:extLst>
-              <a:ext uri="{C807C97D-BFC1-408E-A445-0C87EB9F89A2}">
-                <ask:lineSketchStyleProps xmlns:ask="http://schemas.microsoft.com/office/drawing/2018/sketchyshapes" sd="1166165985">
-                  <a:prstGeom prst="downArrow">
-                    <a:avLst>
-                      <a:gd name="adj1" fmla="val 41174"/>
-                      <a:gd name="adj2" fmla="val 58826"/>
-                    </a:avLst>
-                  </a:prstGeom>
-                  <ask:type>
-                    <ask:lineSketchScribble/>
-                  </ask:type>
-                </ask:lineSketchStyleProps>
-              </a:ext>
-            </a:extLst>
-          </a:ln>
-        </p:spPr>
-        <p:style>
-          <a:lnRef idx="2">
-            <a:schemeClr val="dk1"/>
-          </a:lnRef>
-          <a:fillRef idx="1">
-            <a:schemeClr val="lt1"/>
-          </a:fillRef>
-          <a:effectRef idx="0">
-            <a:schemeClr val="dk1"/>
-          </a:effectRef>
-          <a:fontRef idx="minor">
-            <a:schemeClr val="dk1"/>
-          </a:fontRef>
-        </p:style>
-        <p:txBody>
-          <a:bodyPr rtlCol="0" anchor="ctr"/>
-          <a:lstStyle/>
-          <a:p>
-            <a:pPr algn="ctr"/>
-            <a:endParaRPr lang="en-US"/>
-          </a:p>
-        </p:txBody>
-      </p:sp>
-      <p:sp>
-        <p:nvSpPr>
-          <p:cNvPr id="49" name="Arrow: Down 48">
-            <a:extLst>
-              <a:ext uri="{FF2B5EF4-FFF2-40B4-BE49-F238E27FC236}">
-                <a16:creationId xmlns:a16="http://schemas.microsoft.com/office/drawing/2014/main" id="{871B4288-2709-445C-9C73-0FE8997E08A2}"/>
-              </a:ext>
-            </a:extLst>
-          </p:cNvPr>
-          <p:cNvSpPr/>
-          <p:nvPr/>
-        </p:nvSpPr>
-        <p:spPr>
-          <a:xfrm>
-            <a:off x="1473573" y="2213911"/>
-            <a:ext cx="404088" cy="774787"/>
-          </a:xfrm>
-          <a:custGeom>
-            <a:avLst/>
-            <a:gdLst>
-              <a:gd name="connsiteX0" fmla="*/ 0 w 404088"/>
-              <a:gd name="connsiteY0" fmla="*/ 537078 h 774787"/>
-              <a:gd name="connsiteX1" fmla="*/ 118854 w 404088"/>
-              <a:gd name="connsiteY1" fmla="*/ 537078 h 774787"/>
-              <a:gd name="connsiteX2" fmla="*/ 118854 w 404088"/>
-              <a:gd name="connsiteY2" fmla="*/ 0 h 774787"/>
-              <a:gd name="connsiteX3" fmla="*/ 285234 w 404088"/>
-              <a:gd name="connsiteY3" fmla="*/ 0 h 774787"/>
-              <a:gd name="connsiteX4" fmla="*/ 285234 w 404088"/>
-              <a:gd name="connsiteY4" fmla="*/ 537078 h 774787"/>
-              <a:gd name="connsiteX5" fmla="*/ 404088 w 404088"/>
-              <a:gd name="connsiteY5" fmla="*/ 537078 h 774787"/>
-              <a:gd name="connsiteX6" fmla="*/ 202044 w 404088"/>
-              <a:gd name="connsiteY6" fmla="*/ 774787 h 774787"/>
-              <a:gd name="connsiteX7" fmla="*/ 0 w 404088"/>
-              <a:gd name="connsiteY7" fmla="*/ 537078 h 774787"/>
-            </a:gdLst>
-            <a:ahLst/>
-            <a:cxnLst>
-              <a:cxn ang="0">
-                <a:pos x="connsiteX0" y="connsiteY0"/>
-              </a:cxn>
-              <a:cxn ang="0">
-                <a:pos x="connsiteX1" y="connsiteY1"/>
-              </a:cxn>
-              <a:cxn ang="0">
-                <a:pos x="connsiteX2" y="connsiteY2"/>
-              </a:cxn>
-              <a:cxn ang="0">
-                <a:pos x="connsiteX3" y="connsiteY3"/>
-              </a:cxn>
-              <a:cxn ang="0">
-                <a:pos x="connsiteX4" y="connsiteY4"/>
-              </a:cxn>
-              <a:cxn ang="0">
-                <a:pos x="connsiteX5" y="connsiteY5"/>
-              </a:cxn>
-              <a:cxn ang="0">
-                <a:pos x="connsiteX6" y="connsiteY6"/>
-              </a:cxn>
-              <a:cxn ang="0">
-                <a:pos x="connsiteX7" y="connsiteY7"/>
-              </a:cxn>
-            </a:cxnLst>
-            <a:rect l="l" t="t" r="r" b="b"/>
-            <a:pathLst>
-              <a:path w="404088" h="774787" fill="none" extrusionOk="0">
-                <a:moveTo>
-                  <a:pt x="0" y="537078"/>
-                </a:moveTo>
-                <a:cubicBezTo>
-                  <a:pt x="18769" y="540083"/>
-                  <a:pt x="105645" y="547445"/>
-                  <a:pt x="118854" y="537078"/>
-                </a:cubicBezTo>
-                <a:cubicBezTo>
-                  <a:pt x="153916" y="375008"/>
-                  <a:pt x="139851" y="267273"/>
-                  <a:pt x="118854" y="0"/>
-                </a:cubicBezTo>
-                <a:cubicBezTo>
-                  <a:pt x="185911" y="-5603"/>
-                  <a:pt x="208718" y="-5285"/>
-                  <a:pt x="285234" y="0"/>
-                </a:cubicBezTo>
-                <a:cubicBezTo>
-                  <a:pt x="238244" y="257976"/>
-                  <a:pt x="325855" y="320026"/>
-                  <a:pt x="285234" y="537078"/>
-                </a:cubicBezTo>
-                <a:cubicBezTo>
-                  <a:pt x="342100" y="537000"/>
-                  <a:pt x="373595" y="528911"/>
-                  <a:pt x="404088" y="537078"/>
-                </a:cubicBezTo>
-                <a:cubicBezTo>
-                  <a:pt x="309353" y="651249"/>
-                  <a:pt x="268849" y="670318"/>
-                  <a:pt x="202044" y="774787"/>
-                </a:cubicBezTo>
-                <a:cubicBezTo>
-                  <a:pt x="189426" y="740407"/>
-                  <a:pt x="101311" y="621565"/>
-                  <a:pt x="0" y="537078"/>
-                </a:cubicBezTo>
-                <a:close/>
-              </a:path>
-              <a:path w="404088" h="774787" stroke="0" extrusionOk="0">
-                <a:moveTo>
-                  <a:pt x="0" y="537078"/>
-                </a:moveTo>
-                <a:cubicBezTo>
-                  <a:pt x="49415" y="533649"/>
-                  <a:pt x="104208" y="530473"/>
-                  <a:pt x="118854" y="537078"/>
-                </a:cubicBezTo>
-                <a:cubicBezTo>
-                  <a:pt x="80678" y="279910"/>
-                  <a:pt x="139537" y="242289"/>
-                  <a:pt x="118854" y="0"/>
-                </a:cubicBezTo>
-                <a:cubicBezTo>
-                  <a:pt x="188788" y="-14087"/>
-                  <a:pt x="207922" y="7100"/>
-                  <a:pt x="285234" y="0"/>
-                </a:cubicBezTo>
-                <a:cubicBezTo>
-                  <a:pt x="241436" y="153438"/>
-                  <a:pt x="255692" y="352347"/>
-                  <a:pt x="285234" y="537078"/>
-                </a:cubicBezTo>
-                <a:cubicBezTo>
-                  <a:pt x="337659" y="538814"/>
-                  <a:pt x="383912" y="538529"/>
-                  <a:pt x="404088" y="537078"/>
-                </a:cubicBezTo>
-                <a:cubicBezTo>
-                  <a:pt x="385851" y="582161"/>
-                  <a:pt x="274519" y="707649"/>
-                  <a:pt x="202044" y="774787"/>
-                </a:cubicBezTo>
-                <a:cubicBezTo>
-                  <a:pt x="173605" y="706333"/>
-                  <a:pt x="23855" y="566801"/>
-                  <a:pt x="0" y="537078"/>
-                </a:cubicBezTo>
-                <a:close/>
-              </a:path>
-            </a:pathLst>
-          </a:custGeom>
-          <a:ln>
-            <a:extLst>
-              <a:ext uri="{C807C97D-BFC1-408E-A445-0C87EB9F89A2}">
-                <ask:lineSketchStyleProps xmlns:ask="http://schemas.microsoft.com/office/drawing/2018/sketchyshapes" sd="1166165985">
-                  <a:prstGeom prst="downArrow">
-                    <a:avLst>
-                      <a:gd name="adj1" fmla="val 41174"/>
-                      <a:gd name="adj2" fmla="val 58826"/>
-                    </a:avLst>
-                  </a:prstGeom>
-                  <ask:type>
-                    <ask:lineSketchCurved/>
-                  </ask:type>
-                </ask:lineSketchStyleProps>
-              </a:ext>
-            </a:extLst>
-          </a:ln>
-        </p:spPr>
-        <p:style>
-          <a:lnRef idx="2">
-            <a:schemeClr val="dk1"/>
-          </a:lnRef>
-          <a:fillRef idx="1">
-            <a:schemeClr val="lt1"/>
-          </a:fillRef>
-          <a:effectRef idx="0">
-            <a:schemeClr val="dk1"/>
-          </a:effectRef>
-          <a:fontRef idx="minor">
-            <a:schemeClr val="dk1"/>
-          </a:fontRef>
-        </p:style>
-        <p:txBody>
-          <a:bodyPr rtlCol="0" anchor="ctr"/>
-          <a:lstStyle/>
-          <a:p>
-            <a:pPr algn="ctr"/>
-            <a:endParaRPr lang="en-US"/>
-          </a:p>
-        </p:txBody>
-      </p:sp>
-      <p:pic>
-        <p:nvPicPr>
-          <p:cNvPr id="1032" name="Picture 8" descr="Command Line Icon - Free PNG &amp; SVG 1736259 - Noun Project">
-            <a:extLst>
-              <a:ext uri="{FF2B5EF4-FFF2-40B4-BE49-F238E27FC236}">
-                <a16:creationId xmlns:a16="http://schemas.microsoft.com/office/drawing/2014/main" id="{000EF1F7-77C9-4EBE-82F9-74C0A7885CE4}"/>
-              </a:ext>
-            </a:extLst>
-          </p:cNvPr>
-          <p:cNvPicPr>
-            <a:picLocks noChangeAspect="1" noChangeArrowheads="1"/>
-          </p:cNvPicPr>
-          <p:nvPr/>
-        </p:nvPicPr>
-        <p:blipFill>
-          <a:blip r:embed="rId9">
-            <a:extLst>
-              <a:ext uri="{28A0092B-C50C-407E-A947-70E740481C1C}">
-                <a14:useLocalDpi xmlns:a14="http://schemas.microsoft.com/office/drawing/2010/main" val="0"/>
-              </a:ext>
-            </a:extLst>
-          </a:blip>
-          <a:srcRect/>
-          <a:stretch>
-            <a:fillRect/>
-          </a:stretch>
-        </p:blipFill>
-        <p:spPr bwMode="auto">
-          <a:xfrm>
-            <a:off x="3449858" y="1390740"/>
-            <a:ext cx="931184" cy="931184"/>
-          </a:xfrm>
-          <a:prstGeom prst="rect">
-            <a:avLst/>
-          </a:prstGeom>
-          <a:noFill/>
-          <a:extLst>
-            <a:ext uri="{909E8E84-426E-40DD-AFC4-6F175D3DCCD1}">
-              <a14:hiddenFill xmlns:a14="http://schemas.microsoft.com/office/drawing/2010/main">
-                <a:solidFill>
-                  <a:srgbClr val="FFFFFF"/>
-                </a:solidFill>
-              </a14:hiddenFill>
-            </a:ext>
-          </a:extLst>
-        </p:spPr>
-      </p:pic>
-      <p:sp>
-        <p:nvSpPr>
-          <p:cNvPr id="48" name="Arrow: Up-Down 47">
-            <a:extLst>
-              <a:ext uri="{FF2B5EF4-FFF2-40B4-BE49-F238E27FC236}">
-                <a16:creationId xmlns:a16="http://schemas.microsoft.com/office/drawing/2014/main" id="{92723DF9-745C-4FC5-AFC2-59DAF30DC85B}"/>
-              </a:ext>
-            </a:extLst>
-          </p:cNvPr>
-          <p:cNvSpPr/>
-          <p:nvPr/>
-        </p:nvSpPr>
-        <p:spPr>
-          <a:xfrm rot="1222568">
-            <a:off x="3525095" y="2211575"/>
-            <a:ext cx="188061" cy="841818"/>
-          </a:xfrm>
-          <a:prstGeom prst="upDownArrow">
-            <a:avLst/>
-          </a:prstGeom>
-          <a:noFill/>
-          <a:ln w="38100">
-            <a:solidFill>
-              <a:schemeClr val="tx1"/>
-            </a:solidFill>
-            <a:prstDash val="sysDash"/>
-          </a:ln>
-        </p:spPr>
-        <p:style>
-          <a:lnRef idx="2">
-            <a:schemeClr val="accent1">
-              <a:shade val="50000"/>
-            </a:schemeClr>
-          </a:lnRef>
-          <a:fillRef idx="1">
-            <a:schemeClr val="accent1"/>
-          </a:fillRef>
-          <a:effectRef idx="0">
-            <a:schemeClr val="accent1"/>
-          </a:effectRef>
-          <a:fontRef idx="minor">
-            <a:schemeClr val="lt1"/>
-          </a:fontRef>
-        </p:style>
-        <p:txBody>
-          <a:bodyPr rtlCol="0" anchor="ctr"/>
-          <a:lstStyle/>
-          <a:p>
-            <a:pPr algn="ctr"/>
-            <a:endParaRPr lang="en-US"/>
-          </a:p>
-        </p:txBody>
-      </p:sp>
-      <p:sp>
-        <p:nvSpPr>
-          <p:cNvPr id="51" name="TextBox 50">
-            <a:extLst>
-              <a:ext uri="{FF2B5EF4-FFF2-40B4-BE49-F238E27FC236}">
-                <a16:creationId xmlns:a16="http://schemas.microsoft.com/office/drawing/2014/main" id="{BAE18F88-87C5-44B0-8701-B286063CD215}"/>
-              </a:ext>
-            </a:extLst>
-          </p:cNvPr>
-          <p:cNvSpPr txBox="1"/>
-          <p:nvPr/>
-        </p:nvSpPr>
-        <p:spPr>
-          <a:xfrm>
-            <a:off x="748211" y="1722728"/>
-            <a:ext cx="522900" cy="307777"/>
-          </a:xfrm>
-          <a:prstGeom prst="rect">
-            <a:avLst/>
-          </a:prstGeom>
-          <a:noFill/>
-        </p:spPr>
-        <p:txBody>
-          <a:bodyPr wrap="none" rtlCol="0">
-            <a:spAutoFit/>
-          </a:bodyPr>
-          <a:lstStyle/>
-          <a:p>
-            <a:r>
-              <a:rPr lang="en-US" sz="1400" b="1" dirty="0">
-                <a:solidFill>
-                  <a:srgbClr val="7030A0"/>
-                </a:solidFill>
-              </a:rPr>
-              <a:t>User</a:t>
-            </a:r>
-            <a:endParaRPr lang="en-US" b="1" dirty="0">
-              <a:solidFill>
-                <a:srgbClr val="7030A0"/>
-              </a:solidFill>
-            </a:endParaRPr>
-          </a:p>
-        </p:txBody>
-      </p:sp>
-      <p:grpSp>
-        <p:nvGrpSpPr>
-          <p:cNvPr id="52" name="Group 51">
-            <a:extLst>
-              <a:ext uri="{FF2B5EF4-FFF2-40B4-BE49-F238E27FC236}">
-                <a16:creationId xmlns:a16="http://schemas.microsoft.com/office/drawing/2014/main" id="{FF6F9E6F-7E66-4AB7-8AF9-4D35B1CE9933}"/>
-              </a:ext>
-            </a:extLst>
-          </p:cNvPr>
-          <p:cNvGrpSpPr/>
-          <p:nvPr/>
-        </p:nvGrpSpPr>
-        <p:grpSpPr>
-          <a:xfrm>
-            <a:off x="3731621" y="2343679"/>
-            <a:ext cx="4174395" cy="859380"/>
-            <a:chOff x="3773290" y="1770204"/>
-            <a:chExt cx="4991973" cy="1184142"/>
-          </a:xfrm>
-        </p:grpSpPr>
-        <p:pic>
-          <p:nvPicPr>
-            <p:cNvPr id="14" name="Graphic 13" descr="Database with solid fill">
-              <a:extLst>
-                <a:ext uri="{FF2B5EF4-FFF2-40B4-BE49-F238E27FC236}">
-                  <a16:creationId xmlns:a16="http://schemas.microsoft.com/office/drawing/2014/main" id="{BA10F9B9-4996-418A-B553-17BC3C0BF5CF}"/>
-                </a:ext>
-              </a:extLst>
-            </p:cNvPr>
-            <p:cNvPicPr>
-              <a:picLocks noChangeAspect="1"/>
-            </p:cNvPicPr>
-            <p:nvPr/>
-          </p:nvPicPr>
-          <p:blipFill>
-            <a:blip r:embed="rId10">
-              <a:extLst>
-                <a:ext uri="{28A0092B-C50C-407E-A947-70E740481C1C}">
-                  <a14:useLocalDpi xmlns:a14="http://schemas.microsoft.com/office/drawing/2010/main" val="0"/>
-                </a:ext>
-                <a:ext uri="{96DAC541-7B7A-43D3-8B79-37D633B846F1}">
-                  <asvg:svgBlip xmlns:asvg="http://schemas.microsoft.com/office/drawing/2016/SVG/main" r:embed="rId11"/>
-                </a:ext>
-              </a:extLst>
-            </a:blip>
-            <a:stretch>
-              <a:fillRect/>
-            </a:stretch>
-          </p:blipFill>
-          <p:spPr>
-            <a:xfrm>
-              <a:off x="6336599" y="1770204"/>
-              <a:ext cx="1158498" cy="1158498"/>
-            </a:xfrm>
-            <a:prstGeom prst="rect">
-              <a:avLst/>
-            </a:prstGeom>
-          </p:spPr>
-        </p:pic>
-        <p:sp>
-          <p:nvSpPr>
-            <p:cNvPr id="34" name="Arrow: Up-Down 33">
-              <a:extLst>
-                <a:ext uri="{FF2B5EF4-FFF2-40B4-BE49-F238E27FC236}">
-                  <a16:creationId xmlns:a16="http://schemas.microsoft.com/office/drawing/2014/main" id="{9BCD6208-127E-4F26-ABA9-F4E7CE7A71EF}"/>
-                </a:ext>
-              </a:extLst>
-            </p:cNvPr>
-            <p:cNvSpPr/>
-            <p:nvPr/>
-          </p:nvSpPr>
-          <p:spPr>
-            <a:xfrm rot="4139954">
-              <a:off x="5104667" y="1357801"/>
-              <a:ext cx="265168" cy="2927922"/>
-            </a:xfrm>
-            <a:custGeom>
-              <a:avLst/>
-              <a:gdLst>
-                <a:gd name="connsiteX0" fmla="*/ 0 w 192443"/>
-                <a:gd name="connsiteY0" fmla="*/ 96222 h 2448391"/>
-                <a:gd name="connsiteX1" fmla="*/ 96222 w 192443"/>
-                <a:gd name="connsiteY1" fmla="*/ 0 h 2448391"/>
-                <a:gd name="connsiteX2" fmla="*/ 192443 w 192443"/>
-                <a:gd name="connsiteY2" fmla="*/ 96222 h 2448391"/>
-                <a:gd name="connsiteX3" fmla="*/ 125074 w 192443"/>
-                <a:gd name="connsiteY3" fmla="*/ 96222 h 2448391"/>
-                <a:gd name="connsiteX4" fmla="*/ 125074 w 192443"/>
-                <a:gd name="connsiteY4" fmla="*/ 682768 h 2448391"/>
-                <a:gd name="connsiteX5" fmla="*/ 125074 w 192443"/>
-                <a:gd name="connsiteY5" fmla="*/ 1246755 h 2448391"/>
-                <a:gd name="connsiteX6" fmla="*/ 125074 w 192443"/>
-                <a:gd name="connsiteY6" fmla="*/ 1833302 h 2448391"/>
-                <a:gd name="connsiteX7" fmla="*/ 125074 w 192443"/>
-                <a:gd name="connsiteY7" fmla="*/ 2352170 h 2448391"/>
-                <a:gd name="connsiteX8" fmla="*/ 192443 w 192443"/>
-                <a:gd name="connsiteY8" fmla="*/ 2352170 h 2448391"/>
-                <a:gd name="connsiteX9" fmla="*/ 96222 w 192443"/>
-                <a:gd name="connsiteY9" fmla="*/ 2448391 h 2448391"/>
-                <a:gd name="connsiteX10" fmla="*/ 0 w 192443"/>
-                <a:gd name="connsiteY10" fmla="*/ 2352170 h 2448391"/>
-                <a:gd name="connsiteX11" fmla="*/ 67369 w 192443"/>
-                <a:gd name="connsiteY11" fmla="*/ 2352170 h 2448391"/>
-                <a:gd name="connsiteX12" fmla="*/ 67369 w 192443"/>
-                <a:gd name="connsiteY12" fmla="*/ 1743064 h 2448391"/>
-                <a:gd name="connsiteX13" fmla="*/ 67369 w 192443"/>
-                <a:gd name="connsiteY13" fmla="*/ 1246755 h 2448391"/>
-                <a:gd name="connsiteX14" fmla="*/ 67369 w 192443"/>
-                <a:gd name="connsiteY14" fmla="*/ 682768 h 2448391"/>
-                <a:gd name="connsiteX15" fmla="*/ 67369 w 192443"/>
-                <a:gd name="connsiteY15" fmla="*/ 96222 h 2448391"/>
-                <a:gd name="connsiteX16" fmla="*/ 0 w 192443"/>
-                <a:gd name="connsiteY16" fmla="*/ 96222 h 2448391"/>
-              </a:gdLst>
-              <a:ahLst/>
-              <a:cxnLst>
-                <a:cxn ang="0">
-                  <a:pos x="connsiteX0" y="connsiteY0"/>
-                </a:cxn>
-                <a:cxn ang="0">
-                  <a:pos x="connsiteX1" y="connsiteY1"/>
-                </a:cxn>
-                <a:cxn ang="0">
-                  <a:pos x="connsiteX2" y="connsiteY2"/>
-                </a:cxn>
-                <a:cxn ang="0">
-                  <a:pos x="connsiteX3" y="connsiteY3"/>
-                </a:cxn>
-                <a:cxn ang="0">
-                  <a:pos x="connsiteX4" y="connsiteY4"/>
-                </a:cxn>
-                <a:cxn ang="0">
-                  <a:pos x="connsiteX5" y="connsiteY5"/>
-                </a:cxn>
-                <a:cxn ang="0">
-                  <a:pos x="connsiteX6" y="connsiteY6"/>
-                </a:cxn>
-                <a:cxn ang="0">
-                  <a:pos x="connsiteX7" y="connsiteY7"/>
-                </a:cxn>
-                <a:cxn ang="0">
-                  <a:pos x="connsiteX8" y="connsiteY8"/>
-                </a:cxn>
-                <a:cxn ang="0">
-                  <a:pos x="connsiteX9" y="connsiteY9"/>
-                </a:cxn>
-                <a:cxn ang="0">
-                  <a:pos x="connsiteX10" y="connsiteY10"/>
-                </a:cxn>
-                <a:cxn ang="0">
-                  <a:pos x="connsiteX11" y="connsiteY11"/>
-                </a:cxn>
-                <a:cxn ang="0">
-                  <a:pos x="connsiteX12" y="connsiteY12"/>
-                </a:cxn>
-                <a:cxn ang="0">
-                  <a:pos x="connsiteX13" y="connsiteY13"/>
-                </a:cxn>
-                <a:cxn ang="0">
-                  <a:pos x="connsiteX14" y="connsiteY14"/>
-                </a:cxn>
-                <a:cxn ang="0">
-                  <a:pos x="connsiteX15" y="connsiteY15"/>
-                </a:cxn>
-                <a:cxn ang="0">
-                  <a:pos x="connsiteX16" y="connsiteY16"/>
-                </a:cxn>
-              </a:cxnLst>
-              <a:rect l="l" t="t" r="r" b="b"/>
-              <a:pathLst>
-                <a:path w="192443" h="2448391" extrusionOk="0">
-                  <a:moveTo>
-                    <a:pt x="0" y="96222"/>
-                  </a:moveTo>
-                  <a:cubicBezTo>
-                    <a:pt x="44885" y="56216"/>
-                    <a:pt x="58989" y="36209"/>
-                    <a:pt x="96222" y="0"/>
-                  </a:cubicBezTo>
-                  <a:cubicBezTo>
-                    <a:pt x="147698" y="43948"/>
-                    <a:pt x="158492" y="68465"/>
-                    <a:pt x="192443" y="96222"/>
-                  </a:cubicBezTo>
-                  <a:cubicBezTo>
-                    <a:pt x="162876" y="94286"/>
-                    <a:pt x="143094" y="93554"/>
-                    <a:pt x="125074" y="96222"/>
-                  </a:cubicBezTo>
-                  <a:cubicBezTo>
-                    <a:pt x="103266" y="227469"/>
-                    <a:pt x="117734" y="561062"/>
-                    <a:pt x="125074" y="682768"/>
-                  </a:cubicBezTo>
-                  <a:cubicBezTo>
-                    <a:pt x="132414" y="804474"/>
-                    <a:pt x="131935" y="1017834"/>
-                    <a:pt x="125074" y="1246755"/>
-                  </a:cubicBezTo>
-                  <a:cubicBezTo>
-                    <a:pt x="118213" y="1475676"/>
-                    <a:pt x="104362" y="1571559"/>
-                    <a:pt x="125074" y="1833302"/>
-                  </a:cubicBezTo>
-                  <a:cubicBezTo>
-                    <a:pt x="145786" y="2095045"/>
-                    <a:pt x="120546" y="2169695"/>
-                    <a:pt x="125074" y="2352170"/>
-                  </a:cubicBezTo>
-                  <a:cubicBezTo>
-                    <a:pt x="145546" y="2353466"/>
-                    <a:pt x="164513" y="2355370"/>
-                    <a:pt x="192443" y="2352170"/>
-                  </a:cubicBezTo>
-                  <a:cubicBezTo>
-                    <a:pt x="143576" y="2399363"/>
-                    <a:pt x="114076" y="2425098"/>
-                    <a:pt x="96222" y="2448391"/>
-                  </a:cubicBezTo>
-                  <a:cubicBezTo>
-                    <a:pt x="76531" y="2427462"/>
-                    <a:pt x="46481" y="2401472"/>
-                    <a:pt x="0" y="2352170"/>
-                  </a:cubicBezTo>
-                  <a:cubicBezTo>
-                    <a:pt x="26383" y="2353535"/>
-                    <a:pt x="39524" y="2350602"/>
-                    <a:pt x="67369" y="2352170"/>
-                  </a:cubicBezTo>
-                  <a:cubicBezTo>
-                    <a:pt x="66730" y="2108384"/>
-                    <a:pt x="79525" y="1963461"/>
-                    <a:pt x="67369" y="1743064"/>
-                  </a:cubicBezTo>
-                  <a:cubicBezTo>
-                    <a:pt x="55213" y="1522667"/>
-                    <a:pt x="63882" y="1375718"/>
-                    <a:pt x="67369" y="1246755"/>
-                  </a:cubicBezTo>
-                  <a:cubicBezTo>
-                    <a:pt x="70856" y="1117792"/>
-                    <a:pt x="47006" y="893003"/>
-                    <a:pt x="67369" y="682768"/>
-                  </a:cubicBezTo>
-                  <a:cubicBezTo>
-                    <a:pt x="87732" y="472533"/>
-                    <a:pt x="82476" y="364374"/>
-                    <a:pt x="67369" y="96222"/>
-                  </a:cubicBezTo>
-                  <a:cubicBezTo>
-                    <a:pt x="35940" y="97563"/>
-                    <a:pt x="33062" y="99145"/>
-                    <a:pt x="0" y="96222"/>
-                  </a:cubicBezTo>
-                  <a:close/>
-                </a:path>
-              </a:pathLst>
-            </a:custGeom>
-            <a:noFill/>
-            <a:ln>
-              <a:solidFill>
-                <a:schemeClr val="tx1"/>
-              </a:solidFill>
-              <a:extLst>
-                <a:ext uri="{C807C97D-BFC1-408E-A445-0C87EB9F89A2}">
-                  <ask:lineSketchStyleProps xmlns:ask="http://schemas.microsoft.com/office/drawing/2018/sketchyshapes" sd="1448806240">
-                    <a:prstGeom prst="upDownArrow">
-                      <a:avLst>
-                        <a:gd name="adj1" fmla="val 29986"/>
-                        <a:gd name="adj2" fmla="val 50000"/>
-                      </a:avLst>
-                    </a:prstGeom>
-                    <ask:type>
-                      <ask:lineSketchFreehand/>
-                    </ask:type>
-                  </ask:lineSketchStyleProps>
-                </a:ext>
-              </a:extLst>
-            </a:ln>
-          </p:spPr>
-          <p:style>
-            <a:lnRef idx="2">
-              <a:schemeClr val="accent1">
-                <a:shade val="50000"/>
-              </a:schemeClr>
-            </a:lnRef>
-            <a:fillRef idx="1">
-              <a:schemeClr val="accent1"/>
-            </a:fillRef>
-            <a:effectRef idx="0">
-              <a:schemeClr val="accent1"/>
-            </a:effectRef>
-            <a:fontRef idx="minor">
-              <a:schemeClr val="lt1"/>
-            </a:fontRef>
-          </p:style>
-          <p:txBody>
-            <a:bodyPr rtlCol="0" anchor="ctr"/>
-            <a:lstStyle/>
-            <a:p>
-              <a:pPr algn="ctr"/>
-              <a:endParaRPr lang="en-US"/>
-            </a:p>
-          </p:txBody>
-        </p:sp>
-        <p:sp>
-          <p:nvSpPr>
-            <p:cNvPr id="56" name="TextBox 55">
-              <a:extLst>
-                <a:ext uri="{FF2B5EF4-FFF2-40B4-BE49-F238E27FC236}">
-                  <a16:creationId xmlns:a16="http://schemas.microsoft.com/office/drawing/2014/main" id="{91E345A0-D825-4D61-95DC-C9469F481D14}"/>
-                </a:ext>
-              </a:extLst>
-            </p:cNvPr>
-            <p:cNvSpPr txBox="1"/>
-            <p:nvPr/>
-          </p:nvSpPr>
-          <p:spPr>
-            <a:xfrm>
-              <a:off x="7249271" y="2263187"/>
-              <a:ext cx="1515992" cy="307777"/>
-            </a:xfrm>
-            <a:prstGeom prst="rect">
-              <a:avLst/>
-            </a:prstGeom>
-            <a:noFill/>
-          </p:spPr>
-          <p:txBody>
-            <a:bodyPr wrap="none" rtlCol="0">
-              <a:spAutoFit/>
-            </a:bodyPr>
-            <a:lstStyle/>
-            <a:p>
-              <a:r>
-                <a:rPr lang="en-US" sz="1400" b="1" dirty="0">
-                  <a:solidFill>
-                    <a:srgbClr val="7030A0"/>
-                  </a:solidFill>
-                </a:rPr>
-                <a:t>Database(SQLite)</a:t>
-              </a:r>
-              <a:endParaRPr lang="en-US" b="1" dirty="0">
-                <a:solidFill>
-                  <a:srgbClr val="7030A0"/>
-                </a:solidFill>
-              </a:endParaRPr>
-            </a:p>
-          </p:txBody>
-        </p:sp>
-      </p:grpSp>
-      <p:grpSp>
-        <p:nvGrpSpPr>
-          <p:cNvPr id="53" name="Group 52">
-            <a:extLst>
-              <a:ext uri="{FF2B5EF4-FFF2-40B4-BE49-F238E27FC236}">
-                <a16:creationId xmlns:a16="http://schemas.microsoft.com/office/drawing/2014/main" id="{F4ED285B-1B43-4874-8469-B374951428A6}"/>
-              </a:ext>
-            </a:extLst>
-          </p:cNvPr>
-          <p:cNvGrpSpPr/>
-          <p:nvPr/>
-        </p:nvGrpSpPr>
-        <p:grpSpPr>
-          <a:xfrm>
-            <a:off x="3853826" y="2829774"/>
-            <a:ext cx="3472439" cy="1415155"/>
-            <a:chOff x="3853826" y="2829480"/>
-            <a:chExt cx="5339041" cy="1361354"/>
-          </a:xfrm>
-        </p:grpSpPr>
-        <p:grpSp>
-          <p:nvGrpSpPr>
-            <p:cNvPr id="20" name="Group 19">
-              <a:extLst>
-                <a:ext uri="{FF2B5EF4-FFF2-40B4-BE49-F238E27FC236}">
-                  <a16:creationId xmlns:a16="http://schemas.microsoft.com/office/drawing/2014/main" id="{2849E99B-FA30-4773-9E18-EBE18511A484}"/>
-                </a:ext>
-              </a:extLst>
-            </p:cNvPr>
-            <p:cNvGrpSpPr/>
-            <p:nvPr/>
-          </p:nvGrpSpPr>
-          <p:grpSpPr>
-            <a:xfrm>
-              <a:off x="6370092" y="2829480"/>
-              <a:ext cx="1361354" cy="1361354"/>
-              <a:chOff x="5066310" y="3276434"/>
-              <a:chExt cx="1361354" cy="1361354"/>
-            </a:xfrm>
-          </p:grpSpPr>
-          <p:pic>
-            <p:nvPicPr>
-              <p:cNvPr id="15" name="Graphic 14" descr="Document with solid fill">
-                <a:extLst>
-                  <a:ext uri="{FF2B5EF4-FFF2-40B4-BE49-F238E27FC236}">
-                    <a16:creationId xmlns:a16="http://schemas.microsoft.com/office/drawing/2014/main" id="{1842662F-D417-4A6B-A997-67D150850457}"/>
-                  </a:ext>
-                </a:extLst>
-              </p:cNvPr>
-              <p:cNvPicPr>
-                <a:picLocks noChangeAspect="1"/>
-              </p:cNvPicPr>
-              <p:nvPr/>
-            </p:nvPicPr>
-            <p:blipFill>
-              <a:blip r:embed="rId12">
-                <a:extLst>
-                  <a:ext uri="{28A0092B-C50C-407E-A947-70E740481C1C}">
-                    <a14:useLocalDpi xmlns:a14="http://schemas.microsoft.com/office/drawing/2010/main" val="0"/>
-                  </a:ext>
-                  <a:ext uri="{96DAC541-7B7A-43D3-8B79-37D633B846F1}">
-                    <asvg:svgBlip xmlns:asvg="http://schemas.microsoft.com/office/drawing/2016/SVG/main" r:embed="rId13"/>
-                  </a:ext>
-                </a:extLst>
-              </a:blip>
-              <a:stretch>
-                <a:fillRect/>
-              </a:stretch>
-            </p:blipFill>
-            <p:spPr>
-              <a:xfrm>
-                <a:off x="5391454" y="3726289"/>
-                <a:ext cx="303378" cy="303378"/>
-              </a:xfrm>
-              <a:prstGeom prst="rect">
-                <a:avLst/>
-              </a:prstGeom>
-            </p:spPr>
-          </p:pic>
-          <p:pic>
-            <p:nvPicPr>
-              <p:cNvPr id="1026" name="Picture 2" descr="Shared folder - Free files and folders icons">
-                <a:extLst>
-                  <a:ext uri="{FF2B5EF4-FFF2-40B4-BE49-F238E27FC236}">
-                    <a16:creationId xmlns:a16="http://schemas.microsoft.com/office/drawing/2014/main" id="{D0DD35A2-4174-4E56-A30E-4A9E2B657234}"/>
-                  </a:ext>
-                </a:extLst>
-              </p:cNvPr>
-              <p:cNvPicPr>
-                <a:picLocks noChangeAspect="1" noChangeArrowheads="1"/>
-              </p:cNvPicPr>
-              <p:nvPr/>
-            </p:nvPicPr>
-            <p:blipFill>
-              <a:blip r:embed="rId14">
-                <a:extLst>
-                  <a:ext uri="{28A0092B-C50C-407E-A947-70E740481C1C}">
-                    <a14:useLocalDpi xmlns:a14="http://schemas.microsoft.com/office/drawing/2010/main" val="0"/>
-                  </a:ext>
-                </a:extLst>
-              </a:blip>
-              <a:srcRect/>
-              <a:stretch>
-                <a:fillRect/>
-              </a:stretch>
-            </p:blipFill>
-            <p:spPr bwMode="auto">
-              <a:xfrm>
-                <a:off x="5066310" y="3276434"/>
-                <a:ext cx="1361354" cy="1361354"/>
-              </a:xfrm>
-              <a:prstGeom prst="rect">
-                <a:avLst/>
-              </a:prstGeom>
-              <a:noFill/>
-              <a:extLst>
-                <a:ext uri="{909E8E84-426E-40DD-AFC4-6F175D3DCCD1}">
-                  <a14:hiddenFill xmlns:a14="http://schemas.microsoft.com/office/drawing/2010/main">
-                    <a:solidFill>
-                      <a:srgbClr val="FFFFFF"/>
-                    </a:solidFill>
-                  </a14:hiddenFill>
-                </a:ext>
-              </a:extLst>
-            </p:spPr>
-          </p:pic>
-          <p:pic>
-            <p:nvPicPr>
-              <p:cNvPr id="21" name="Graphic 20" descr="Document with solid fill">
-                <a:extLst>
-                  <a:ext uri="{FF2B5EF4-FFF2-40B4-BE49-F238E27FC236}">
-                    <a16:creationId xmlns:a16="http://schemas.microsoft.com/office/drawing/2014/main" id="{C128C4F2-9B49-49EC-83BF-90AF8EEC4F2A}"/>
-                  </a:ext>
-                </a:extLst>
-              </p:cNvPr>
-              <p:cNvPicPr>
-                <a:picLocks noChangeAspect="1"/>
-              </p:cNvPicPr>
-              <p:nvPr/>
-            </p:nvPicPr>
-            <p:blipFill>
-              <a:blip r:embed="rId12">
-                <a:extLst>
-                  <a:ext uri="{28A0092B-C50C-407E-A947-70E740481C1C}">
-                    <a14:useLocalDpi xmlns:a14="http://schemas.microsoft.com/office/drawing/2010/main" val="0"/>
-                  </a:ext>
-                  <a:ext uri="{96DAC541-7B7A-43D3-8B79-37D633B846F1}">
-                    <asvg:svgBlip xmlns:asvg="http://schemas.microsoft.com/office/drawing/2016/SVG/main" r:embed="rId13"/>
-                  </a:ext>
-                </a:extLst>
-              </a:blip>
-              <a:stretch>
-                <a:fillRect/>
-              </a:stretch>
-            </p:blipFill>
-            <p:spPr>
-              <a:xfrm>
-                <a:off x="5629095" y="3731458"/>
-                <a:ext cx="303378" cy="303378"/>
-              </a:xfrm>
-              <a:prstGeom prst="rect">
-                <a:avLst/>
-              </a:prstGeom>
-            </p:spPr>
-          </p:pic>
-          <p:pic>
-            <p:nvPicPr>
-              <p:cNvPr id="22" name="Graphic 21" descr="Document with solid fill">
-                <a:extLst>
-                  <a:ext uri="{FF2B5EF4-FFF2-40B4-BE49-F238E27FC236}">
-                    <a16:creationId xmlns:a16="http://schemas.microsoft.com/office/drawing/2014/main" id="{2995CF86-B7DB-4E56-B50D-BE3A76CA456A}"/>
-                  </a:ext>
-                </a:extLst>
-              </p:cNvPr>
-              <p:cNvPicPr>
-                <a:picLocks noChangeAspect="1"/>
-              </p:cNvPicPr>
-              <p:nvPr/>
-            </p:nvPicPr>
-            <p:blipFill>
-              <a:blip r:embed="rId12">
-                <a:extLst>
-                  <a:ext uri="{28A0092B-C50C-407E-A947-70E740481C1C}">
-                    <a14:useLocalDpi xmlns:a14="http://schemas.microsoft.com/office/drawing/2010/main" val="0"/>
-                  </a:ext>
-                  <a:ext uri="{96DAC541-7B7A-43D3-8B79-37D633B846F1}">
-                    <asvg:svgBlip xmlns:asvg="http://schemas.microsoft.com/office/drawing/2016/SVG/main" r:embed="rId13"/>
-                  </a:ext>
-                </a:extLst>
-              </a:blip>
-              <a:stretch>
-                <a:fillRect/>
-              </a:stretch>
-            </p:blipFill>
-            <p:spPr>
-              <a:xfrm>
-                <a:off x="5877065" y="3715960"/>
-                <a:ext cx="303378" cy="303378"/>
-              </a:xfrm>
-              <a:prstGeom prst="rect">
-                <a:avLst/>
-              </a:prstGeom>
-            </p:spPr>
-          </p:pic>
-        </p:grpSp>
-        <p:sp>
-          <p:nvSpPr>
-            <p:cNvPr id="38" name="Arrow: Down 37">
-              <a:extLst>
-                <a:ext uri="{FF2B5EF4-FFF2-40B4-BE49-F238E27FC236}">
-                  <a16:creationId xmlns:a16="http://schemas.microsoft.com/office/drawing/2014/main" id="{A9C6286E-4889-4672-9B5E-7564B2B66EE2}"/>
-                </a:ext>
-              </a:extLst>
-            </p:cNvPr>
-            <p:cNvSpPr/>
-            <p:nvPr/>
-          </p:nvSpPr>
-          <p:spPr>
-            <a:xfrm rot="16200000">
-              <a:off x="5050613" y="2272446"/>
-              <a:ext cx="404088" cy="2797661"/>
-            </a:xfrm>
-            <a:custGeom>
-              <a:avLst/>
-              <a:gdLst>
-                <a:gd name="connsiteX0" fmla="*/ 0 w 420058"/>
-                <a:gd name="connsiteY0" fmla="*/ 1572457 h 1819560"/>
-                <a:gd name="connsiteX1" fmla="*/ 123552 w 420058"/>
-                <a:gd name="connsiteY1" fmla="*/ 1572457 h 1819560"/>
-                <a:gd name="connsiteX2" fmla="*/ 123552 w 420058"/>
-                <a:gd name="connsiteY2" fmla="*/ 1095478 h 1819560"/>
-                <a:gd name="connsiteX3" fmla="*/ 123552 w 420058"/>
-                <a:gd name="connsiteY3" fmla="*/ 539877 h 1819560"/>
-                <a:gd name="connsiteX4" fmla="*/ 123552 w 420058"/>
-                <a:gd name="connsiteY4" fmla="*/ 0 h 1819560"/>
-                <a:gd name="connsiteX5" fmla="*/ 296506 w 420058"/>
-                <a:gd name="connsiteY5" fmla="*/ 0 h 1819560"/>
-                <a:gd name="connsiteX6" fmla="*/ 296506 w 420058"/>
-                <a:gd name="connsiteY6" fmla="*/ 492703 h 1819560"/>
-                <a:gd name="connsiteX7" fmla="*/ 296506 w 420058"/>
-                <a:gd name="connsiteY7" fmla="*/ 985406 h 1819560"/>
-                <a:gd name="connsiteX8" fmla="*/ 296506 w 420058"/>
-                <a:gd name="connsiteY8" fmla="*/ 1572457 h 1819560"/>
-                <a:gd name="connsiteX9" fmla="*/ 420058 w 420058"/>
-                <a:gd name="connsiteY9" fmla="*/ 1572457 h 1819560"/>
-                <a:gd name="connsiteX10" fmla="*/ 210029 w 420058"/>
-                <a:gd name="connsiteY10" fmla="*/ 1819560 h 1819560"/>
-                <a:gd name="connsiteX11" fmla="*/ 0 w 420058"/>
-                <a:gd name="connsiteY11" fmla="*/ 1572457 h 1819560"/>
-              </a:gdLst>
-              <a:ahLst/>
-              <a:cxnLst>
-                <a:cxn ang="0">
-                  <a:pos x="connsiteX0" y="connsiteY0"/>
-                </a:cxn>
-                <a:cxn ang="0">
-                  <a:pos x="connsiteX1" y="connsiteY1"/>
-                </a:cxn>
-                <a:cxn ang="0">
-                  <a:pos x="connsiteX2" y="connsiteY2"/>
-                </a:cxn>
-                <a:cxn ang="0">
-                  <a:pos x="connsiteX3" y="connsiteY3"/>
-                </a:cxn>
-                <a:cxn ang="0">
-                  <a:pos x="connsiteX4" y="connsiteY4"/>
-                </a:cxn>
-                <a:cxn ang="0">
-                  <a:pos x="connsiteX5" y="connsiteY5"/>
-                </a:cxn>
-                <a:cxn ang="0">
-                  <a:pos x="connsiteX6" y="connsiteY6"/>
-                </a:cxn>
-                <a:cxn ang="0">
-                  <a:pos x="connsiteX7" y="connsiteY7"/>
-                </a:cxn>
-                <a:cxn ang="0">
-                  <a:pos x="connsiteX8" y="connsiteY8"/>
-                </a:cxn>
-                <a:cxn ang="0">
-                  <a:pos x="connsiteX9" y="connsiteY9"/>
-                </a:cxn>
-                <a:cxn ang="0">
-                  <a:pos x="connsiteX10" y="connsiteY10"/>
-                </a:cxn>
-                <a:cxn ang="0">
-                  <a:pos x="connsiteX11" y="connsiteY11"/>
-                </a:cxn>
-              </a:cxnLst>
-              <a:rect l="l" t="t" r="r" b="b"/>
-              <a:pathLst>
-                <a:path w="420058" h="1819560" fill="none" extrusionOk="0">
-                  <a:moveTo>
-                    <a:pt x="0" y="1572457"/>
-                  </a:moveTo>
-                  <a:cubicBezTo>
-                    <a:pt x="50091" y="1570837"/>
-                    <a:pt x="71419" y="1585380"/>
-                    <a:pt x="123552" y="1572457"/>
-                  </a:cubicBezTo>
-                  <a:cubicBezTo>
-                    <a:pt x="108042" y="1438295"/>
-                    <a:pt x="152318" y="1252701"/>
-                    <a:pt x="123552" y="1095478"/>
-                  </a:cubicBezTo>
-                  <a:cubicBezTo>
-                    <a:pt x="94786" y="938255"/>
-                    <a:pt x="142598" y="664773"/>
-                    <a:pt x="123552" y="539877"/>
-                  </a:cubicBezTo>
-                  <a:cubicBezTo>
-                    <a:pt x="104506" y="414981"/>
-                    <a:pt x="143357" y="223755"/>
-                    <a:pt x="123552" y="0"/>
-                  </a:cubicBezTo>
-                  <a:cubicBezTo>
-                    <a:pt x="193008" y="-14798"/>
-                    <a:pt x="230853" y="1033"/>
-                    <a:pt x="296506" y="0"/>
-                  </a:cubicBezTo>
-                  <a:cubicBezTo>
-                    <a:pt x="314819" y="157700"/>
-                    <a:pt x="284926" y="273990"/>
-                    <a:pt x="296506" y="492703"/>
-                  </a:cubicBezTo>
-                  <a:cubicBezTo>
-                    <a:pt x="308086" y="711416"/>
-                    <a:pt x="271757" y="811749"/>
-                    <a:pt x="296506" y="985406"/>
-                  </a:cubicBezTo>
-                  <a:cubicBezTo>
-                    <a:pt x="321255" y="1159063"/>
-                    <a:pt x="247471" y="1358994"/>
-                    <a:pt x="296506" y="1572457"/>
-                  </a:cubicBezTo>
-                  <a:cubicBezTo>
-                    <a:pt x="335963" y="1568929"/>
-                    <a:pt x="372314" y="1574404"/>
-                    <a:pt x="420058" y="1572457"/>
-                  </a:cubicBezTo>
-                  <a:cubicBezTo>
-                    <a:pt x="364295" y="1663608"/>
-                    <a:pt x="238144" y="1730394"/>
-                    <a:pt x="210029" y="1819560"/>
-                  </a:cubicBezTo>
-                  <a:cubicBezTo>
-                    <a:pt x="81912" y="1716899"/>
-                    <a:pt x="94407" y="1658987"/>
-                    <a:pt x="0" y="1572457"/>
-                  </a:cubicBezTo>
-                  <a:close/>
-                </a:path>
-                <a:path w="420058" h="1819560" stroke="0" extrusionOk="0">
-                  <a:moveTo>
-                    <a:pt x="0" y="1572457"/>
-                  </a:moveTo>
-                  <a:cubicBezTo>
-                    <a:pt x="57853" y="1565930"/>
-                    <a:pt x="77725" y="1580928"/>
-                    <a:pt x="123552" y="1572457"/>
-                  </a:cubicBezTo>
-                  <a:cubicBezTo>
-                    <a:pt x="107216" y="1384235"/>
-                    <a:pt x="162095" y="1216343"/>
-                    <a:pt x="123552" y="1048305"/>
-                  </a:cubicBezTo>
-                  <a:cubicBezTo>
-                    <a:pt x="85009" y="880267"/>
-                    <a:pt x="171188" y="616391"/>
-                    <a:pt x="123552" y="492703"/>
-                  </a:cubicBezTo>
-                  <a:cubicBezTo>
-                    <a:pt x="75916" y="369015"/>
-                    <a:pt x="181008" y="229593"/>
-                    <a:pt x="123552" y="0"/>
-                  </a:cubicBezTo>
-                  <a:cubicBezTo>
-                    <a:pt x="181658" y="-15105"/>
-                    <a:pt x="236438" y="18427"/>
-                    <a:pt x="296506" y="0"/>
-                  </a:cubicBezTo>
-                  <a:cubicBezTo>
-                    <a:pt x="334192" y="254006"/>
-                    <a:pt x="283507" y="411831"/>
-                    <a:pt x="296506" y="524152"/>
-                  </a:cubicBezTo>
-                  <a:cubicBezTo>
-                    <a:pt x="309505" y="636473"/>
-                    <a:pt x="283812" y="806702"/>
-                    <a:pt x="296506" y="1016856"/>
-                  </a:cubicBezTo>
-                  <a:cubicBezTo>
-                    <a:pt x="309200" y="1227010"/>
-                    <a:pt x="286153" y="1444033"/>
-                    <a:pt x="296506" y="1572457"/>
-                  </a:cubicBezTo>
-                  <a:cubicBezTo>
-                    <a:pt x="335062" y="1562066"/>
-                    <a:pt x="374616" y="1586758"/>
-                    <a:pt x="420058" y="1572457"/>
-                  </a:cubicBezTo>
-                  <a:cubicBezTo>
-                    <a:pt x="348106" y="1708954"/>
-                    <a:pt x="278708" y="1694731"/>
-                    <a:pt x="210029" y="1819560"/>
-                  </a:cubicBezTo>
-                  <a:cubicBezTo>
-                    <a:pt x="136379" y="1784486"/>
-                    <a:pt x="91343" y="1665668"/>
-                    <a:pt x="0" y="1572457"/>
-                  </a:cubicBezTo>
-                  <a:close/>
-                </a:path>
-              </a:pathLst>
-            </a:custGeom>
-            <a:ln>
-              <a:extLst>
-                <a:ext uri="{C807C97D-BFC1-408E-A445-0C87EB9F89A2}">
-                  <ask:lineSketchStyleProps xmlns:ask="http://schemas.microsoft.com/office/drawing/2018/sketchyshapes" sd="1166165985">
-                    <a:prstGeom prst="downArrow">
-                      <a:avLst>
-                        <a:gd name="adj1" fmla="val 41174"/>
-                        <a:gd name="adj2" fmla="val 58826"/>
-                      </a:avLst>
-                    </a:prstGeom>
-                    <ask:type>
-                      <ask:lineSketchScribble/>
-                    </ask:type>
-                  </ask:lineSketchStyleProps>
-                </a:ext>
-              </a:extLst>
-            </a:ln>
-          </p:spPr>
-          <p:style>
-            <a:lnRef idx="2">
-              <a:schemeClr val="dk1"/>
-            </a:lnRef>
-            <a:fillRef idx="1">
-              <a:schemeClr val="lt1"/>
-            </a:fillRef>
-            <a:effectRef idx="0">
-              <a:schemeClr val="dk1"/>
-            </a:effectRef>
-            <a:fontRef idx="minor">
-              <a:schemeClr val="dk1"/>
-            </a:fontRef>
-          </p:style>
-          <p:txBody>
-            <a:bodyPr rtlCol="0" anchor="ctr"/>
-            <a:lstStyle/>
-            <a:p>
-              <a:pPr algn="ctr"/>
-              <a:endParaRPr lang="en-US"/>
-            </a:p>
-          </p:txBody>
-        </p:sp>
-        <p:sp>
-          <p:nvSpPr>
-            <p:cNvPr id="57" name="TextBox 56">
-              <a:extLst>
-                <a:ext uri="{FF2B5EF4-FFF2-40B4-BE49-F238E27FC236}">
-                  <a16:creationId xmlns:a16="http://schemas.microsoft.com/office/drawing/2014/main" id="{2D04C5A6-6438-48D9-801F-275A24632C8F}"/>
-                </a:ext>
-              </a:extLst>
-            </p:cNvPr>
-            <p:cNvSpPr txBox="1"/>
-            <p:nvPr/>
-          </p:nvSpPr>
-          <p:spPr>
-            <a:xfrm>
-              <a:off x="7326266" y="3609120"/>
-              <a:ext cx="1866601" cy="307777"/>
-            </a:xfrm>
-            <a:prstGeom prst="rect">
-              <a:avLst/>
-            </a:prstGeom>
-            <a:noFill/>
-          </p:spPr>
-          <p:txBody>
-            <a:bodyPr wrap="none" rtlCol="0">
-              <a:spAutoFit/>
-            </a:bodyPr>
-            <a:lstStyle/>
-            <a:p>
-              <a:r>
-                <a:rPr lang="en-US" sz="1400" b="1" dirty="0">
-                  <a:solidFill>
-                    <a:srgbClr val="7030A0"/>
-                  </a:solidFill>
-                </a:rPr>
-                <a:t>Drop Location (*.Pcap)</a:t>
-              </a:r>
-              <a:endParaRPr lang="en-US" b="1" dirty="0">
-                <a:solidFill>
-                  <a:srgbClr val="7030A0"/>
-                </a:solidFill>
-              </a:endParaRPr>
-            </a:p>
-          </p:txBody>
-        </p:sp>
-      </p:grpSp>
-      <p:sp>
-        <p:nvSpPr>
-          <p:cNvPr id="58" name="TextBox 57">
-            <a:extLst>
-              <a:ext uri="{FF2B5EF4-FFF2-40B4-BE49-F238E27FC236}">
-                <a16:creationId xmlns:a16="http://schemas.microsoft.com/office/drawing/2014/main" id="{22445553-D3D6-448D-8C90-7E2AAC03CEF9}"/>
-              </a:ext>
-            </a:extLst>
-          </p:cNvPr>
-          <p:cNvSpPr txBox="1"/>
-          <p:nvPr/>
-        </p:nvSpPr>
-        <p:spPr>
-          <a:xfrm>
-            <a:off x="2660119" y="6196984"/>
-            <a:ext cx="1070373" cy="307777"/>
-          </a:xfrm>
-          <a:prstGeom prst="rect">
-            <a:avLst/>
-          </a:prstGeom>
-          <a:noFill/>
-        </p:spPr>
-        <p:txBody>
-          <a:bodyPr wrap="square" rtlCol="0">
-            <a:spAutoFit/>
-          </a:bodyPr>
-          <a:lstStyle/>
-          <a:p>
-            <a:r>
-              <a:rPr lang="en-US" sz="1400" b="1" dirty="0">
-                <a:solidFill>
-                  <a:srgbClr val="7030A0"/>
-                </a:solidFill>
-              </a:rPr>
-              <a:t>RabbitMQ</a:t>
-            </a:r>
-            <a:endParaRPr lang="en-US" b="1" dirty="0">
-              <a:solidFill>
-                <a:srgbClr val="7030A0"/>
-              </a:solidFill>
-            </a:endParaRPr>
-          </a:p>
-        </p:txBody>
-      </p:sp>
-    </p:spTree>
-    <p:extLst>
-      <p:ext uri="{BB962C8B-B14F-4D97-AF65-F5344CB8AC3E}">
-        <p14:creationId xmlns:p14="http://schemas.microsoft.com/office/powerpoint/2010/main" val="357155879"/>
-      </p:ext>
-    </p:extLst>
-  </p:cSld>
-  <p:clrMapOvr>
-    <a:masterClrMapping/>
-  </p:clrMapOvr>
-</p:sld>
-</file>
-
-<file path=ppt/slides/slide8.xml><?xml version="1.0" encoding="utf-8"?>
-<p:sld xmlns:a="http://schemas.openxmlformats.org/drawingml/2006/main" xmlns:r="http://schemas.openxmlformats.org/officeDocument/2006/relationships" xmlns:p="http://schemas.openxmlformats.org/presentationml/2006/main">
-  <p:cSld>
-    <p:spTree>
-      <p:nvGrpSpPr>
-        <p:cNvPr id="1" name=""/>
-        <p:cNvGrpSpPr/>
-        <p:nvPr/>
-      </p:nvGrpSpPr>
-      <p:grpSpPr>
-        <a:xfrm>
-          <a:off x="0" y="0"/>
-          <a:ext cx="0" cy="0"/>
-          <a:chOff x="0" y="0"/>
-          <a:chExt cx="0" cy="0"/>
-        </a:xfrm>
-      </p:grpSpPr>
       <p:sp>
         <p:nvSpPr>
           <p:cNvPr id="2" name="Title 1">
@@ -26975,21 +21464,21 @@
               <a:avLst/>
               <a:gdLst>
                 <a:gd name="connsiteX0" fmla="*/ 0 w 404088"/>
-                <a:gd name="connsiteY0" fmla="*/ 632900 h 870609"/>
+                <a:gd name="connsiteY0" fmla="*/ 537078 h 774787"/>
                 <a:gd name="connsiteX1" fmla="*/ 118854 w 404088"/>
-                <a:gd name="connsiteY1" fmla="*/ 632900 h 870609"/>
+                <a:gd name="connsiteY1" fmla="*/ 537078 h 774787"/>
                 <a:gd name="connsiteX2" fmla="*/ 118854 w 404088"/>
-                <a:gd name="connsiteY2" fmla="*/ 0 h 870609"/>
+                <a:gd name="connsiteY2" fmla="*/ 0 h 774787"/>
                 <a:gd name="connsiteX3" fmla="*/ 285234 w 404088"/>
-                <a:gd name="connsiteY3" fmla="*/ 0 h 870609"/>
+                <a:gd name="connsiteY3" fmla="*/ 0 h 774787"/>
                 <a:gd name="connsiteX4" fmla="*/ 285234 w 404088"/>
-                <a:gd name="connsiteY4" fmla="*/ 632900 h 870609"/>
+                <a:gd name="connsiteY4" fmla="*/ 537078 h 774787"/>
                 <a:gd name="connsiteX5" fmla="*/ 404088 w 404088"/>
-                <a:gd name="connsiteY5" fmla="*/ 632900 h 870609"/>
+                <a:gd name="connsiteY5" fmla="*/ 537078 h 774787"/>
                 <a:gd name="connsiteX6" fmla="*/ 202044 w 404088"/>
-                <a:gd name="connsiteY6" fmla="*/ 870609 h 870609"/>
+                <a:gd name="connsiteY6" fmla="*/ 774787 h 774787"/>
                 <a:gd name="connsiteX7" fmla="*/ 0 w 404088"/>
-                <a:gd name="connsiteY7" fmla="*/ 632900 h 870609"/>
+                <a:gd name="connsiteY7" fmla="*/ 537078 h 774787"/>
               </a:gdLst>
               <a:ahLst/>
               <a:cxnLst>
@@ -27020,18 +21509,18 @@
               </a:cxnLst>
               <a:rect l="l" t="t" r="r" b="b"/>
               <a:pathLst>
-                <a:path w="404088" h="870609" fill="none" extrusionOk="0">
+                <a:path w="404088" h="774787" fill="none" extrusionOk="0">
                   <a:moveTo>
-                    <a:pt x="0" y="632900"/>
+                    <a:pt x="0" y="537078"/>
                   </a:moveTo>
                   <a:cubicBezTo>
-                    <a:pt x="18769" y="635905"/>
-                    <a:pt x="105645" y="643267"/>
-                    <a:pt x="118854" y="632900"/>
-                  </a:cubicBezTo>
-                  <a:cubicBezTo>
-                    <a:pt x="79881" y="525011"/>
-                    <a:pt x="174819" y="85790"/>
+                    <a:pt x="18769" y="540083"/>
+                    <a:pt x="105645" y="547445"/>
+                    <a:pt x="118854" y="537078"/>
+                  </a:cubicBezTo>
+                  <a:cubicBezTo>
+                    <a:pt x="153916" y="375008"/>
+                    <a:pt x="139851" y="267273"/>
                     <a:pt x="118854" y="0"/>
                   </a:cubicBezTo>
                   <a:cubicBezTo>
@@ -27040,39 +21529,39 @@
                     <a:pt x="285234" y="0"/>
                   </a:cubicBezTo>
                   <a:cubicBezTo>
-                    <a:pt x="322256" y="191882"/>
-                    <a:pt x="276812" y="455748"/>
-                    <a:pt x="285234" y="632900"/>
-                  </a:cubicBezTo>
-                  <a:cubicBezTo>
-                    <a:pt x="342100" y="632822"/>
-                    <a:pt x="373595" y="624733"/>
-                    <a:pt x="404088" y="632900"/>
-                  </a:cubicBezTo>
-                  <a:cubicBezTo>
-                    <a:pt x="309353" y="747071"/>
-                    <a:pt x="268849" y="766140"/>
-                    <a:pt x="202044" y="870609"/>
-                  </a:cubicBezTo>
-                  <a:cubicBezTo>
-                    <a:pt x="189426" y="836229"/>
-                    <a:pt x="101311" y="717387"/>
-                    <a:pt x="0" y="632900"/>
+                    <a:pt x="238244" y="257976"/>
+                    <a:pt x="325855" y="320026"/>
+                    <a:pt x="285234" y="537078"/>
+                  </a:cubicBezTo>
+                  <a:cubicBezTo>
+                    <a:pt x="342100" y="537000"/>
+                    <a:pt x="373595" y="528911"/>
+                    <a:pt x="404088" y="537078"/>
+                  </a:cubicBezTo>
+                  <a:cubicBezTo>
+                    <a:pt x="309353" y="651249"/>
+                    <a:pt x="268849" y="670318"/>
+                    <a:pt x="202044" y="774787"/>
+                  </a:cubicBezTo>
+                  <a:cubicBezTo>
+                    <a:pt x="189426" y="740407"/>
+                    <a:pt x="101311" y="621565"/>
+                    <a:pt x="0" y="537078"/>
                   </a:cubicBezTo>
                   <a:close/>
                 </a:path>
-                <a:path w="404088" h="870609" stroke="0" extrusionOk="0">
+                <a:path w="404088" h="774787" stroke="0" extrusionOk="0">
                   <a:moveTo>
-                    <a:pt x="0" y="632900"/>
+                    <a:pt x="0" y="537078"/>
                   </a:moveTo>
                   <a:cubicBezTo>
-                    <a:pt x="49415" y="629471"/>
-                    <a:pt x="104208" y="626295"/>
-                    <a:pt x="118854" y="632900"/>
-                  </a:cubicBezTo>
-                  <a:cubicBezTo>
-                    <a:pt x="83658" y="327747"/>
-                    <a:pt x="167056" y="301135"/>
+                    <a:pt x="49415" y="533649"/>
+                    <a:pt x="104208" y="530473"/>
+                    <a:pt x="118854" y="537078"/>
+                  </a:cubicBezTo>
+                  <a:cubicBezTo>
+                    <a:pt x="80678" y="279910"/>
+                    <a:pt x="139537" y="242289"/>
                     <a:pt x="118854" y="0"/>
                   </a:cubicBezTo>
                   <a:cubicBezTo>
@@ -27081,24 +21570,24 @@
                     <a:pt x="285234" y="0"/>
                   </a:cubicBezTo>
                   <a:cubicBezTo>
-                    <a:pt x="250508" y="180531"/>
-                    <a:pt x="306271" y="491708"/>
-                    <a:pt x="285234" y="632900"/>
-                  </a:cubicBezTo>
-                  <a:cubicBezTo>
-                    <a:pt x="337659" y="634636"/>
-                    <a:pt x="383912" y="634351"/>
-                    <a:pt x="404088" y="632900"/>
-                  </a:cubicBezTo>
-                  <a:cubicBezTo>
-                    <a:pt x="385851" y="677983"/>
-                    <a:pt x="274519" y="803471"/>
-                    <a:pt x="202044" y="870609"/>
-                  </a:cubicBezTo>
-                  <a:cubicBezTo>
-                    <a:pt x="173605" y="802155"/>
-                    <a:pt x="23855" y="662623"/>
-                    <a:pt x="0" y="632900"/>
+                    <a:pt x="241436" y="153438"/>
+                    <a:pt x="255692" y="352347"/>
+                    <a:pt x="285234" y="537078"/>
+                  </a:cubicBezTo>
+                  <a:cubicBezTo>
+                    <a:pt x="337659" y="538814"/>
+                    <a:pt x="383912" y="538529"/>
+                    <a:pt x="404088" y="537078"/>
+                  </a:cubicBezTo>
+                  <a:cubicBezTo>
+                    <a:pt x="385851" y="582161"/>
+                    <a:pt x="274519" y="707649"/>
+                    <a:pt x="202044" y="774787"/>
+                  </a:cubicBezTo>
+                  <a:cubicBezTo>
+                    <a:pt x="173605" y="706333"/>
+                    <a:pt x="23855" y="566801"/>
+                    <a:pt x="0" y="537078"/>
                   </a:cubicBezTo>
                   <a:close/>
                 </a:path>
@@ -28379,7 +22868,7 @@
 </p:sld>
 </file>
 
-<file path=ppt/slides/slide9.xml><?xml version="1.0" encoding="utf-8"?>
+<file path=ppt/slides/slide8.xml><?xml version="1.0" encoding="utf-8"?>
 <p:sld xmlns:a="http://schemas.openxmlformats.org/drawingml/2006/main" xmlns:r="http://schemas.openxmlformats.org/officeDocument/2006/relationships" xmlns:p="http://schemas.openxmlformats.org/presentationml/2006/main">
   <p:cSld>
     <p:spTree>
@@ -30405,36 +24894,28 @@
             <a:custGeom>
               <a:avLst/>
               <a:gdLst>
-                <a:gd name="connsiteX0" fmla="*/ 0 w 605539"/>
-                <a:gd name="connsiteY0" fmla="*/ 0 h 2491102"/>
-                <a:gd name="connsiteX1" fmla="*/ 284603 w 605539"/>
-                <a:gd name="connsiteY1" fmla="*/ 0 h 2491102"/>
-                <a:gd name="connsiteX2" fmla="*/ 605539 w 605539"/>
-                <a:gd name="connsiteY2" fmla="*/ 0 h 2491102"/>
-                <a:gd name="connsiteX3" fmla="*/ 605539 w 605539"/>
-                <a:gd name="connsiteY3" fmla="*/ 473309 h 2491102"/>
-                <a:gd name="connsiteX4" fmla="*/ 605539 w 605539"/>
-                <a:gd name="connsiteY4" fmla="*/ 946619 h 2491102"/>
-                <a:gd name="connsiteX5" fmla="*/ 605539 w 605539"/>
-                <a:gd name="connsiteY5" fmla="*/ 1395017 h 2491102"/>
-                <a:gd name="connsiteX6" fmla="*/ 605539 w 605539"/>
-                <a:gd name="connsiteY6" fmla="*/ 1918149 h 2491102"/>
-                <a:gd name="connsiteX7" fmla="*/ 605539 w 605539"/>
-                <a:gd name="connsiteY7" fmla="*/ 2491102 h 2491102"/>
-                <a:gd name="connsiteX8" fmla="*/ 302770 w 605539"/>
-                <a:gd name="connsiteY8" fmla="*/ 2491102 h 2491102"/>
-                <a:gd name="connsiteX9" fmla="*/ 0 w 605539"/>
-                <a:gd name="connsiteY9" fmla="*/ 2491102 h 2491102"/>
-                <a:gd name="connsiteX10" fmla="*/ 0 w 605539"/>
-                <a:gd name="connsiteY10" fmla="*/ 2017793 h 2491102"/>
-                <a:gd name="connsiteX11" fmla="*/ 0 w 605539"/>
-                <a:gd name="connsiteY11" fmla="*/ 1469750 h 2491102"/>
-                <a:gd name="connsiteX12" fmla="*/ 0 w 605539"/>
-                <a:gd name="connsiteY12" fmla="*/ 921708 h 2491102"/>
-                <a:gd name="connsiteX13" fmla="*/ 0 w 605539"/>
-                <a:gd name="connsiteY13" fmla="*/ 448398 h 2491102"/>
-                <a:gd name="connsiteX14" fmla="*/ 0 w 605539"/>
-                <a:gd name="connsiteY14" fmla="*/ 0 h 2491102"/>
+                <a:gd name="connsiteX0" fmla="*/ 0 w 550190"/>
+                <a:gd name="connsiteY0" fmla="*/ 0 h 2206774"/>
+                <a:gd name="connsiteX1" fmla="*/ 550190 w 550190"/>
+                <a:gd name="connsiteY1" fmla="*/ 0 h 2206774"/>
+                <a:gd name="connsiteX2" fmla="*/ 550190 w 550190"/>
+                <a:gd name="connsiteY2" fmla="*/ 485490 h 2206774"/>
+                <a:gd name="connsiteX3" fmla="*/ 550190 w 550190"/>
+                <a:gd name="connsiteY3" fmla="*/ 1081319 h 2206774"/>
+                <a:gd name="connsiteX4" fmla="*/ 550190 w 550190"/>
+                <a:gd name="connsiteY4" fmla="*/ 1566810 h 2206774"/>
+                <a:gd name="connsiteX5" fmla="*/ 550190 w 550190"/>
+                <a:gd name="connsiteY5" fmla="*/ 2206774 h 2206774"/>
+                <a:gd name="connsiteX6" fmla="*/ 0 w 550190"/>
+                <a:gd name="connsiteY6" fmla="*/ 2206774 h 2206774"/>
+                <a:gd name="connsiteX7" fmla="*/ 0 w 550190"/>
+                <a:gd name="connsiteY7" fmla="*/ 1699216 h 2206774"/>
+                <a:gd name="connsiteX8" fmla="*/ 0 w 550190"/>
+                <a:gd name="connsiteY8" fmla="*/ 1147522 h 2206774"/>
+                <a:gd name="connsiteX9" fmla="*/ 0 w 550190"/>
+                <a:gd name="connsiteY9" fmla="*/ 595829 h 2206774"/>
+                <a:gd name="connsiteX10" fmla="*/ 0 w 550190"/>
+                <a:gd name="connsiteY10" fmla="*/ 0 h 2206774"/>
               </a:gdLst>
               <a:ahLst/>
               <a:cxnLst>
@@ -30471,169 +24952,117 @@
                 <a:cxn ang="0">
                   <a:pos x="connsiteX10" y="connsiteY10"/>
                 </a:cxn>
-                <a:cxn ang="0">
-                  <a:pos x="connsiteX11" y="connsiteY11"/>
-                </a:cxn>
-                <a:cxn ang="0">
-                  <a:pos x="connsiteX12" y="connsiteY12"/>
-                </a:cxn>
-                <a:cxn ang="0">
-                  <a:pos x="connsiteX13" y="connsiteY13"/>
-                </a:cxn>
-                <a:cxn ang="0">
-                  <a:pos x="connsiteX14" y="connsiteY14"/>
-                </a:cxn>
               </a:cxnLst>
               <a:rect l="l" t="t" r="r" b="b"/>
               <a:pathLst>
-                <a:path w="605539" h="2491102" fill="none" extrusionOk="0">
+                <a:path w="550190" h="2206774" fill="none" extrusionOk="0">
                   <a:moveTo>
                     <a:pt x="0" y="0"/>
                   </a:moveTo>
                   <a:cubicBezTo>
-                    <a:pt x="87585" y="-13371"/>
-                    <a:pt x="155689" y="3739"/>
-                    <a:pt x="284603" y="0"/>
-                  </a:cubicBezTo>
-                  <a:cubicBezTo>
-                    <a:pt x="413517" y="-3739"/>
-                    <a:pt x="499164" y="37895"/>
-                    <a:pt x="605539" y="0"/>
-                  </a:cubicBezTo>
-                  <a:cubicBezTo>
-                    <a:pt x="642520" y="228285"/>
-                    <a:pt x="569604" y="329151"/>
-                    <a:pt x="605539" y="473309"/>
-                  </a:cubicBezTo>
-                  <a:cubicBezTo>
-                    <a:pt x="641474" y="617467"/>
-                    <a:pt x="560861" y="756416"/>
-                    <a:pt x="605539" y="946619"/>
-                  </a:cubicBezTo>
-                  <a:cubicBezTo>
-                    <a:pt x="650217" y="1136822"/>
-                    <a:pt x="604330" y="1186485"/>
-                    <a:pt x="605539" y="1395017"/>
-                  </a:cubicBezTo>
-                  <a:cubicBezTo>
-                    <a:pt x="606748" y="1603549"/>
-                    <a:pt x="572847" y="1679576"/>
-                    <a:pt x="605539" y="1918149"/>
-                  </a:cubicBezTo>
-                  <a:cubicBezTo>
-                    <a:pt x="638231" y="2156722"/>
-                    <a:pt x="592510" y="2281619"/>
-                    <a:pt x="605539" y="2491102"/>
-                  </a:cubicBezTo>
-                  <a:cubicBezTo>
-                    <a:pt x="531966" y="2519513"/>
-                    <a:pt x="382230" y="2489845"/>
-                    <a:pt x="302770" y="2491102"/>
-                  </a:cubicBezTo>
-                  <a:cubicBezTo>
-                    <a:pt x="223310" y="2492359"/>
-                    <a:pt x="101610" y="2455635"/>
-                    <a:pt x="0" y="2491102"/>
-                  </a:cubicBezTo>
-                  <a:cubicBezTo>
-                    <a:pt x="-52809" y="2315440"/>
-                    <a:pt x="34787" y="2154986"/>
-                    <a:pt x="0" y="2017793"/>
-                  </a:cubicBezTo>
-                  <a:cubicBezTo>
-                    <a:pt x="-34787" y="1880600"/>
-                    <a:pt x="59698" y="1701294"/>
-                    <a:pt x="0" y="1469750"/>
-                  </a:cubicBezTo>
-                  <a:cubicBezTo>
-                    <a:pt x="-59698" y="1238206"/>
-                    <a:pt x="28934" y="1108726"/>
-                    <a:pt x="0" y="921708"/>
-                  </a:cubicBezTo>
-                  <a:cubicBezTo>
-                    <a:pt x="-28934" y="734690"/>
-                    <a:pt x="54687" y="632405"/>
-                    <a:pt x="0" y="448398"/>
-                  </a:cubicBezTo>
-                  <a:cubicBezTo>
-                    <a:pt x="-54687" y="264391"/>
-                    <a:pt x="33850" y="183142"/>
+                    <a:pt x="231132" y="-23141"/>
+                    <a:pt x="318928" y="1092"/>
+                    <a:pt x="550190" y="0"/>
+                  </a:cubicBezTo>
+                  <a:cubicBezTo>
+                    <a:pt x="605227" y="228558"/>
+                    <a:pt x="548632" y="312338"/>
+                    <a:pt x="550190" y="485490"/>
+                  </a:cubicBezTo>
+                  <a:cubicBezTo>
+                    <a:pt x="551748" y="658642"/>
+                    <a:pt x="491063" y="819491"/>
+                    <a:pt x="550190" y="1081319"/>
+                  </a:cubicBezTo>
+                  <a:cubicBezTo>
+                    <a:pt x="609317" y="1343147"/>
+                    <a:pt x="540343" y="1380153"/>
+                    <a:pt x="550190" y="1566810"/>
+                  </a:cubicBezTo>
+                  <a:cubicBezTo>
+                    <a:pt x="560037" y="1753467"/>
+                    <a:pt x="487353" y="1945186"/>
+                    <a:pt x="550190" y="2206774"/>
+                  </a:cubicBezTo>
+                  <a:cubicBezTo>
+                    <a:pt x="402662" y="2253200"/>
+                    <a:pt x="254724" y="2163643"/>
+                    <a:pt x="0" y="2206774"/>
+                  </a:cubicBezTo>
+                  <a:cubicBezTo>
+                    <a:pt x="-18792" y="1997204"/>
+                    <a:pt x="56192" y="1916742"/>
+                    <a:pt x="0" y="1699216"/>
+                  </a:cubicBezTo>
+                  <a:cubicBezTo>
+                    <a:pt x="-56192" y="1481690"/>
+                    <a:pt x="26224" y="1398283"/>
+                    <a:pt x="0" y="1147522"/>
+                  </a:cubicBezTo>
+                  <a:cubicBezTo>
+                    <a:pt x="-26224" y="896761"/>
+                    <a:pt x="52013" y="765560"/>
+                    <a:pt x="0" y="595829"/>
+                  </a:cubicBezTo>
+                  <a:cubicBezTo>
+                    <a:pt x="-52013" y="426098"/>
+                    <a:pt x="30138" y="140052"/>
                     <a:pt x="0" y="0"/>
                   </a:cubicBezTo>
                   <a:close/>
                 </a:path>
-                <a:path w="605539" h="2491102" stroke="0" extrusionOk="0">
+                <a:path w="550190" h="2206774" stroke="0" extrusionOk="0">
                   <a:moveTo>
                     <a:pt x="0" y="0"/>
                   </a:moveTo>
                   <a:cubicBezTo>
-                    <a:pt x="145317" y="-32467"/>
-                    <a:pt x="228203" y="31271"/>
-                    <a:pt x="302770" y="0"/>
-                  </a:cubicBezTo>
-                  <a:cubicBezTo>
-                    <a:pt x="377337" y="-31271"/>
-                    <a:pt x="491234" y="18642"/>
-                    <a:pt x="605539" y="0"/>
-                  </a:cubicBezTo>
-                  <a:cubicBezTo>
-                    <a:pt x="634456" y="182012"/>
-                    <a:pt x="595732" y="250289"/>
-                    <a:pt x="605539" y="473309"/>
-                  </a:cubicBezTo>
-                  <a:cubicBezTo>
-                    <a:pt x="615346" y="696329"/>
-                    <a:pt x="564504" y="810282"/>
-                    <a:pt x="605539" y="921708"/>
-                  </a:cubicBezTo>
-                  <a:cubicBezTo>
-                    <a:pt x="646574" y="1033134"/>
-                    <a:pt x="554954" y="1196204"/>
-                    <a:pt x="605539" y="1444839"/>
-                  </a:cubicBezTo>
-                  <a:cubicBezTo>
-                    <a:pt x="656124" y="1693474"/>
-                    <a:pt x="589781" y="1707901"/>
-                    <a:pt x="605539" y="1893238"/>
-                  </a:cubicBezTo>
-                  <a:cubicBezTo>
-                    <a:pt x="621297" y="2078575"/>
-                    <a:pt x="601021" y="2262327"/>
-                    <a:pt x="605539" y="2491102"/>
-                  </a:cubicBezTo>
-                  <a:cubicBezTo>
-                    <a:pt x="479803" y="2503585"/>
-                    <a:pt x="431892" y="2490323"/>
-                    <a:pt x="296714" y="2491102"/>
-                  </a:cubicBezTo>
-                  <a:cubicBezTo>
-                    <a:pt x="161536" y="2491881"/>
-                    <a:pt x="110659" y="2486105"/>
-                    <a:pt x="0" y="2491102"/>
-                  </a:cubicBezTo>
-                  <a:cubicBezTo>
-                    <a:pt x="-29214" y="2308009"/>
-                    <a:pt x="26164" y="2248660"/>
-                    <a:pt x="0" y="2017793"/>
-                  </a:cubicBezTo>
-                  <a:cubicBezTo>
-                    <a:pt x="-26164" y="1786926"/>
-                    <a:pt x="20064" y="1624535"/>
-                    <a:pt x="0" y="1469750"/>
-                  </a:cubicBezTo>
-                  <a:cubicBezTo>
-                    <a:pt x="-20064" y="1314965"/>
-                    <a:pt x="21706" y="1189619"/>
-                    <a:pt x="0" y="971530"/>
-                  </a:cubicBezTo>
-                  <a:cubicBezTo>
-                    <a:pt x="-21706" y="753441"/>
-                    <a:pt x="7878" y="721677"/>
-                    <a:pt x="0" y="548042"/>
-                  </a:cubicBezTo>
-                  <a:cubicBezTo>
-                    <a:pt x="-7878" y="374407"/>
-                    <a:pt x="11173" y="233776"/>
+                    <a:pt x="135573" y="-10665"/>
+                    <a:pt x="298329" y="28955"/>
+                    <a:pt x="550190" y="0"/>
+                  </a:cubicBezTo>
+                  <a:cubicBezTo>
+                    <a:pt x="558483" y="227178"/>
+                    <a:pt x="512468" y="267331"/>
+                    <a:pt x="550190" y="507558"/>
+                  </a:cubicBezTo>
+                  <a:cubicBezTo>
+                    <a:pt x="587912" y="747785"/>
+                    <a:pt x="536706" y="918727"/>
+                    <a:pt x="550190" y="1103387"/>
+                  </a:cubicBezTo>
+                  <a:cubicBezTo>
+                    <a:pt x="563674" y="1288047"/>
+                    <a:pt x="502711" y="1487715"/>
+                    <a:pt x="550190" y="1610945"/>
+                  </a:cubicBezTo>
+                  <a:cubicBezTo>
+                    <a:pt x="597669" y="1734175"/>
+                    <a:pt x="494831" y="2026515"/>
+                    <a:pt x="550190" y="2206774"/>
+                  </a:cubicBezTo>
+                  <a:cubicBezTo>
+                    <a:pt x="394788" y="2225259"/>
+                    <a:pt x="160532" y="2146683"/>
+                    <a:pt x="0" y="2206774"/>
+                  </a:cubicBezTo>
+                  <a:cubicBezTo>
+                    <a:pt x="-44947" y="1988045"/>
+                    <a:pt x="27780" y="1753198"/>
+                    <a:pt x="0" y="1610945"/>
+                  </a:cubicBezTo>
+                  <a:cubicBezTo>
+                    <a:pt x="-27780" y="1468692"/>
+                    <a:pt x="16289" y="1227178"/>
+                    <a:pt x="0" y="1081319"/>
+                  </a:cubicBezTo>
+                  <a:cubicBezTo>
+                    <a:pt x="-16289" y="935460"/>
+                    <a:pt x="15758" y="649987"/>
+                    <a:pt x="0" y="485490"/>
+                  </a:cubicBezTo>
+                  <a:cubicBezTo>
+                    <a:pt x="-15758" y="320993"/>
+                    <a:pt x="39834" y="139654"/>
                     <a:pt x="0" y="0"/>
                   </a:cubicBezTo>
                   <a:close/>
@@ -31531,26 +25960,26 @@
             <a:custGeom>
               <a:avLst/>
               <a:gdLst>
-                <a:gd name="connsiteX0" fmla="*/ 0 w 335701"/>
-                <a:gd name="connsiteY0" fmla="*/ 703572 h 901051"/>
-                <a:gd name="connsiteX1" fmla="*/ 98740 w 335701"/>
-                <a:gd name="connsiteY1" fmla="*/ 703572 h 901051"/>
-                <a:gd name="connsiteX2" fmla="*/ 98740 w 335701"/>
-                <a:gd name="connsiteY2" fmla="*/ 372893 h 901051"/>
-                <a:gd name="connsiteX3" fmla="*/ 98740 w 335701"/>
-                <a:gd name="connsiteY3" fmla="*/ 0 h 901051"/>
-                <a:gd name="connsiteX4" fmla="*/ 236961 w 335701"/>
-                <a:gd name="connsiteY4" fmla="*/ 0 h 901051"/>
-                <a:gd name="connsiteX5" fmla="*/ 236961 w 335701"/>
-                <a:gd name="connsiteY5" fmla="*/ 337715 h 901051"/>
-                <a:gd name="connsiteX6" fmla="*/ 236961 w 335701"/>
-                <a:gd name="connsiteY6" fmla="*/ 703572 h 901051"/>
-                <a:gd name="connsiteX7" fmla="*/ 335701 w 335701"/>
-                <a:gd name="connsiteY7" fmla="*/ 703572 h 901051"/>
-                <a:gd name="connsiteX8" fmla="*/ 167851 w 335701"/>
-                <a:gd name="connsiteY8" fmla="*/ 901051 h 901051"/>
-                <a:gd name="connsiteX9" fmla="*/ 0 w 335701"/>
-                <a:gd name="connsiteY9" fmla="*/ 703572 h 901051"/>
+                <a:gd name="connsiteX0" fmla="*/ 0 w 297385"/>
+                <a:gd name="connsiteY0" fmla="*/ 643751 h 818691"/>
+                <a:gd name="connsiteX1" fmla="*/ 87470 w 297385"/>
+                <a:gd name="connsiteY1" fmla="*/ 643751 h 818691"/>
+                <a:gd name="connsiteX2" fmla="*/ 87470 w 297385"/>
+                <a:gd name="connsiteY2" fmla="*/ 341188 h 818691"/>
+                <a:gd name="connsiteX3" fmla="*/ 87470 w 297385"/>
+                <a:gd name="connsiteY3" fmla="*/ 0 h 818691"/>
+                <a:gd name="connsiteX4" fmla="*/ 209915 w 297385"/>
+                <a:gd name="connsiteY4" fmla="*/ 0 h 818691"/>
+                <a:gd name="connsiteX5" fmla="*/ 209915 w 297385"/>
+                <a:gd name="connsiteY5" fmla="*/ 309000 h 818691"/>
+                <a:gd name="connsiteX6" fmla="*/ 209915 w 297385"/>
+                <a:gd name="connsiteY6" fmla="*/ 643751 h 818691"/>
+                <a:gd name="connsiteX7" fmla="*/ 297385 w 297385"/>
+                <a:gd name="connsiteY7" fmla="*/ 643751 h 818691"/>
+                <a:gd name="connsiteX8" fmla="*/ 148693 w 297385"/>
+                <a:gd name="connsiteY8" fmla="*/ 818691 h 818691"/>
+                <a:gd name="connsiteX9" fmla="*/ 0 w 297385"/>
+                <a:gd name="connsiteY9" fmla="*/ 643751 h 818691"/>
               </a:gdLst>
               <a:ahLst/>
               <a:cxnLst>
@@ -31587,105 +26016,105 @@
               </a:cxnLst>
               <a:rect l="l" t="t" r="r" b="b"/>
               <a:pathLst>
-                <a:path w="335701" h="901051" fill="none" extrusionOk="0">
+                <a:path w="297385" h="818691" fill="none" extrusionOk="0">
                   <a:moveTo>
-                    <a:pt x="0" y="703572"/>
+                    <a:pt x="0" y="643751"/>
                   </a:moveTo>
                   <a:cubicBezTo>
-                    <a:pt x="35940" y="701766"/>
-                    <a:pt x="54673" y="712037"/>
-                    <a:pt x="98740" y="703572"/>
-                  </a:cubicBezTo>
-                  <a:cubicBezTo>
-                    <a:pt x="97083" y="637400"/>
-                    <a:pt x="125906" y="533599"/>
-                    <a:pt x="98740" y="372893"/>
-                  </a:cubicBezTo>
-                  <a:cubicBezTo>
-                    <a:pt x="71574" y="212187"/>
-                    <a:pt x="119535" y="77204"/>
-                    <a:pt x="98740" y="0"/>
-                  </a:cubicBezTo>
-                  <a:cubicBezTo>
-                    <a:pt x="157867" y="-13937"/>
-                    <a:pt x="190048" y="7089"/>
-                    <a:pt x="236961" y="0"/>
-                  </a:cubicBezTo>
-                  <a:cubicBezTo>
-                    <a:pt x="259215" y="121730"/>
-                    <a:pt x="201655" y="242764"/>
-                    <a:pt x="236961" y="337715"/>
-                  </a:cubicBezTo>
-                  <a:cubicBezTo>
-                    <a:pt x="272267" y="432666"/>
-                    <a:pt x="223949" y="526490"/>
-                    <a:pt x="236961" y="703572"/>
-                  </a:cubicBezTo>
-                  <a:cubicBezTo>
-                    <a:pt x="261110" y="696082"/>
-                    <a:pt x="294373" y="708360"/>
-                    <a:pt x="335701" y="703572"/>
-                  </a:cubicBezTo>
-                  <a:cubicBezTo>
-                    <a:pt x="258450" y="802551"/>
-                    <a:pt x="198405" y="854865"/>
-                    <a:pt x="167851" y="901051"/>
-                  </a:cubicBezTo>
-                  <a:cubicBezTo>
-                    <a:pt x="106029" y="841722"/>
-                    <a:pt x="90640" y="768860"/>
-                    <a:pt x="0" y="703572"/>
+                    <a:pt x="36003" y="633810"/>
+                    <a:pt x="63872" y="645282"/>
+                    <a:pt x="87470" y="643751"/>
+                  </a:cubicBezTo>
+                  <a:cubicBezTo>
+                    <a:pt x="73351" y="573944"/>
+                    <a:pt x="96963" y="457215"/>
+                    <a:pt x="87470" y="341188"/>
+                  </a:cubicBezTo>
+                  <a:cubicBezTo>
+                    <a:pt x="77977" y="225161"/>
+                    <a:pt x="107289" y="169557"/>
+                    <a:pt x="87470" y="0"/>
+                  </a:cubicBezTo>
+                  <a:cubicBezTo>
+                    <a:pt x="117647" y="-3719"/>
+                    <a:pt x="182577" y="2255"/>
+                    <a:pt x="209915" y="0"/>
+                  </a:cubicBezTo>
+                  <a:cubicBezTo>
+                    <a:pt x="231747" y="77465"/>
+                    <a:pt x="192567" y="219784"/>
+                    <a:pt x="209915" y="309000"/>
+                  </a:cubicBezTo>
+                  <a:cubicBezTo>
+                    <a:pt x="227263" y="398216"/>
+                    <a:pt x="182264" y="529611"/>
+                    <a:pt x="209915" y="643751"/>
+                  </a:cubicBezTo>
+                  <a:cubicBezTo>
+                    <a:pt x="238012" y="639724"/>
+                    <a:pt x="255844" y="646497"/>
+                    <a:pt x="297385" y="643751"/>
+                  </a:cubicBezTo>
+                  <a:cubicBezTo>
+                    <a:pt x="252900" y="738366"/>
+                    <a:pt x="210777" y="725915"/>
+                    <a:pt x="148693" y="818691"/>
+                  </a:cubicBezTo>
+                  <a:cubicBezTo>
+                    <a:pt x="88769" y="748238"/>
+                    <a:pt x="62517" y="710296"/>
+                    <a:pt x="0" y="643751"/>
                   </a:cubicBezTo>
                   <a:close/>
                 </a:path>
-                <a:path w="335701" h="901051" stroke="0" extrusionOk="0">
+                <a:path w="297385" h="818691" stroke="0" extrusionOk="0">
                   <a:moveTo>
-                    <a:pt x="0" y="703572"/>
+                    <a:pt x="0" y="643751"/>
                   </a:moveTo>
                   <a:cubicBezTo>
-                    <a:pt x="48364" y="702159"/>
-                    <a:pt x="74963" y="705190"/>
-                    <a:pt x="98740" y="703572"/>
-                  </a:cubicBezTo>
-                  <a:cubicBezTo>
-                    <a:pt x="97273" y="584715"/>
-                    <a:pt x="138319" y="486627"/>
-                    <a:pt x="98740" y="351786"/>
-                  </a:cubicBezTo>
-                  <a:cubicBezTo>
-                    <a:pt x="59161" y="216945"/>
-                    <a:pt x="111030" y="175472"/>
-                    <a:pt x="98740" y="0"/>
-                  </a:cubicBezTo>
-                  <a:cubicBezTo>
-                    <a:pt x="144435" y="-14785"/>
-                    <a:pt x="181220" y="15298"/>
-                    <a:pt x="236961" y="0"/>
-                  </a:cubicBezTo>
-                  <a:cubicBezTo>
-                    <a:pt x="252208" y="130802"/>
-                    <a:pt x="232292" y="203806"/>
-                    <a:pt x="236961" y="337715"/>
-                  </a:cubicBezTo>
-                  <a:cubicBezTo>
-                    <a:pt x="241630" y="471624"/>
-                    <a:pt x="218134" y="543156"/>
-                    <a:pt x="236961" y="703572"/>
-                  </a:cubicBezTo>
-                  <a:cubicBezTo>
-                    <a:pt x="256792" y="695103"/>
-                    <a:pt x="312403" y="706606"/>
-                    <a:pt x="335701" y="703572"/>
-                  </a:cubicBezTo>
-                  <a:cubicBezTo>
-                    <a:pt x="285593" y="780764"/>
-                    <a:pt x="228263" y="791768"/>
-                    <a:pt x="167851" y="901051"/>
-                  </a:cubicBezTo>
-                  <a:cubicBezTo>
-                    <a:pt x="106976" y="863080"/>
-                    <a:pt x="75899" y="761636"/>
-                    <a:pt x="0" y="703572"/>
+                    <a:pt x="40663" y="640457"/>
+                    <a:pt x="66619" y="651604"/>
+                    <a:pt x="87470" y="643751"/>
+                  </a:cubicBezTo>
+                  <a:cubicBezTo>
+                    <a:pt x="70377" y="534278"/>
+                    <a:pt x="107852" y="480587"/>
+                    <a:pt x="87470" y="321876"/>
+                  </a:cubicBezTo>
+                  <a:cubicBezTo>
+                    <a:pt x="67088" y="163166"/>
+                    <a:pt x="110811" y="98667"/>
+                    <a:pt x="87470" y="0"/>
+                  </a:cubicBezTo>
+                  <a:cubicBezTo>
+                    <a:pt x="125682" y="-1233"/>
+                    <a:pt x="172497" y="13780"/>
+                    <a:pt x="209915" y="0"/>
+                  </a:cubicBezTo>
+                  <a:cubicBezTo>
+                    <a:pt x="243878" y="152850"/>
+                    <a:pt x="191427" y="230656"/>
+                    <a:pt x="209915" y="309000"/>
+                  </a:cubicBezTo>
+                  <a:cubicBezTo>
+                    <a:pt x="228403" y="387344"/>
+                    <a:pt x="177477" y="564506"/>
+                    <a:pt x="209915" y="643751"/>
+                  </a:cubicBezTo>
+                  <a:cubicBezTo>
+                    <a:pt x="250360" y="640298"/>
+                    <a:pt x="256532" y="646510"/>
+                    <a:pt x="297385" y="643751"/>
+                  </a:cubicBezTo>
+                  <a:cubicBezTo>
+                    <a:pt x="251055" y="728921"/>
+                    <a:pt x="163310" y="767176"/>
+                    <a:pt x="148693" y="818691"/>
+                  </a:cubicBezTo>
+                  <a:cubicBezTo>
+                    <a:pt x="94899" y="763511"/>
+                    <a:pt x="73106" y="693574"/>
+                    <a:pt x="0" y="643751"/>
                   </a:cubicBezTo>
                   <a:close/>
                 </a:path>
@@ -31752,22 +26181,22 @@
             <a:custGeom>
               <a:avLst/>
               <a:gdLst>
-                <a:gd name="connsiteX0" fmla="*/ 0 w 335701"/>
-                <a:gd name="connsiteY0" fmla="*/ 321336 h 518815"/>
-                <a:gd name="connsiteX1" fmla="*/ 98740 w 335701"/>
-                <a:gd name="connsiteY1" fmla="*/ 321336 h 518815"/>
-                <a:gd name="connsiteX2" fmla="*/ 98740 w 335701"/>
-                <a:gd name="connsiteY2" fmla="*/ 0 h 518815"/>
-                <a:gd name="connsiteX3" fmla="*/ 236961 w 335701"/>
-                <a:gd name="connsiteY3" fmla="*/ 0 h 518815"/>
-                <a:gd name="connsiteX4" fmla="*/ 236961 w 335701"/>
-                <a:gd name="connsiteY4" fmla="*/ 321336 h 518815"/>
-                <a:gd name="connsiteX5" fmla="*/ 335701 w 335701"/>
-                <a:gd name="connsiteY5" fmla="*/ 321336 h 518815"/>
-                <a:gd name="connsiteX6" fmla="*/ 167851 w 335701"/>
-                <a:gd name="connsiteY6" fmla="*/ 518815 h 518815"/>
-                <a:gd name="connsiteX7" fmla="*/ 0 w 335701"/>
-                <a:gd name="connsiteY7" fmla="*/ 321336 h 518815"/>
+                <a:gd name="connsiteX0" fmla="*/ 0 w 297385"/>
+                <a:gd name="connsiteY0" fmla="*/ 296453 h 471393"/>
+                <a:gd name="connsiteX1" fmla="*/ 87470 w 297385"/>
+                <a:gd name="connsiteY1" fmla="*/ 296453 h 471393"/>
+                <a:gd name="connsiteX2" fmla="*/ 87470 w 297385"/>
+                <a:gd name="connsiteY2" fmla="*/ 0 h 471393"/>
+                <a:gd name="connsiteX3" fmla="*/ 209915 w 297385"/>
+                <a:gd name="connsiteY3" fmla="*/ 0 h 471393"/>
+                <a:gd name="connsiteX4" fmla="*/ 209915 w 297385"/>
+                <a:gd name="connsiteY4" fmla="*/ 296453 h 471393"/>
+                <a:gd name="connsiteX5" fmla="*/ 297385 w 297385"/>
+                <a:gd name="connsiteY5" fmla="*/ 296453 h 471393"/>
+                <a:gd name="connsiteX6" fmla="*/ 148693 w 297385"/>
+                <a:gd name="connsiteY6" fmla="*/ 471393 h 471393"/>
+                <a:gd name="connsiteX7" fmla="*/ 0 w 297385"/>
+                <a:gd name="connsiteY7" fmla="*/ 296453 h 471393"/>
               </a:gdLst>
               <a:ahLst/>
               <a:cxnLst>
@@ -31798,85 +26227,85 @@
               </a:cxnLst>
               <a:rect l="l" t="t" r="r" b="b"/>
               <a:pathLst>
-                <a:path w="335701" h="518815" fill="none" extrusionOk="0">
+                <a:path w="297385" h="471393" fill="none" extrusionOk="0">
                   <a:moveTo>
-                    <a:pt x="0" y="321336"/>
+                    <a:pt x="0" y="296453"/>
                   </a:moveTo>
                   <a:cubicBezTo>
-                    <a:pt x="20447" y="311641"/>
-                    <a:pt x="54574" y="328036"/>
-                    <a:pt x="98740" y="321336"/>
-                  </a:cubicBezTo>
-                  <a:cubicBezTo>
-                    <a:pt x="70707" y="187106"/>
-                    <a:pt x="134595" y="106810"/>
-                    <a:pt x="98740" y="0"/>
-                  </a:cubicBezTo>
-                  <a:cubicBezTo>
-                    <a:pt x="129189" y="-12577"/>
-                    <a:pt x="168870" y="7464"/>
-                    <a:pt x="236961" y="0"/>
-                  </a:cubicBezTo>
-                  <a:cubicBezTo>
-                    <a:pt x="250781" y="110348"/>
-                    <a:pt x="218195" y="215471"/>
-                    <a:pt x="236961" y="321336"/>
-                  </a:cubicBezTo>
-                  <a:cubicBezTo>
-                    <a:pt x="265671" y="316162"/>
-                    <a:pt x="297108" y="330817"/>
-                    <a:pt x="335701" y="321336"/>
-                  </a:cubicBezTo>
-                  <a:cubicBezTo>
-                    <a:pt x="308147" y="395265"/>
-                    <a:pt x="207572" y="456639"/>
-                    <a:pt x="167851" y="518815"/>
-                  </a:cubicBezTo>
-                  <a:cubicBezTo>
-                    <a:pt x="115591" y="473478"/>
-                    <a:pt x="94100" y="409931"/>
-                    <a:pt x="0" y="321336"/>
+                    <a:pt x="39232" y="294862"/>
+                    <a:pt x="54352" y="298175"/>
+                    <a:pt x="87470" y="296453"/>
+                  </a:cubicBezTo>
+                  <a:cubicBezTo>
+                    <a:pt x="53613" y="208907"/>
+                    <a:pt x="99545" y="83269"/>
+                    <a:pt x="87470" y="0"/>
+                  </a:cubicBezTo>
+                  <a:cubicBezTo>
+                    <a:pt x="124841" y="-4698"/>
+                    <a:pt x="179691" y="2145"/>
+                    <a:pt x="209915" y="0"/>
+                  </a:cubicBezTo>
+                  <a:cubicBezTo>
+                    <a:pt x="239187" y="71269"/>
+                    <a:pt x="191128" y="228044"/>
+                    <a:pt x="209915" y="296453"/>
+                  </a:cubicBezTo>
+                  <a:cubicBezTo>
+                    <a:pt x="231765" y="293334"/>
+                    <a:pt x="256593" y="299234"/>
+                    <a:pt x="297385" y="296453"/>
+                  </a:cubicBezTo>
+                  <a:cubicBezTo>
+                    <a:pt x="280519" y="346634"/>
+                    <a:pt x="178179" y="427597"/>
+                    <a:pt x="148693" y="471393"/>
+                  </a:cubicBezTo>
+                  <a:cubicBezTo>
+                    <a:pt x="63782" y="411734"/>
+                    <a:pt x="67516" y="344831"/>
+                    <a:pt x="0" y="296453"/>
                   </a:cubicBezTo>
                   <a:close/>
                 </a:path>
-                <a:path w="335701" h="518815" stroke="0" extrusionOk="0">
+                <a:path w="297385" h="471393" stroke="0" extrusionOk="0">
                   <a:moveTo>
-                    <a:pt x="0" y="321336"/>
+                    <a:pt x="0" y="296453"/>
                   </a:moveTo>
                   <a:cubicBezTo>
-                    <a:pt x="48364" y="319923"/>
-                    <a:pt x="74963" y="322954"/>
-                    <a:pt x="98740" y="321336"/>
-                  </a:cubicBezTo>
-                  <a:cubicBezTo>
-                    <a:pt x="61949" y="170138"/>
-                    <a:pt x="132529" y="119523"/>
-                    <a:pt x="98740" y="0"/>
-                  </a:cubicBezTo>
-                  <a:cubicBezTo>
-                    <a:pt x="139138" y="-2963"/>
-                    <a:pt x="182167" y="13425"/>
-                    <a:pt x="236961" y="0"/>
-                  </a:cubicBezTo>
-                  <a:cubicBezTo>
-                    <a:pt x="244908" y="90139"/>
-                    <a:pt x="205978" y="191242"/>
-                    <a:pt x="236961" y="321336"/>
-                  </a:cubicBezTo>
-                  <a:cubicBezTo>
-                    <a:pt x="283182" y="312834"/>
-                    <a:pt x="299163" y="327647"/>
-                    <a:pt x="335701" y="321336"/>
-                  </a:cubicBezTo>
-                  <a:cubicBezTo>
-                    <a:pt x="278295" y="394486"/>
-                    <a:pt x="194456" y="463882"/>
-                    <a:pt x="167851" y="518815"/>
-                  </a:cubicBezTo>
-                  <a:cubicBezTo>
-                    <a:pt x="108908" y="474279"/>
-                    <a:pt x="85097" y="416215"/>
-                    <a:pt x="0" y="321336"/>
+                    <a:pt x="40663" y="293159"/>
+                    <a:pt x="66619" y="304306"/>
+                    <a:pt x="87470" y="296453"/>
+                  </a:cubicBezTo>
+                  <a:cubicBezTo>
+                    <a:pt x="72944" y="210275"/>
+                    <a:pt x="108029" y="95341"/>
+                    <a:pt x="87470" y="0"/>
+                  </a:cubicBezTo>
+                  <a:cubicBezTo>
+                    <a:pt x="126859" y="-2628"/>
+                    <a:pt x="158410" y="9928"/>
+                    <a:pt x="209915" y="0"/>
+                  </a:cubicBezTo>
+                  <a:cubicBezTo>
+                    <a:pt x="225122" y="122925"/>
+                    <a:pt x="197633" y="197530"/>
+                    <a:pt x="209915" y="296453"/>
+                  </a:cubicBezTo>
+                  <a:cubicBezTo>
+                    <a:pt x="233748" y="294397"/>
+                    <a:pt x="268433" y="302477"/>
+                    <a:pt x="297385" y="296453"/>
+                  </a:cubicBezTo>
+                  <a:cubicBezTo>
+                    <a:pt x="274647" y="347861"/>
+                    <a:pt x="190314" y="392825"/>
+                    <a:pt x="148693" y="471393"/>
+                  </a:cubicBezTo>
+                  <a:cubicBezTo>
+                    <a:pt x="59124" y="400493"/>
+                    <a:pt x="79340" y="373642"/>
+                    <a:pt x="0" y="296453"/>
                   </a:cubicBezTo>
                   <a:close/>
                 </a:path>
@@ -31943,22 +26372,22 @@
             <a:custGeom>
               <a:avLst/>
               <a:gdLst>
-                <a:gd name="connsiteX0" fmla="*/ 0 w 327302"/>
-                <a:gd name="connsiteY0" fmla="*/ 259643 h 452182"/>
-                <a:gd name="connsiteX1" fmla="*/ 96269 w 327302"/>
-                <a:gd name="connsiteY1" fmla="*/ 259643 h 452182"/>
-                <a:gd name="connsiteX2" fmla="*/ 96269 w 327302"/>
-                <a:gd name="connsiteY2" fmla="*/ 0 h 452182"/>
-                <a:gd name="connsiteX3" fmla="*/ 231033 w 327302"/>
-                <a:gd name="connsiteY3" fmla="*/ 0 h 452182"/>
-                <a:gd name="connsiteX4" fmla="*/ 231033 w 327302"/>
-                <a:gd name="connsiteY4" fmla="*/ 259643 h 452182"/>
-                <a:gd name="connsiteX5" fmla="*/ 327302 w 327302"/>
-                <a:gd name="connsiteY5" fmla="*/ 259643 h 452182"/>
-                <a:gd name="connsiteX6" fmla="*/ 163651 w 327302"/>
-                <a:gd name="connsiteY6" fmla="*/ 452182 h 452182"/>
-                <a:gd name="connsiteX7" fmla="*/ 0 w 327302"/>
-                <a:gd name="connsiteY7" fmla="*/ 259643 h 452182"/>
+                <a:gd name="connsiteX0" fmla="*/ 0 w 297385"/>
+                <a:gd name="connsiteY0" fmla="*/ 225631 h 400571"/>
+                <a:gd name="connsiteX1" fmla="*/ 87470 w 297385"/>
+                <a:gd name="connsiteY1" fmla="*/ 225631 h 400571"/>
+                <a:gd name="connsiteX2" fmla="*/ 87470 w 297385"/>
+                <a:gd name="connsiteY2" fmla="*/ 0 h 400571"/>
+                <a:gd name="connsiteX3" fmla="*/ 209915 w 297385"/>
+                <a:gd name="connsiteY3" fmla="*/ 0 h 400571"/>
+                <a:gd name="connsiteX4" fmla="*/ 209915 w 297385"/>
+                <a:gd name="connsiteY4" fmla="*/ 225631 h 400571"/>
+                <a:gd name="connsiteX5" fmla="*/ 297385 w 297385"/>
+                <a:gd name="connsiteY5" fmla="*/ 225631 h 400571"/>
+                <a:gd name="connsiteX6" fmla="*/ 148693 w 297385"/>
+                <a:gd name="connsiteY6" fmla="*/ 400571 h 400571"/>
+                <a:gd name="connsiteX7" fmla="*/ 0 w 297385"/>
+                <a:gd name="connsiteY7" fmla="*/ 225631 h 400571"/>
               </a:gdLst>
               <a:ahLst/>
               <a:cxnLst>
@@ -31989,85 +26418,85 @@
               </a:cxnLst>
               <a:rect l="l" t="t" r="r" b="b"/>
               <a:pathLst>
-                <a:path w="327302" h="452182" fill="none" extrusionOk="0">
+                <a:path w="297385" h="400571" fill="none" extrusionOk="0">
                   <a:moveTo>
-                    <a:pt x="0" y="259643"/>
+                    <a:pt x="0" y="225631"/>
                   </a:moveTo>
                   <a:cubicBezTo>
-                    <a:pt x="43684" y="258681"/>
-                    <a:pt x="72326" y="267500"/>
-                    <a:pt x="96269" y="259643"/>
-                  </a:cubicBezTo>
-                  <a:cubicBezTo>
-                    <a:pt x="82400" y="151600"/>
-                    <a:pt x="112889" y="95436"/>
-                    <a:pt x="96269" y="0"/>
-                  </a:cubicBezTo>
-                  <a:cubicBezTo>
-                    <a:pt x="135801" y="-15474"/>
-                    <a:pt x="164130" y="2121"/>
-                    <a:pt x="231033" y="0"/>
-                  </a:cubicBezTo>
-                  <a:cubicBezTo>
-                    <a:pt x="246042" y="74453"/>
-                    <a:pt x="228484" y="183675"/>
-                    <a:pt x="231033" y="259643"/>
-                  </a:cubicBezTo>
-                  <a:cubicBezTo>
-                    <a:pt x="277491" y="250812"/>
-                    <a:pt x="302187" y="261740"/>
-                    <a:pt x="327302" y="259643"/>
-                  </a:cubicBezTo>
-                  <a:cubicBezTo>
-                    <a:pt x="277102" y="340957"/>
-                    <a:pt x="182209" y="387086"/>
-                    <a:pt x="163651" y="452182"/>
-                  </a:cubicBezTo>
-                  <a:cubicBezTo>
-                    <a:pt x="84735" y="373779"/>
-                    <a:pt x="72056" y="307425"/>
-                    <a:pt x="0" y="259643"/>
+                    <a:pt x="39232" y="224040"/>
+                    <a:pt x="54352" y="227353"/>
+                    <a:pt x="87470" y="225631"/>
+                  </a:cubicBezTo>
+                  <a:cubicBezTo>
+                    <a:pt x="72780" y="167493"/>
+                    <a:pt x="111742" y="111976"/>
+                    <a:pt x="87470" y="0"/>
+                  </a:cubicBezTo>
+                  <a:cubicBezTo>
+                    <a:pt x="124841" y="-4698"/>
+                    <a:pt x="179691" y="2145"/>
+                    <a:pt x="209915" y="0"/>
+                  </a:cubicBezTo>
+                  <a:cubicBezTo>
+                    <a:pt x="220233" y="69109"/>
+                    <a:pt x="184847" y="176706"/>
+                    <a:pt x="209915" y="225631"/>
+                  </a:cubicBezTo>
+                  <a:cubicBezTo>
+                    <a:pt x="231765" y="222512"/>
+                    <a:pt x="256593" y="228412"/>
+                    <a:pt x="297385" y="225631"/>
+                  </a:cubicBezTo>
+                  <a:cubicBezTo>
+                    <a:pt x="280519" y="275812"/>
+                    <a:pt x="178179" y="356775"/>
+                    <a:pt x="148693" y="400571"/>
+                  </a:cubicBezTo>
+                  <a:cubicBezTo>
+                    <a:pt x="63782" y="340912"/>
+                    <a:pt x="67516" y="274009"/>
+                    <a:pt x="0" y="225631"/>
                   </a:cubicBezTo>
                   <a:close/>
                 </a:path>
-                <a:path w="327302" h="452182" stroke="0" extrusionOk="0">
+                <a:path w="297385" h="400571" stroke="0" extrusionOk="0">
                   <a:moveTo>
-                    <a:pt x="0" y="259643"/>
+                    <a:pt x="0" y="225631"/>
                   </a:moveTo>
                   <a:cubicBezTo>
-                    <a:pt x="43330" y="252470"/>
-                    <a:pt x="69459" y="269512"/>
-                    <a:pt x="96269" y="259643"/>
-                  </a:cubicBezTo>
-                  <a:cubicBezTo>
-                    <a:pt x="68665" y="194077"/>
-                    <a:pt x="106089" y="69301"/>
-                    <a:pt x="96269" y="0"/>
-                  </a:cubicBezTo>
-                  <a:cubicBezTo>
-                    <a:pt x="136521" y="-6853"/>
-                    <a:pt x="176489" y="1215"/>
-                    <a:pt x="231033" y="0"/>
-                  </a:cubicBezTo>
-                  <a:cubicBezTo>
-                    <a:pt x="241734" y="83530"/>
-                    <a:pt x="211125" y="201805"/>
-                    <a:pt x="231033" y="259643"/>
-                  </a:cubicBezTo>
-                  <a:cubicBezTo>
-                    <a:pt x="262522" y="255809"/>
-                    <a:pt x="305985" y="262906"/>
-                    <a:pt x="327302" y="259643"/>
-                  </a:cubicBezTo>
-                  <a:cubicBezTo>
-                    <a:pt x="299956" y="307861"/>
-                    <a:pt x="204192" y="361799"/>
-                    <a:pt x="163651" y="452182"/>
-                  </a:cubicBezTo>
-                  <a:cubicBezTo>
-                    <a:pt x="69755" y="380259"/>
-                    <a:pt x="53235" y="292755"/>
-                    <a:pt x="0" y="259643"/>
+                    <a:pt x="40663" y="222337"/>
+                    <a:pt x="66619" y="233484"/>
+                    <a:pt x="87470" y="225631"/>
+                  </a:cubicBezTo>
+                  <a:cubicBezTo>
+                    <a:pt x="62331" y="120012"/>
+                    <a:pt x="109074" y="59244"/>
+                    <a:pt x="87470" y="0"/>
+                  </a:cubicBezTo>
+                  <a:cubicBezTo>
+                    <a:pt x="126859" y="-2628"/>
+                    <a:pt x="158410" y="9928"/>
+                    <a:pt x="209915" y="0"/>
+                  </a:cubicBezTo>
+                  <a:cubicBezTo>
+                    <a:pt x="215965" y="58038"/>
+                    <a:pt x="206539" y="163564"/>
+                    <a:pt x="209915" y="225631"/>
+                  </a:cubicBezTo>
+                  <a:cubicBezTo>
+                    <a:pt x="233748" y="223575"/>
+                    <a:pt x="268433" y="231655"/>
+                    <a:pt x="297385" y="225631"/>
+                  </a:cubicBezTo>
+                  <a:cubicBezTo>
+                    <a:pt x="274647" y="277039"/>
+                    <a:pt x="190314" y="322003"/>
+                    <a:pt x="148693" y="400571"/>
+                  </a:cubicBezTo>
+                  <a:cubicBezTo>
+                    <a:pt x="59124" y="329671"/>
+                    <a:pt x="79340" y="302820"/>
+                    <a:pt x="0" y="225631"/>
                   </a:cubicBezTo>
                   <a:close/>
                 </a:path>
@@ -32134,22 +26563,22 @@
             <a:custGeom>
               <a:avLst/>
               <a:gdLst>
-                <a:gd name="connsiteX0" fmla="*/ 0 w 335701"/>
-                <a:gd name="connsiteY0" fmla="*/ 306562 h 504041"/>
-                <a:gd name="connsiteX1" fmla="*/ 98740 w 335701"/>
-                <a:gd name="connsiteY1" fmla="*/ 306562 h 504041"/>
-                <a:gd name="connsiteX2" fmla="*/ 98740 w 335701"/>
-                <a:gd name="connsiteY2" fmla="*/ 0 h 504041"/>
-                <a:gd name="connsiteX3" fmla="*/ 236961 w 335701"/>
-                <a:gd name="connsiteY3" fmla="*/ 0 h 504041"/>
-                <a:gd name="connsiteX4" fmla="*/ 236961 w 335701"/>
-                <a:gd name="connsiteY4" fmla="*/ 306562 h 504041"/>
-                <a:gd name="connsiteX5" fmla="*/ 335701 w 335701"/>
-                <a:gd name="connsiteY5" fmla="*/ 306562 h 504041"/>
-                <a:gd name="connsiteX6" fmla="*/ 167851 w 335701"/>
-                <a:gd name="connsiteY6" fmla="*/ 504041 h 504041"/>
-                <a:gd name="connsiteX7" fmla="*/ 0 w 335701"/>
-                <a:gd name="connsiteY7" fmla="*/ 306562 h 504041"/>
+                <a:gd name="connsiteX0" fmla="*/ 0 w 297385"/>
+                <a:gd name="connsiteY0" fmla="*/ 283029 h 457969"/>
+                <a:gd name="connsiteX1" fmla="*/ 87470 w 297385"/>
+                <a:gd name="connsiteY1" fmla="*/ 283029 h 457969"/>
+                <a:gd name="connsiteX2" fmla="*/ 87470 w 297385"/>
+                <a:gd name="connsiteY2" fmla="*/ 0 h 457969"/>
+                <a:gd name="connsiteX3" fmla="*/ 209915 w 297385"/>
+                <a:gd name="connsiteY3" fmla="*/ 0 h 457969"/>
+                <a:gd name="connsiteX4" fmla="*/ 209915 w 297385"/>
+                <a:gd name="connsiteY4" fmla="*/ 283029 h 457969"/>
+                <a:gd name="connsiteX5" fmla="*/ 297385 w 297385"/>
+                <a:gd name="connsiteY5" fmla="*/ 283029 h 457969"/>
+                <a:gd name="connsiteX6" fmla="*/ 148693 w 297385"/>
+                <a:gd name="connsiteY6" fmla="*/ 457969 h 457969"/>
+                <a:gd name="connsiteX7" fmla="*/ 0 w 297385"/>
+                <a:gd name="connsiteY7" fmla="*/ 283029 h 457969"/>
               </a:gdLst>
               <a:ahLst/>
               <a:cxnLst>
@@ -32180,85 +26609,85 @@
               </a:cxnLst>
               <a:rect l="l" t="t" r="r" b="b"/>
               <a:pathLst>
-                <a:path w="335701" h="504041" fill="none" extrusionOk="0">
+                <a:path w="297385" h="457969" fill="none" extrusionOk="0">
                   <a:moveTo>
-                    <a:pt x="0" y="306562"/>
+                    <a:pt x="0" y="283029"/>
                   </a:moveTo>
                   <a:cubicBezTo>
-                    <a:pt x="20447" y="296867"/>
-                    <a:pt x="54574" y="313262"/>
-                    <a:pt x="98740" y="306562"/>
-                  </a:cubicBezTo>
-                  <a:cubicBezTo>
-                    <a:pt x="92188" y="231958"/>
-                    <a:pt x="130499" y="94077"/>
-                    <a:pt x="98740" y="0"/>
-                  </a:cubicBezTo>
-                  <a:cubicBezTo>
-                    <a:pt x="129189" y="-12577"/>
-                    <a:pt x="168870" y="7464"/>
-                    <a:pt x="236961" y="0"/>
-                  </a:cubicBezTo>
-                  <a:cubicBezTo>
-                    <a:pt x="251719" y="62282"/>
-                    <a:pt x="226656" y="214084"/>
-                    <a:pt x="236961" y="306562"/>
-                  </a:cubicBezTo>
-                  <a:cubicBezTo>
-                    <a:pt x="265671" y="301388"/>
-                    <a:pt x="297108" y="316043"/>
-                    <a:pt x="335701" y="306562"/>
-                  </a:cubicBezTo>
-                  <a:cubicBezTo>
-                    <a:pt x="308147" y="380491"/>
-                    <a:pt x="207572" y="441865"/>
-                    <a:pt x="167851" y="504041"/>
-                  </a:cubicBezTo>
-                  <a:cubicBezTo>
-                    <a:pt x="115591" y="458704"/>
-                    <a:pt x="94100" y="395157"/>
-                    <a:pt x="0" y="306562"/>
+                    <a:pt x="39232" y="281438"/>
+                    <a:pt x="54352" y="284751"/>
+                    <a:pt x="87470" y="283029"/>
+                  </a:cubicBezTo>
+                  <a:cubicBezTo>
+                    <a:pt x="64227" y="213976"/>
+                    <a:pt x="108340" y="74636"/>
+                    <a:pt x="87470" y="0"/>
+                  </a:cubicBezTo>
+                  <a:cubicBezTo>
+                    <a:pt x="124841" y="-4698"/>
+                    <a:pt x="179691" y="2145"/>
+                    <a:pt x="209915" y="0"/>
+                  </a:cubicBezTo>
+                  <a:cubicBezTo>
+                    <a:pt x="237506" y="138388"/>
+                    <a:pt x="209127" y="214901"/>
+                    <a:pt x="209915" y="283029"/>
+                  </a:cubicBezTo>
+                  <a:cubicBezTo>
+                    <a:pt x="231765" y="279910"/>
+                    <a:pt x="256593" y="285810"/>
+                    <a:pt x="297385" y="283029"/>
+                  </a:cubicBezTo>
+                  <a:cubicBezTo>
+                    <a:pt x="280519" y="333210"/>
+                    <a:pt x="178179" y="414173"/>
+                    <a:pt x="148693" y="457969"/>
+                  </a:cubicBezTo>
+                  <a:cubicBezTo>
+                    <a:pt x="63782" y="398310"/>
+                    <a:pt x="67516" y="331407"/>
+                    <a:pt x="0" y="283029"/>
                   </a:cubicBezTo>
                   <a:close/>
                 </a:path>
-                <a:path w="335701" h="504041" stroke="0" extrusionOk="0">
+                <a:path w="297385" h="457969" stroke="0" extrusionOk="0">
                   <a:moveTo>
-                    <a:pt x="0" y="306562"/>
+                    <a:pt x="0" y="283029"/>
                   </a:moveTo>
                   <a:cubicBezTo>
-                    <a:pt x="48364" y="305149"/>
-                    <a:pt x="74963" y="308180"/>
-                    <a:pt x="98740" y="306562"/>
-                  </a:cubicBezTo>
-                  <a:cubicBezTo>
-                    <a:pt x="91163" y="195446"/>
-                    <a:pt x="106543" y="69393"/>
-                    <a:pt x="98740" y="0"/>
-                  </a:cubicBezTo>
-                  <a:cubicBezTo>
-                    <a:pt x="139138" y="-2963"/>
-                    <a:pt x="182167" y="13425"/>
-                    <a:pt x="236961" y="0"/>
-                  </a:cubicBezTo>
-                  <a:cubicBezTo>
-                    <a:pt x="255971" y="107263"/>
-                    <a:pt x="218673" y="159026"/>
-                    <a:pt x="236961" y="306562"/>
-                  </a:cubicBezTo>
-                  <a:cubicBezTo>
-                    <a:pt x="283182" y="298060"/>
-                    <a:pt x="299163" y="312873"/>
-                    <a:pt x="335701" y="306562"/>
-                  </a:cubicBezTo>
-                  <a:cubicBezTo>
-                    <a:pt x="278295" y="379712"/>
-                    <a:pt x="194456" y="449108"/>
-                    <a:pt x="167851" y="504041"/>
-                  </a:cubicBezTo>
-                  <a:cubicBezTo>
-                    <a:pt x="108908" y="459505"/>
-                    <a:pt x="85097" y="401441"/>
-                    <a:pt x="0" y="306562"/>
+                    <a:pt x="40663" y="279735"/>
+                    <a:pt x="66619" y="290882"/>
+                    <a:pt x="87470" y="283029"/>
+                  </a:cubicBezTo>
+                  <a:cubicBezTo>
+                    <a:pt x="66095" y="161801"/>
+                    <a:pt x="112027" y="69192"/>
+                    <a:pt x="87470" y="0"/>
+                  </a:cubicBezTo>
+                  <a:cubicBezTo>
+                    <a:pt x="126859" y="-2628"/>
+                    <a:pt x="158410" y="9928"/>
+                    <a:pt x="209915" y="0"/>
+                  </a:cubicBezTo>
+                  <a:cubicBezTo>
+                    <a:pt x="240194" y="129221"/>
+                    <a:pt x="205074" y="154586"/>
+                    <a:pt x="209915" y="283029"/>
+                  </a:cubicBezTo>
+                  <a:cubicBezTo>
+                    <a:pt x="233748" y="280973"/>
+                    <a:pt x="268433" y="289053"/>
+                    <a:pt x="297385" y="283029"/>
+                  </a:cubicBezTo>
+                  <a:cubicBezTo>
+                    <a:pt x="274647" y="334437"/>
+                    <a:pt x="190314" y="379401"/>
+                    <a:pt x="148693" y="457969"/>
+                  </a:cubicBezTo>
+                  <a:cubicBezTo>
+                    <a:pt x="59124" y="387069"/>
+                    <a:pt x="79340" y="360218"/>
+                    <a:pt x="0" y="283029"/>
                   </a:cubicBezTo>
                   <a:close/>
                 </a:path>
@@ -32325,26 +26754,22 @@
             <a:custGeom>
               <a:avLst/>
               <a:gdLst>
-                <a:gd name="connsiteX0" fmla="*/ 0 w 335701"/>
-                <a:gd name="connsiteY0" fmla="*/ 617604 h 815083"/>
-                <a:gd name="connsiteX1" fmla="*/ 98740 w 335701"/>
-                <a:gd name="connsiteY1" fmla="*/ 617604 h 815083"/>
-                <a:gd name="connsiteX2" fmla="*/ 98740 w 335701"/>
-                <a:gd name="connsiteY2" fmla="*/ 327330 h 815083"/>
-                <a:gd name="connsiteX3" fmla="*/ 98740 w 335701"/>
-                <a:gd name="connsiteY3" fmla="*/ 0 h 815083"/>
-                <a:gd name="connsiteX4" fmla="*/ 236961 w 335701"/>
-                <a:gd name="connsiteY4" fmla="*/ 0 h 815083"/>
-                <a:gd name="connsiteX5" fmla="*/ 236961 w 335701"/>
-                <a:gd name="connsiteY5" fmla="*/ 296450 h 815083"/>
-                <a:gd name="connsiteX6" fmla="*/ 236961 w 335701"/>
-                <a:gd name="connsiteY6" fmla="*/ 617604 h 815083"/>
-                <a:gd name="connsiteX7" fmla="*/ 335701 w 335701"/>
-                <a:gd name="connsiteY7" fmla="*/ 617604 h 815083"/>
-                <a:gd name="connsiteX8" fmla="*/ 167851 w 335701"/>
-                <a:gd name="connsiteY8" fmla="*/ 815083 h 815083"/>
-                <a:gd name="connsiteX9" fmla="*/ 0 w 335701"/>
-                <a:gd name="connsiteY9" fmla="*/ 617604 h 815083"/>
+                <a:gd name="connsiteX0" fmla="*/ 0 w 297385"/>
+                <a:gd name="connsiteY0" fmla="*/ 565641 h 740581"/>
+                <a:gd name="connsiteX1" fmla="*/ 87470 w 297385"/>
+                <a:gd name="connsiteY1" fmla="*/ 565641 h 740581"/>
+                <a:gd name="connsiteX2" fmla="*/ 87470 w 297385"/>
+                <a:gd name="connsiteY2" fmla="*/ 0 h 740581"/>
+                <a:gd name="connsiteX3" fmla="*/ 209915 w 297385"/>
+                <a:gd name="connsiteY3" fmla="*/ 0 h 740581"/>
+                <a:gd name="connsiteX4" fmla="*/ 209915 w 297385"/>
+                <a:gd name="connsiteY4" fmla="*/ 565641 h 740581"/>
+                <a:gd name="connsiteX5" fmla="*/ 297385 w 297385"/>
+                <a:gd name="connsiteY5" fmla="*/ 565641 h 740581"/>
+                <a:gd name="connsiteX6" fmla="*/ 148693 w 297385"/>
+                <a:gd name="connsiteY6" fmla="*/ 740581 h 740581"/>
+                <a:gd name="connsiteX7" fmla="*/ 0 w 297385"/>
+                <a:gd name="connsiteY7" fmla="*/ 565641 h 740581"/>
               </a:gdLst>
               <a:ahLst/>
               <a:cxnLst>
@@ -32372,114 +26797,88 @@
                 <a:cxn ang="0">
                   <a:pos x="connsiteX7" y="connsiteY7"/>
                 </a:cxn>
-                <a:cxn ang="0">
-                  <a:pos x="connsiteX8" y="connsiteY8"/>
-                </a:cxn>
-                <a:cxn ang="0">
-                  <a:pos x="connsiteX9" y="connsiteY9"/>
-                </a:cxn>
               </a:cxnLst>
               <a:rect l="l" t="t" r="r" b="b"/>
               <a:pathLst>
-                <a:path w="335701" h="815083" fill="none" extrusionOk="0">
+                <a:path w="297385" h="740581" fill="none" extrusionOk="0">
                   <a:moveTo>
-                    <a:pt x="0" y="617604"/>
+                    <a:pt x="0" y="565641"/>
                   </a:moveTo>
                   <a:cubicBezTo>
-                    <a:pt x="35940" y="615798"/>
-                    <a:pt x="54673" y="626069"/>
-                    <a:pt x="98740" y="617604"/>
-                  </a:cubicBezTo>
-                  <a:cubicBezTo>
-                    <a:pt x="89637" y="490578"/>
-                    <a:pt x="123565" y="454477"/>
-                    <a:pt x="98740" y="327330"/>
-                  </a:cubicBezTo>
-                  <a:cubicBezTo>
-                    <a:pt x="73915" y="200183"/>
-                    <a:pt x="122167" y="78637"/>
-                    <a:pt x="98740" y="0"/>
-                  </a:cubicBezTo>
-                  <a:cubicBezTo>
-                    <a:pt x="157867" y="-13937"/>
-                    <a:pt x="190048" y="7089"/>
-                    <a:pt x="236961" y="0"/>
-                  </a:cubicBezTo>
-                  <a:cubicBezTo>
-                    <a:pt x="271945" y="95963"/>
-                    <a:pt x="222487" y="234050"/>
-                    <a:pt x="236961" y="296450"/>
-                  </a:cubicBezTo>
-                  <a:cubicBezTo>
-                    <a:pt x="251435" y="358850"/>
-                    <a:pt x="207953" y="457341"/>
-                    <a:pt x="236961" y="617604"/>
-                  </a:cubicBezTo>
-                  <a:cubicBezTo>
-                    <a:pt x="261110" y="610114"/>
-                    <a:pt x="294373" y="622392"/>
-                    <a:pt x="335701" y="617604"/>
-                  </a:cubicBezTo>
-                  <a:cubicBezTo>
-                    <a:pt x="258450" y="716583"/>
-                    <a:pt x="198405" y="768897"/>
-                    <a:pt x="167851" y="815083"/>
-                  </a:cubicBezTo>
-                  <a:cubicBezTo>
-                    <a:pt x="106029" y="755754"/>
-                    <a:pt x="90640" y="682892"/>
-                    <a:pt x="0" y="617604"/>
+                    <a:pt x="39232" y="564050"/>
+                    <a:pt x="54352" y="567363"/>
+                    <a:pt x="87470" y="565641"/>
+                  </a:cubicBezTo>
+                  <a:cubicBezTo>
+                    <a:pt x="23973" y="297259"/>
+                    <a:pt x="113219" y="154693"/>
+                    <a:pt x="87470" y="0"/>
+                  </a:cubicBezTo>
+                  <a:cubicBezTo>
+                    <a:pt x="124841" y="-4698"/>
+                    <a:pt x="179691" y="2145"/>
+                    <a:pt x="209915" y="0"/>
+                  </a:cubicBezTo>
+                  <a:cubicBezTo>
+                    <a:pt x="253775" y="153736"/>
+                    <a:pt x="195950" y="373307"/>
+                    <a:pt x="209915" y="565641"/>
+                  </a:cubicBezTo>
+                  <a:cubicBezTo>
+                    <a:pt x="231765" y="562522"/>
+                    <a:pt x="256593" y="568422"/>
+                    <a:pt x="297385" y="565641"/>
+                  </a:cubicBezTo>
+                  <a:cubicBezTo>
+                    <a:pt x="280519" y="615822"/>
+                    <a:pt x="178179" y="696785"/>
+                    <a:pt x="148693" y="740581"/>
+                  </a:cubicBezTo>
+                  <a:cubicBezTo>
+                    <a:pt x="63782" y="680922"/>
+                    <a:pt x="67516" y="614019"/>
+                    <a:pt x="0" y="565641"/>
                   </a:cubicBezTo>
                   <a:close/>
                 </a:path>
-                <a:path w="335701" h="815083" stroke="0" extrusionOk="0">
+                <a:path w="297385" h="740581" stroke="0" extrusionOk="0">
                   <a:moveTo>
-                    <a:pt x="0" y="617604"/>
+                    <a:pt x="0" y="565641"/>
                   </a:moveTo>
                   <a:cubicBezTo>
-                    <a:pt x="48364" y="616191"/>
-                    <a:pt x="74963" y="619222"/>
-                    <a:pt x="98740" y="617604"/>
-                  </a:cubicBezTo>
-                  <a:cubicBezTo>
-                    <a:pt x="75037" y="505750"/>
-                    <a:pt x="117063" y="418304"/>
-                    <a:pt x="98740" y="308802"/>
-                  </a:cubicBezTo>
-                  <a:cubicBezTo>
-                    <a:pt x="80417" y="199300"/>
-                    <a:pt x="130886" y="152547"/>
-                    <a:pt x="98740" y="0"/>
-                  </a:cubicBezTo>
-                  <a:cubicBezTo>
-                    <a:pt x="144435" y="-14785"/>
-                    <a:pt x="181220" y="15298"/>
-                    <a:pt x="236961" y="0"/>
-                  </a:cubicBezTo>
-                  <a:cubicBezTo>
-                    <a:pt x="266748" y="139082"/>
-                    <a:pt x="201577" y="216006"/>
-                    <a:pt x="236961" y="296450"/>
-                  </a:cubicBezTo>
-                  <a:cubicBezTo>
-                    <a:pt x="272345" y="376894"/>
-                    <a:pt x="228181" y="465753"/>
-                    <a:pt x="236961" y="617604"/>
-                  </a:cubicBezTo>
-                  <a:cubicBezTo>
-                    <a:pt x="256792" y="609135"/>
-                    <a:pt x="312403" y="620638"/>
-                    <a:pt x="335701" y="617604"/>
-                  </a:cubicBezTo>
-                  <a:cubicBezTo>
-                    <a:pt x="285593" y="694796"/>
-                    <a:pt x="228263" y="705800"/>
-                    <a:pt x="167851" y="815083"/>
-                  </a:cubicBezTo>
-                  <a:cubicBezTo>
-                    <a:pt x="106976" y="777112"/>
-                    <a:pt x="75899" y="675668"/>
-                    <a:pt x="0" y="617604"/>
+                    <a:pt x="40663" y="562347"/>
+                    <a:pt x="66619" y="573494"/>
+                    <a:pt x="87470" y="565641"/>
+                  </a:cubicBezTo>
+                  <a:cubicBezTo>
+                    <a:pt x="73367" y="322711"/>
+                    <a:pt x="134088" y="257359"/>
+                    <a:pt x="87470" y="0"/>
+                  </a:cubicBezTo>
+                  <a:cubicBezTo>
+                    <a:pt x="126859" y="-2628"/>
+                    <a:pt x="158410" y="9928"/>
+                    <a:pt x="209915" y="0"/>
+                  </a:cubicBezTo>
+                  <a:cubicBezTo>
+                    <a:pt x="272346" y="197874"/>
+                    <a:pt x="162747" y="313512"/>
+                    <a:pt x="209915" y="565641"/>
+                  </a:cubicBezTo>
+                  <a:cubicBezTo>
+                    <a:pt x="233748" y="563585"/>
+                    <a:pt x="268433" y="571665"/>
+                    <a:pt x="297385" y="565641"/>
+                  </a:cubicBezTo>
+                  <a:cubicBezTo>
+                    <a:pt x="274647" y="617049"/>
+                    <a:pt x="190314" y="662013"/>
+                    <a:pt x="148693" y="740581"/>
+                  </a:cubicBezTo>
+                  <a:cubicBezTo>
+                    <a:pt x="59124" y="669681"/>
+                    <a:pt x="79340" y="642830"/>
+                    <a:pt x="0" y="565641"/>
                   </a:cubicBezTo>
                   <a:close/>
                 </a:path>
@@ -32546,26 +26945,26 @@
             <a:custGeom>
               <a:avLst/>
               <a:gdLst>
-                <a:gd name="connsiteX0" fmla="*/ 0 w 335701"/>
-                <a:gd name="connsiteY0" fmla="*/ 868691 h 1066170"/>
-                <a:gd name="connsiteX1" fmla="*/ 98740 w 335701"/>
-                <a:gd name="connsiteY1" fmla="*/ 868691 h 1066170"/>
-                <a:gd name="connsiteX2" fmla="*/ 98740 w 335701"/>
-                <a:gd name="connsiteY2" fmla="*/ 460406 h 1066170"/>
-                <a:gd name="connsiteX3" fmla="*/ 98740 w 335701"/>
-                <a:gd name="connsiteY3" fmla="*/ 0 h 1066170"/>
-                <a:gd name="connsiteX4" fmla="*/ 236961 w 335701"/>
-                <a:gd name="connsiteY4" fmla="*/ 0 h 1066170"/>
-                <a:gd name="connsiteX5" fmla="*/ 236961 w 335701"/>
-                <a:gd name="connsiteY5" fmla="*/ 416972 h 1066170"/>
-                <a:gd name="connsiteX6" fmla="*/ 236961 w 335701"/>
-                <a:gd name="connsiteY6" fmla="*/ 868691 h 1066170"/>
-                <a:gd name="connsiteX7" fmla="*/ 335701 w 335701"/>
-                <a:gd name="connsiteY7" fmla="*/ 868691 h 1066170"/>
-                <a:gd name="connsiteX8" fmla="*/ 167851 w 335701"/>
-                <a:gd name="connsiteY8" fmla="*/ 1066170 h 1066170"/>
-                <a:gd name="connsiteX9" fmla="*/ 0 w 335701"/>
-                <a:gd name="connsiteY9" fmla="*/ 868691 h 1066170"/>
+                <a:gd name="connsiteX0" fmla="*/ 0 w 297385"/>
+                <a:gd name="connsiteY0" fmla="*/ 793777 h 968717"/>
+                <a:gd name="connsiteX1" fmla="*/ 87470 w 297385"/>
+                <a:gd name="connsiteY1" fmla="*/ 793777 h 968717"/>
+                <a:gd name="connsiteX2" fmla="*/ 87470 w 297385"/>
+                <a:gd name="connsiteY2" fmla="*/ 420702 h 968717"/>
+                <a:gd name="connsiteX3" fmla="*/ 87470 w 297385"/>
+                <a:gd name="connsiteY3" fmla="*/ 0 h 968717"/>
+                <a:gd name="connsiteX4" fmla="*/ 209915 w 297385"/>
+                <a:gd name="connsiteY4" fmla="*/ 0 h 968717"/>
+                <a:gd name="connsiteX5" fmla="*/ 209915 w 297385"/>
+                <a:gd name="connsiteY5" fmla="*/ 381013 h 968717"/>
+                <a:gd name="connsiteX6" fmla="*/ 209915 w 297385"/>
+                <a:gd name="connsiteY6" fmla="*/ 793777 h 968717"/>
+                <a:gd name="connsiteX7" fmla="*/ 297385 w 297385"/>
+                <a:gd name="connsiteY7" fmla="*/ 793777 h 968717"/>
+                <a:gd name="connsiteX8" fmla="*/ 148693 w 297385"/>
+                <a:gd name="connsiteY8" fmla="*/ 968717 h 968717"/>
+                <a:gd name="connsiteX9" fmla="*/ 0 w 297385"/>
+                <a:gd name="connsiteY9" fmla="*/ 793777 h 968717"/>
               </a:gdLst>
               <a:ahLst/>
               <a:cxnLst>
@@ -32602,105 +27001,105 @@
               </a:cxnLst>
               <a:rect l="l" t="t" r="r" b="b"/>
               <a:pathLst>
-                <a:path w="335701" h="1066170" fill="none" extrusionOk="0">
+                <a:path w="297385" h="968717" fill="none" extrusionOk="0">
                   <a:moveTo>
-                    <a:pt x="0" y="868691"/>
+                    <a:pt x="0" y="793777"/>
                   </a:moveTo>
                   <a:cubicBezTo>
-                    <a:pt x="35940" y="866885"/>
-                    <a:pt x="54673" y="877156"/>
-                    <a:pt x="98740" y="868691"/>
-                  </a:cubicBezTo>
-                  <a:cubicBezTo>
-                    <a:pt x="72763" y="771659"/>
-                    <a:pt x="111687" y="563565"/>
-                    <a:pt x="98740" y="460406"/>
-                  </a:cubicBezTo>
-                  <a:cubicBezTo>
-                    <a:pt x="85793" y="357248"/>
-                    <a:pt x="129654" y="187553"/>
-                    <a:pt x="98740" y="0"/>
-                  </a:cubicBezTo>
-                  <a:cubicBezTo>
-                    <a:pt x="157867" y="-13937"/>
-                    <a:pt x="190048" y="7089"/>
-                    <a:pt x="236961" y="0"/>
-                  </a:cubicBezTo>
-                  <a:cubicBezTo>
-                    <a:pt x="274294" y="192958"/>
-                    <a:pt x="212034" y="280632"/>
-                    <a:pt x="236961" y="416972"/>
-                  </a:cubicBezTo>
-                  <a:cubicBezTo>
-                    <a:pt x="261888" y="553312"/>
-                    <a:pt x="224744" y="719643"/>
-                    <a:pt x="236961" y="868691"/>
-                  </a:cubicBezTo>
-                  <a:cubicBezTo>
-                    <a:pt x="261110" y="861201"/>
-                    <a:pt x="294373" y="873479"/>
-                    <a:pt x="335701" y="868691"/>
-                  </a:cubicBezTo>
-                  <a:cubicBezTo>
-                    <a:pt x="258450" y="967670"/>
-                    <a:pt x="198405" y="1019984"/>
-                    <a:pt x="167851" y="1066170"/>
-                  </a:cubicBezTo>
-                  <a:cubicBezTo>
-                    <a:pt x="106029" y="1006841"/>
-                    <a:pt x="90640" y="933979"/>
-                    <a:pt x="0" y="868691"/>
+                    <a:pt x="36003" y="783836"/>
+                    <a:pt x="63872" y="795308"/>
+                    <a:pt x="87470" y="793777"/>
+                  </a:cubicBezTo>
+                  <a:cubicBezTo>
+                    <a:pt x="44956" y="645510"/>
+                    <a:pt x="116763" y="604721"/>
+                    <a:pt x="87470" y="420702"/>
+                  </a:cubicBezTo>
+                  <a:cubicBezTo>
+                    <a:pt x="58177" y="236684"/>
+                    <a:pt x="132282" y="121599"/>
+                    <a:pt x="87470" y="0"/>
+                  </a:cubicBezTo>
+                  <a:cubicBezTo>
+                    <a:pt x="117647" y="-3719"/>
+                    <a:pt x="182577" y="2255"/>
+                    <a:pt x="209915" y="0"/>
+                  </a:cubicBezTo>
+                  <a:cubicBezTo>
+                    <a:pt x="222058" y="86110"/>
+                    <a:pt x="165200" y="211124"/>
+                    <a:pt x="209915" y="381013"/>
+                  </a:cubicBezTo>
+                  <a:cubicBezTo>
+                    <a:pt x="254630" y="550902"/>
+                    <a:pt x="206436" y="609145"/>
+                    <a:pt x="209915" y="793777"/>
+                  </a:cubicBezTo>
+                  <a:cubicBezTo>
+                    <a:pt x="238012" y="789750"/>
+                    <a:pt x="255844" y="796523"/>
+                    <a:pt x="297385" y="793777"/>
+                  </a:cubicBezTo>
+                  <a:cubicBezTo>
+                    <a:pt x="252900" y="888392"/>
+                    <a:pt x="210777" y="875941"/>
+                    <a:pt x="148693" y="968717"/>
+                  </a:cubicBezTo>
+                  <a:cubicBezTo>
+                    <a:pt x="88769" y="898264"/>
+                    <a:pt x="62517" y="860322"/>
+                    <a:pt x="0" y="793777"/>
                   </a:cubicBezTo>
                   <a:close/>
                 </a:path>
-                <a:path w="335701" h="1066170" stroke="0" extrusionOk="0">
+                <a:path w="297385" h="968717" stroke="0" extrusionOk="0">
                   <a:moveTo>
-                    <a:pt x="0" y="868691"/>
+                    <a:pt x="0" y="793777"/>
                   </a:moveTo>
                   <a:cubicBezTo>
-                    <a:pt x="48364" y="867278"/>
-                    <a:pt x="74963" y="870309"/>
-                    <a:pt x="98740" y="868691"/>
-                  </a:cubicBezTo>
-                  <a:cubicBezTo>
-                    <a:pt x="82779" y="716860"/>
-                    <a:pt x="141249" y="551084"/>
-                    <a:pt x="98740" y="434346"/>
-                  </a:cubicBezTo>
-                  <a:cubicBezTo>
-                    <a:pt x="56231" y="317608"/>
-                    <a:pt x="126510" y="181067"/>
-                    <a:pt x="98740" y="0"/>
-                  </a:cubicBezTo>
-                  <a:cubicBezTo>
-                    <a:pt x="144435" y="-14785"/>
-                    <a:pt x="181220" y="15298"/>
-                    <a:pt x="236961" y="0"/>
-                  </a:cubicBezTo>
-                  <a:cubicBezTo>
-                    <a:pt x="250169" y="95700"/>
-                    <a:pt x="203488" y="255579"/>
-                    <a:pt x="236961" y="416972"/>
-                  </a:cubicBezTo>
-                  <a:cubicBezTo>
-                    <a:pt x="270434" y="578365"/>
-                    <a:pt x="223526" y="647850"/>
-                    <a:pt x="236961" y="868691"/>
-                  </a:cubicBezTo>
-                  <a:cubicBezTo>
-                    <a:pt x="256792" y="860222"/>
-                    <a:pt x="312403" y="871725"/>
-                    <a:pt x="335701" y="868691"/>
-                  </a:cubicBezTo>
-                  <a:cubicBezTo>
-                    <a:pt x="285593" y="945883"/>
-                    <a:pt x="228263" y="956887"/>
-                    <a:pt x="167851" y="1066170"/>
-                  </a:cubicBezTo>
-                  <a:cubicBezTo>
-                    <a:pt x="106976" y="1028199"/>
-                    <a:pt x="75899" y="926755"/>
-                    <a:pt x="0" y="868691"/>
+                    <a:pt x="40663" y="790483"/>
+                    <a:pt x="66619" y="801630"/>
+                    <a:pt x="87470" y="793777"/>
+                  </a:cubicBezTo>
+                  <a:cubicBezTo>
+                    <a:pt x="79752" y="634992"/>
+                    <a:pt x="87874" y="580729"/>
+                    <a:pt x="87470" y="396889"/>
+                  </a:cubicBezTo>
+                  <a:cubicBezTo>
+                    <a:pt x="87066" y="213049"/>
+                    <a:pt x="134532" y="104068"/>
+                    <a:pt x="87470" y="0"/>
+                  </a:cubicBezTo>
+                  <a:cubicBezTo>
+                    <a:pt x="125682" y="-1233"/>
+                    <a:pt x="172497" y="13780"/>
+                    <a:pt x="209915" y="0"/>
+                  </a:cubicBezTo>
+                  <a:cubicBezTo>
+                    <a:pt x="238782" y="158834"/>
+                    <a:pt x="189087" y="232857"/>
+                    <a:pt x="209915" y="381013"/>
+                  </a:cubicBezTo>
+                  <a:cubicBezTo>
+                    <a:pt x="230743" y="529169"/>
+                    <a:pt x="167670" y="686315"/>
+                    <a:pt x="209915" y="793777"/>
+                  </a:cubicBezTo>
+                  <a:cubicBezTo>
+                    <a:pt x="250360" y="790324"/>
+                    <a:pt x="256532" y="796536"/>
+                    <a:pt x="297385" y="793777"/>
+                  </a:cubicBezTo>
+                  <a:cubicBezTo>
+                    <a:pt x="251055" y="878947"/>
+                    <a:pt x="163310" y="917202"/>
+                    <a:pt x="148693" y="968717"/>
+                  </a:cubicBezTo>
+                  <a:cubicBezTo>
+                    <a:pt x="94899" y="913537"/>
+                    <a:pt x="73106" y="843600"/>
+                    <a:pt x="0" y="793777"/>
                   </a:cubicBezTo>
                   <a:close/>
                 </a:path>
@@ -32888,21 +27287,21 @@
               <a:avLst/>
               <a:gdLst>
                 <a:gd name="connsiteX0" fmla="*/ 0 w 404088"/>
-                <a:gd name="connsiteY0" fmla="*/ 632900 h 870609"/>
+                <a:gd name="connsiteY0" fmla="*/ 537078 h 774787"/>
                 <a:gd name="connsiteX1" fmla="*/ 118854 w 404088"/>
-                <a:gd name="connsiteY1" fmla="*/ 632900 h 870609"/>
+                <a:gd name="connsiteY1" fmla="*/ 537078 h 774787"/>
                 <a:gd name="connsiteX2" fmla="*/ 118854 w 404088"/>
-                <a:gd name="connsiteY2" fmla="*/ 0 h 870609"/>
+                <a:gd name="connsiteY2" fmla="*/ 0 h 774787"/>
                 <a:gd name="connsiteX3" fmla="*/ 285234 w 404088"/>
-                <a:gd name="connsiteY3" fmla="*/ 0 h 870609"/>
+                <a:gd name="connsiteY3" fmla="*/ 0 h 774787"/>
                 <a:gd name="connsiteX4" fmla="*/ 285234 w 404088"/>
-                <a:gd name="connsiteY4" fmla="*/ 632900 h 870609"/>
+                <a:gd name="connsiteY4" fmla="*/ 537078 h 774787"/>
                 <a:gd name="connsiteX5" fmla="*/ 404088 w 404088"/>
-                <a:gd name="connsiteY5" fmla="*/ 632900 h 870609"/>
+                <a:gd name="connsiteY5" fmla="*/ 537078 h 774787"/>
                 <a:gd name="connsiteX6" fmla="*/ 202044 w 404088"/>
-                <a:gd name="connsiteY6" fmla="*/ 870609 h 870609"/>
+                <a:gd name="connsiteY6" fmla="*/ 774787 h 774787"/>
                 <a:gd name="connsiteX7" fmla="*/ 0 w 404088"/>
-                <a:gd name="connsiteY7" fmla="*/ 632900 h 870609"/>
+                <a:gd name="connsiteY7" fmla="*/ 537078 h 774787"/>
               </a:gdLst>
               <a:ahLst/>
               <a:cxnLst>
@@ -32933,18 +27332,18 @@
               </a:cxnLst>
               <a:rect l="l" t="t" r="r" b="b"/>
               <a:pathLst>
-                <a:path w="404088" h="870609" fill="none" extrusionOk="0">
+                <a:path w="404088" h="774787" fill="none" extrusionOk="0">
                   <a:moveTo>
-                    <a:pt x="0" y="632900"/>
+                    <a:pt x="0" y="537078"/>
                   </a:moveTo>
                   <a:cubicBezTo>
-                    <a:pt x="18769" y="635905"/>
-                    <a:pt x="105645" y="643267"/>
-                    <a:pt x="118854" y="632900"/>
-                  </a:cubicBezTo>
-                  <a:cubicBezTo>
-                    <a:pt x="79881" y="525011"/>
-                    <a:pt x="174819" y="85790"/>
+                    <a:pt x="18769" y="540083"/>
+                    <a:pt x="105645" y="547445"/>
+                    <a:pt x="118854" y="537078"/>
+                  </a:cubicBezTo>
+                  <a:cubicBezTo>
+                    <a:pt x="153916" y="375008"/>
+                    <a:pt x="139851" y="267273"/>
                     <a:pt x="118854" y="0"/>
                   </a:cubicBezTo>
                   <a:cubicBezTo>
@@ -32953,39 +27352,39 @@
                     <a:pt x="285234" y="0"/>
                   </a:cubicBezTo>
                   <a:cubicBezTo>
-                    <a:pt x="322256" y="191882"/>
-                    <a:pt x="276812" y="455748"/>
-                    <a:pt x="285234" y="632900"/>
-                  </a:cubicBezTo>
-                  <a:cubicBezTo>
-                    <a:pt x="342100" y="632822"/>
-                    <a:pt x="373595" y="624733"/>
-                    <a:pt x="404088" y="632900"/>
-                  </a:cubicBezTo>
-                  <a:cubicBezTo>
-                    <a:pt x="309353" y="747071"/>
-                    <a:pt x="268849" y="766140"/>
-                    <a:pt x="202044" y="870609"/>
-                  </a:cubicBezTo>
-                  <a:cubicBezTo>
-                    <a:pt x="189426" y="836229"/>
-                    <a:pt x="101311" y="717387"/>
-                    <a:pt x="0" y="632900"/>
+                    <a:pt x="238244" y="257976"/>
+                    <a:pt x="325855" y="320026"/>
+                    <a:pt x="285234" y="537078"/>
+                  </a:cubicBezTo>
+                  <a:cubicBezTo>
+                    <a:pt x="342100" y="537000"/>
+                    <a:pt x="373595" y="528911"/>
+                    <a:pt x="404088" y="537078"/>
+                  </a:cubicBezTo>
+                  <a:cubicBezTo>
+                    <a:pt x="309353" y="651249"/>
+                    <a:pt x="268849" y="670318"/>
+                    <a:pt x="202044" y="774787"/>
+                  </a:cubicBezTo>
+                  <a:cubicBezTo>
+                    <a:pt x="189426" y="740407"/>
+                    <a:pt x="101311" y="621565"/>
+                    <a:pt x="0" y="537078"/>
                   </a:cubicBezTo>
                   <a:close/>
                 </a:path>
-                <a:path w="404088" h="870609" stroke="0" extrusionOk="0">
+                <a:path w="404088" h="774787" stroke="0" extrusionOk="0">
                   <a:moveTo>
-                    <a:pt x="0" y="632900"/>
+                    <a:pt x="0" y="537078"/>
                   </a:moveTo>
                   <a:cubicBezTo>
-                    <a:pt x="49415" y="629471"/>
-                    <a:pt x="104208" y="626295"/>
-                    <a:pt x="118854" y="632900"/>
-                  </a:cubicBezTo>
-                  <a:cubicBezTo>
-                    <a:pt x="83658" y="327747"/>
-                    <a:pt x="167056" y="301135"/>
+                    <a:pt x="49415" y="533649"/>
+                    <a:pt x="104208" y="530473"/>
+                    <a:pt x="118854" y="537078"/>
+                  </a:cubicBezTo>
+                  <a:cubicBezTo>
+                    <a:pt x="80678" y="279910"/>
+                    <a:pt x="139537" y="242289"/>
                     <a:pt x="118854" y="0"/>
                   </a:cubicBezTo>
                   <a:cubicBezTo>
@@ -32994,24 +27393,24 @@
                     <a:pt x="285234" y="0"/>
                   </a:cubicBezTo>
                   <a:cubicBezTo>
-                    <a:pt x="250508" y="180531"/>
-                    <a:pt x="306271" y="491708"/>
-                    <a:pt x="285234" y="632900"/>
-                  </a:cubicBezTo>
-                  <a:cubicBezTo>
-                    <a:pt x="337659" y="634636"/>
-                    <a:pt x="383912" y="634351"/>
-                    <a:pt x="404088" y="632900"/>
-                  </a:cubicBezTo>
-                  <a:cubicBezTo>
-                    <a:pt x="385851" y="677983"/>
-                    <a:pt x="274519" y="803471"/>
-                    <a:pt x="202044" y="870609"/>
-                  </a:cubicBezTo>
-                  <a:cubicBezTo>
-                    <a:pt x="173605" y="802155"/>
-                    <a:pt x="23855" y="662623"/>
-                    <a:pt x="0" y="632900"/>
+                    <a:pt x="241436" y="153438"/>
+                    <a:pt x="255692" y="352347"/>
+                    <a:pt x="285234" y="537078"/>
+                  </a:cubicBezTo>
+                  <a:cubicBezTo>
+                    <a:pt x="337659" y="538814"/>
+                    <a:pt x="383912" y="538529"/>
+                    <a:pt x="404088" y="537078"/>
+                  </a:cubicBezTo>
+                  <a:cubicBezTo>
+                    <a:pt x="385851" y="582161"/>
+                    <a:pt x="274519" y="707649"/>
+                    <a:pt x="202044" y="774787"/>
+                  </a:cubicBezTo>
+                  <a:cubicBezTo>
+                    <a:pt x="173605" y="706333"/>
+                    <a:pt x="23855" y="566801"/>
+                    <a:pt x="0" y="537078"/>
                   </a:cubicBezTo>
                   <a:close/>
                 </a:path>
@@ -34817,6 +29216,285 @@
 </p:sld>
 </file>
 
+<file path=ppt/slides/slide9.xml><?xml version="1.0" encoding="utf-8"?>
+<p:sld xmlns:a="http://schemas.openxmlformats.org/drawingml/2006/main" xmlns:r="http://schemas.openxmlformats.org/officeDocument/2006/relationships" xmlns:p="http://schemas.openxmlformats.org/presentationml/2006/main">
+  <p:cSld>
+    <p:spTree>
+      <p:nvGrpSpPr>
+        <p:cNvPr id="1" name=""/>
+        <p:cNvGrpSpPr/>
+        <p:nvPr/>
+      </p:nvGrpSpPr>
+      <p:grpSpPr>
+        <a:xfrm>
+          <a:off x="0" y="0"/>
+          <a:ext cx="0" cy="0"/>
+          <a:chOff x="0" y="0"/>
+          <a:chExt cx="0" cy="0"/>
+        </a:xfrm>
+      </p:grpSpPr>
+      <p:sp>
+        <p:nvSpPr>
+          <p:cNvPr id="2" name="Title 1">
+            <a:extLst>
+              <a:ext uri="{FF2B5EF4-FFF2-40B4-BE49-F238E27FC236}">
+                <a16:creationId xmlns:a16="http://schemas.microsoft.com/office/drawing/2014/main" id="{53532E95-55A3-475F-B657-29DBE4E084AB}"/>
+              </a:ext>
+            </a:extLst>
+          </p:cNvPr>
+          <p:cNvSpPr>
+            <a:spLocks noGrp="1"/>
+          </p:cNvSpPr>
+          <p:nvPr>
+            <p:ph type="title"/>
+          </p:nvPr>
+        </p:nvSpPr>
+        <p:spPr>
+          <a:xfrm>
+            <a:off x="828040" y="131445"/>
+            <a:ext cx="10515600" cy="1128385"/>
+          </a:xfrm>
+        </p:spPr>
+        <p:txBody>
+          <a:bodyPr>
+            <a:normAutofit/>
+          </a:bodyPr>
+          <a:lstStyle/>
+          <a:p>
+            <a:r>
+              <a:rPr lang="en-US" b="1" dirty="0"/>
+              <a:t> Front Engine Demo </a:t>
+            </a:r>
+          </a:p>
+        </p:txBody>
+      </p:sp>
+      <p:sp>
+        <p:nvSpPr>
+          <p:cNvPr id="3" name="Rectangle 2">
+            <a:extLst>
+              <a:ext uri="{FF2B5EF4-FFF2-40B4-BE49-F238E27FC236}">
+                <a16:creationId xmlns:a16="http://schemas.microsoft.com/office/drawing/2014/main" id="{44E72F99-2102-4087-BA03-2854BF737A18}"/>
+              </a:ext>
+            </a:extLst>
+          </p:cNvPr>
+          <p:cNvSpPr/>
+          <p:nvPr/>
+        </p:nvSpPr>
+        <p:spPr>
+          <a:xfrm>
+            <a:off x="81280" y="-20320"/>
+            <a:ext cx="132080" cy="1361437"/>
+          </a:xfrm>
+          <a:prstGeom prst="rect">
+            <a:avLst/>
+          </a:prstGeom>
+          <a:solidFill>
+            <a:srgbClr val="0070C0"/>
+          </a:solidFill>
+          <a:ln>
+            <a:noFill/>
+          </a:ln>
+        </p:spPr>
+        <p:style>
+          <a:lnRef idx="2">
+            <a:schemeClr val="accent1">
+              <a:shade val="50000"/>
+            </a:schemeClr>
+          </a:lnRef>
+          <a:fillRef idx="1">
+            <a:schemeClr val="accent1"/>
+          </a:fillRef>
+          <a:effectRef idx="0">
+            <a:schemeClr val="accent1"/>
+          </a:effectRef>
+          <a:fontRef idx="minor">
+            <a:schemeClr val="lt1"/>
+          </a:fontRef>
+        </p:style>
+        <p:txBody>
+          <a:bodyPr rtlCol="0" anchor="ctr"/>
+          <a:lstStyle/>
+          <a:p>
+            <a:pPr algn="ctr"/>
+            <a:endParaRPr lang="en-US"/>
+          </a:p>
+        </p:txBody>
+      </p:sp>
+      <p:sp>
+        <p:nvSpPr>
+          <p:cNvPr id="4" name="Rectangle 3">
+            <a:extLst>
+              <a:ext uri="{FF2B5EF4-FFF2-40B4-BE49-F238E27FC236}">
+                <a16:creationId xmlns:a16="http://schemas.microsoft.com/office/drawing/2014/main" id="{BDE1D32A-BC0E-4740-99EA-C260029D6E79}"/>
+              </a:ext>
+            </a:extLst>
+          </p:cNvPr>
+          <p:cNvSpPr/>
+          <p:nvPr/>
+        </p:nvSpPr>
+        <p:spPr>
+          <a:xfrm>
+            <a:off x="81280" y="1493520"/>
+            <a:ext cx="132080" cy="5379720"/>
+          </a:xfrm>
+          <a:prstGeom prst="rect">
+            <a:avLst/>
+          </a:prstGeom>
+          <a:solidFill>
+            <a:schemeClr val="accent6">
+              <a:lumMod val="75000"/>
+            </a:schemeClr>
+          </a:solidFill>
+          <a:ln>
+            <a:noFill/>
+          </a:ln>
+        </p:spPr>
+        <p:style>
+          <a:lnRef idx="2">
+            <a:schemeClr val="accent1">
+              <a:shade val="50000"/>
+            </a:schemeClr>
+          </a:lnRef>
+          <a:fillRef idx="1">
+            <a:schemeClr val="accent1"/>
+          </a:fillRef>
+          <a:effectRef idx="0">
+            <a:schemeClr val="accent1"/>
+          </a:effectRef>
+          <a:fontRef idx="minor">
+            <a:schemeClr val="lt1"/>
+          </a:fontRef>
+        </p:style>
+        <p:txBody>
+          <a:bodyPr rtlCol="0" anchor="ctr"/>
+          <a:lstStyle/>
+          <a:p>
+            <a:pPr algn="ctr"/>
+            <a:endParaRPr lang="en-US"/>
+          </a:p>
+        </p:txBody>
+      </p:sp>
+      <p:cxnSp>
+        <p:nvCxnSpPr>
+          <p:cNvPr id="6" name="Straight Connector 5">
+            <a:extLst>
+              <a:ext uri="{FF2B5EF4-FFF2-40B4-BE49-F238E27FC236}">
+                <a16:creationId xmlns:a16="http://schemas.microsoft.com/office/drawing/2014/main" id="{42B42CE4-A3FF-47D7-BDE3-941AD732A014}"/>
+              </a:ext>
+            </a:extLst>
+          </p:cNvPr>
+          <p:cNvCxnSpPr/>
+          <p:nvPr/>
+        </p:nvCxnSpPr>
+        <p:spPr>
+          <a:xfrm>
+            <a:off x="670560" y="1341120"/>
+            <a:ext cx="10952480" cy="0"/>
+          </a:xfrm>
+          <a:prstGeom prst="line">
+            <a:avLst/>
+          </a:prstGeom>
+          <a:ln w="38100"/>
+          <a:effectLst/>
+        </p:spPr>
+        <p:style>
+          <a:lnRef idx="3">
+            <a:schemeClr val="accent1"/>
+          </a:lnRef>
+          <a:fillRef idx="0">
+            <a:schemeClr val="accent1"/>
+          </a:fillRef>
+          <a:effectRef idx="2">
+            <a:schemeClr val="accent1"/>
+          </a:effectRef>
+          <a:fontRef idx="minor">
+            <a:schemeClr val="tx1"/>
+          </a:fontRef>
+        </p:style>
+      </p:cxnSp>
+      <p:pic>
+        <p:nvPicPr>
+          <p:cNvPr id="8" name="Picture 7">
+            <a:extLst>
+              <a:ext uri="{FF2B5EF4-FFF2-40B4-BE49-F238E27FC236}">
+                <a16:creationId xmlns:a16="http://schemas.microsoft.com/office/drawing/2014/main" id="{B34AD64E-3454-4CCD-9BC2-FB8949A785A6}"/>
+              </a:ext>
+            </a:extLst>
+          </p:cNvPr>
+          <p:cNvPicPr>
+            <a:picLocks noChangeAspect="1"/>
+          </p:cNvPicPr>
+          <p:nvPr/>
+        </p:nvPicPr>
+        <p:blipFill>
+          <a:blip r:embed="rId2"/>
+          <a:stretch>
+            <a:fillRect/>
+          </a:stretch>
+        </p:blipFill>
+        <p:spPr>
+          <a:xfrm>
+            <a:off x="2766299" y="1422411"/>
+            <a:ext cx="5097032" cy="3998424"/>
+          </a:xfrm>
+          <a:prstGeom prst="ellipse">
+            <a:avLst/>
+          </a:prstGeom>
+        </p:spPr>
+      </p:pic>
+      <p:sp>
+        <p:nvSpPr>
+          <p:cNvPr id="9" name="TextBox 8">
+            <a:extLst>
+              <a:ext uri="{FF2B5EF4-FFF2-40B4-BE49-F238E27FC236}">
+                <a16:creationId xmlns:a16="http://schemas.microsoft.com/office/drawing/2014/main" id="{AD62067B-80F1-47C1-8E51-DA5CE14051C4}"/>
+              </a:ext>
+            </a:extLst>
+          </p:cNvPr>
+          <p:cNvSpPr txBox="1"/>
+          <p:nvPr/>
+        </p:nvSpPr>
+        <p:spPr>
+          <a:xfrm>
+            <a:off x="10981412" y="6503253"/>
+            <a:ext cx="1210588" cy="400110"/>
+          </a:xfrm>
+          <a:prstGeom prst="rect">
+            <a:avLst/>
+          </a:prstGeom>
+          <a:noFill/>
+        </p:spPr>
+        <p:txBody>
+          <a:bodyPr wrap="none" rtlCol="0">
+            <a:spAutoFit/>
+          </a:bodyPr>
+          <a:lstStyle/>
+          <a:p>
+            <a:r>
+              <a:rPr lang="en-US" sz="2000" b="1" dirty="0">
+                <a:solidFill>
+                  <a:srgbClr val="0070C0"/>
+                </a:solidFill>
+                <a:latin typeface="Book Antiqua" panose="02040602050305030304" pitchFamily="18" charset="0"/>
+              </a:rPr>
+              <a:t>ArkThor</a:t>
+            </a:r>
+          </a:p>
+        </p:txBody>
+      </p:sp>
+    </p:spTree>
+    <p:extLst>
+      <p:ext uri="{BB962C8B-B14F-4D97-AF65-F5344CB8AC3E}">
+        <p14:creationId xmlns:p14="http://schemas.microsoft.com/office/powerpoint/2010/main" val="3596955378"/>
+      </p:ext>
+    </p:extLst>
+  </p:cSld>
+  <p:clrMapOvr>
+    <a:masterClrMapping/>
+  </p:clrMapOvr>
+</p:sld>
+</file>
+
 <file path=ppt/theme/theme1.xml><?xml version="1.0" encoding="utf-8"?>
 <a:theme xmlns:a="http://schemas.openxmlformats.org/drawingml/2006/main" name="Office Theme">
   <a:themeElements>
